--- a/pres-source/11-realtime-bigdata.pptx
+++ b/pres-source/11-realtime-bigdata.pptx
@@ -5,11 +5,29 @@
     <p:sldMasterId id="2147483648" r:id="rId1"/>
   </p:sldMasterIdLst>
   <p:notesMasterIdLst>
-    <p:notesMasterId r:id="rId4"/>
+    <p:notesMasterId r:id="rId22"/>
   </p:notesMasterIdLst>
   <p:sldIdLst>
     <p:sldId id="256" r:id="rId2"/>
-    <p:sldId id="283" r:id="rId3"/>
+    <p:sldId id="285" r:id="rId3"/>
+    <p:sldId id="286" r:id="rId4"/>
+    <p:sldId id="287" r:id="rId5"/>
+    <p:sldId id="290" r:id="rId6"/>
+    <p:sldId id="289" r:id="rId7"/>
+    <p:sldId id="299" r:id="rId8"/>
+    <p:sldId id="292" r:id="rId9"/>
+    <p:sldId id="293" r:id="rId10"/>
+    <p:sldId id="294" r:id="rId11"/>
+    <p:sldId id="295" r:id="rId12"/>
+    <p:sldId id="297" r:id="rId13"/>
+    <p:sldId id="298" r:id="rId14"/>
+    <p:sldId id="296" r:id="rId15"/>
+    <p:sldId id="300" r:id="rId16"/>
+    <p:sldId id="301" r:id="rId17"/>
+    <p:sldId id="302" r:id="rId18"/>
+    <p:sldId id="303" r:id="rId19"/>
+    <p:sldId id="304" r:id="rId20"/>
+    <p:sldId id="283" r:id="rId21"/>
   </p:sldIdLst>
   <p:sldSz cx="9144000" cy="6858000" type="screen4x3"/>
   <p:notesSz cx="6858000" cy="9144000"/>
@@ -198,7 +216,7 @@
             <a:fld id="{7307762F-A706-E543-A832-3C298AA3103F}" type="datetimeFigureOut">
               <a:rPr lang="en-US" smtClean="0"/>
               <a:pPr/>
-              <a:t>13/11/15</a:t>
+              <a:t>15/11/15</a:t>
             </a:fld>
             <a:endParaRPr lang="en-US" dirty="0"/>
           </a:p>
@@ -765,7 +783,7 @@
           <a:p>
             <a:fld id="{875CF0EB-321F-0749-B37A-89BBA859503C}" type="datetimeFigureOut">
               <a:rPr lang="en-US" smtClean="0"/>
-              <a:t>13/11/15</a:t>
+              <a:t>15/11/15</a:t>
             </a:fld>
             <a:endParaRPr lang="en-US"/>
           </a:p>
@@ -969,7 +987,7 @@
           <a:p>
             <a:fld id="{875CF0EB-321F-0749-B37A-89BBA859503C}" type="datetimeFigureOut">
               <a:rPr lang="en-US" smtClean="0"/>
-              <a:t>13/11/15</a:t>
+              <a:t>15/11/15</a:t>
             </a:fld>
             <a:endParaRPr lang="en-US"/>
           </a:p>
@@ -1037,6 +1055,150 @@
     <p:extLst>
       <p:ext uri="{BB962C8B-B14F-4D97-AF65-F5344CB8AC3E}">
         <p14:creationId xmlns:p14="http://schemas.microsoft.com/office/powerpoint/2010/main" val="3620185153"/>
+      </p:ext>
+    </p:extLst>
+  </p:cSld>
+  <p:clrMapOvr>
+    <a:masterClrMapping/>
+  </p:clrMapOvr>
+</p:sldLayout>
+</file>
+
+<file path=ppt/slideLayouts/slideLayout12.xml><?xml version="1.0" encoding="utf-8"?>
+<p:sldLayout xmlns:a="http://schemas.openxmlformats.org/drawingml/2006/main" xmlns:r="http://schemas.openxmlformats.org/officeDocument/2006/relationships" xmlns:p="http://schemas.openxmlformats.org/presentationml/2006/main" userDrawn="1">
+  <p:cSld name="2_Title and Content">
+    <p:spTree>
+      <p:nvGrpSpPr>
+        <p:cNvPr id="1" name=""/>
+        <p:cNvGrpSpPr/>
+        <p:nvPr/>
+      </p:nvGrpSpPr>
+      <p:grpSpPr>
+        <a:xfrm>
+          <a:off x="0" y="0"/>
+          <a:ext cx="0" cy="0"/>
+          <a:chOff x="0" y="0"/>
+          <a:chExt cx="0" cy="0"/>
+        </a:xfrm>
+      </p:grpSpPr>
+      <p:sp>
+        <p:nvSpPr>
+          <p:cNvPr id="4" name="Date Placeholder 3"/>
+          <p:cNvSpPr>
+            <a:spLocks noGrp="1"/>
+          </p:cNvSpPr>
+          <p:nvPr>
+            <p:ph type="dt" sz="half" idx="10"/>
+          </p:nvPr>
+        </p:nvSpPr>
+        <p:spPr>
+          <a:xfrm>
+            <a:off x="457202" y="6356352"/>
+            <a:ext cx="2133600" cy="365125"/>
+          </a:xfrm>
+          <a:prstGeom prst="rect">
+            <a:avLst/>
+          </a:prstGeom>
+        </p:spPr>
+        <p:txBody>
+          <a:bodyPr lIns="82296" tIns="41148" rIns="82296" bIns="41148"/>
+          <a:lstStyle/>
+          <a:p>
+            <a:endParaRPr lang="en-US"/>
+          </a:p>
+        </p:txBody>
+      </p:sp>
+      <p:sp>
+        <p:nvSpPr>
+          <p:cNvPr id="5" name="Footer Placeholder 4"/>
+          <p:cNvSpPr>
+            <a:spLocks noGrp="1"/>
+          </p:cNvSpPr>
+          <p:nvPr>
+            <p:ph type="ftr" sz="quarter" idx="11"/>
+          </p:nvPr>
+        </p:nvSpPr>
+        <p:spPr>
+          <a:xfrm>
+            <a:off x="3124205" y="6356352"/>
+            <a:ext cx="2895600" cy="365125"/>
+          </a:xfrm>
+          <a:prstGeom prst="rect">
+            <a:avLst/>
+          </a:prstGeom>
+        </p:spPr>
+        <p:txBody>
+          <a:bodyPr lIns="82296" tIns="41148" rIns="82296" bIns="41148"/>
+          <a:lstStyle/>
+          <a:p>
+            <a:endParaRPr lang="en-US"/>
+          </a:p>
+        </p:txBody>
+      </p:sp>
+      <p:sp>
+        <p:nvSpPr>
+          <p:cNvPr id="6" name="Slide Number Placeholder 5"/>
+          <p:cNvSpPr>
+            <a:spLocks noGrp="1"/>
+          </p:cNvSpPr>
+          <p:nvPr>
+            <p:ph type="sldNum" sz="quarter" idx="12"/>
+          </p:nvPr>
+        </p:nvSpPr>
+        <p:spPr>
+          <a:xfrm>
+            <a:off x="6553200" y="6356352"/>
+            <a:ext cx="2133600" cy="365125"/>
+          </a:xfrm>
+          <a:prstGeom prst="rect">
+            <a:avLst/>
+          </a:prstGeom>
+        </p:spPr>
+        <p:txBody>
+          <a:bodyPr lIns="82296" tIns="41148" rIns="82296" bIns="41148"/>
+          <a:lstStyle/>
+          <a:p>
+            <a:fld id="{A8D424FE-D216-4DA0-9EB3-59CD2FCFD236}" type="slidenum">
+              <a:rPr lang="en-US" smtClean="0"/>
+              <a:pPr/>
+              <a:t>‹#›</a:t>
+            </a:fld>
+            <a:endParaRPr lang="en-US"/>
+          </a:p>
+        </p:txBody>
+      </p:sp>
+      <p:sp>
+        <p:nvSpPr>
+          <p:cNvPr id="8" name="Title 1"/>
+          <p:cNvSpPr>
+            <a:spLocks noGrp="1"/>
+          </p:cNvSpPr>
+          <p:nvPr>
+            <p:ph type="title"/>
+          </p:nvPr>
+        </p:nvSpPr>
+        <p:spPr>
+          <a:xfrm>
+            <a:off x="457200" y="754381"/>
+            <a:ext cx="8229600" cy="822642"/>
+          </a:xfrm>
+        </p:spPr>
+        <p:txBody>
+          <a:bodyPr/>
+          <a:lstStyle/>
+          <a:p>
+            <a:r>
+              <a:rPr lang="en-US" dirty="0" smtClean="0"/>
+              <a:t>Click to edit Master title style</a:t>
+            </a:r>
+            <a:endParaRPr lang="en-US" dirty="0"/>
+          </a:p>
+        </p:txBody>
+      </p:sp>
+    </p:spTree>
+    <p:extLst>
+      <p:ext uri="{BB962C8B-B14F-4D97-AF65-F5344CB8AC3E}">
+        <p14:creationId xmlns:p14="http://schemas.microsoft.com/office/powerpoint/2010/main" val="681553411"/>
       </p:ext>
     </p:extLst>
   </p:cSld>
@@ -1163,7 +1325,7 @@
           <a:p>
             <a:fld id="{875CF0EB-321F-0749-B37A-89BBA859503C}" type="datetimeFigureOut">
               <a:rPr lang="en-US" smtClean="0"/>
-              <a:t>13/11/15</a:t>
+              <a:t>15/11/15</a:t>
             </a:fld>
             <a:endParaRPr lang="en-US"/>
           </a:p>
@@ -1433,7 +1595,7 @@
           <a:p>
             <a:fld id="{875CF0EB-321F-0749-B37A-89BBA859503C}" type="datetimeFigureOut">
               <a:rPr lang="en-US" smtClean="0"/>
-              <a:t>13/11/15</a:t>
+              <a:t>15/11/15</a:t>
             </a:fld>
             <a:endParaRPr lang="en-US"/>
           </a:p>
@@ -1745,7 +1907,7 @@
           <a:p>
             <a:fld id="{875CF0EB-321F-0749-B37A-89BBA859503C}" type="datetimeFigureOut">
               <a:rPr lang="en-US" smtClean="0"/>
-              <a:t>13/11/15</a:t>
+              <a:t>15/11/15</a:t>
             </a:fld>
             <a:endParaRPr lang="en-US"/>
           </a:p>
@@ -2191,7 +2353,7 @@
           <a:p>
             <a:fld id="{875CF0EB-321F-0749-B37A-89BBA859503C}" type="datetimeFigureOut">
               <a:rPr lang="en-US" smtClean="0"/>
-              <a:t>13/11/15</a:t>
+              <a:t>15/11/15</a:t>
             </a:fld>
             <a:endParaRPr lang="en-US"/>
           </a:p>
@@ -2333,7 +2495,7 @@
           <a:p>
             <a:fld id="{875CF0EB-321F-0749-B37A-89BBA859503C}" type="datetimeFigureOut">
               <a:rPr lang="en-US" smtClean="0"/>
-              <a:t>13/11/15</a:t>
+              <a:t>15/11/15</a:t>
             </a:fld>
             <a:endParaRPr lang="en-US"/>
           </a:p>
@@ -2452,7 +2614,7 @@
           <a:p>
             <a:fld id="{875CF0EB-321F-0749-B37A-89BBA859503C}" type="datetimeFigureOut">
               <a:rPr lang="en-US" smtClean="0"/>
-              <a:t>13/11/15</a:t>
+              <a:t>15/11/15</a:t>
             </a:fld>
             <a:endParaRPr lang="en-US"/>
           </a:p>
@@ -2753,7 +2915,7 @@
           <a:p>
             <a:fld id="{875CF0EB-321F-0749-B37A-89BBA859503C}" type="datetimeFigureOut">
               <a:rPr lang="en-US" smtClean="0"/>
-              <a:t>13/11/15</a:t>
+              <a:t>15/11/15</a:t>
             </a:fld>
             <a:endParaRPr lang="en-US"/>
           </a:p>
@@ -3030,7 +3192,7 @@
           <a:p>
             <a:fld id="{875CF0EB-321F-0749-B37A-89BBA859503C}" type="datetimeFigureOut">
               <a:rPr lang="en-US" smtClean="0"/>
-              <a:t>13/11/15</a:t>
+              <a:t>15/11/15</a:t>
             </a:fld>
             <a:endParaRPr lang="en-US"/>
           </a:p>
@@ -3438,7 +3600,7 @@
             <a:r>
               <a:rPr lang="en-US" sz="1000" dirty="0" smtClean="0">
                 <a:latin typeface="Montserrat"/>
-                <a:hlinkClick r:id="rId13"/>
+                <a:hlinkClick r:id="rId14"/>
               </a:rPr>
               <a:t>http://creativecommons.org/licenses/by-sa/4.0/</a:t>
             </a:r>
@@ -3468,7 +3630,7 @@
           <p:nvPr userDrawn="1"/>
         </p:nvPicPr>
         <p:blipFill>
-          <a:blip r:embed="rId14">
+          <a:blip r:embed="rId15">
             <a:extLst>
               <a:ext uri="{28A0092B-C50C-407E-A947-70E740481C1C}">
                 <a14:useLocalDpi xmlns:a14="http://schemas.microsoft.com/office/drawing/2010/main" val="0"/>
@@ -3533,6 +3695,7 @@
     <p:sldLayoutId id="2147483657" r:id="rId9"/>
     <p:sldLayoutId id="2147483658" r:id="rId10"/>
     <p:sldLayoutId id="2147483659" r:id="rId11"/>
+    <p:sldLayoutId id="2147483660" r:id="rId12"/>
   </p:sldLayoutIdLst>
   <p:txStyles>
     <p:titleStyle>
@@ -4016,6 +4179,1233 @@
 </p:sld>
 </file>
 
+<file path=ppt/slides/slide10.xml><?xml version="1.0" encoding="utf-8"?>
+<p:sld xmlns:a="http://schemas.openxmlformats.org/drawingml/2006/main" xmlns:r="http://schemas.openxmlformats.org/officeDocument/2006/relationships" xmlns:p="http://schemas.openxmlformats.org/presentationml/2006/main">
+  <p:cSld>
+    <p:spTree>
+      <p:nvGrpSpPr>
+        <p:cNvPr id="1" name=""/>
+        <p:cNvGrpSpPr/>
+        <p:nvPr/>
+      </p:nvGrpSpPr>
+      <p:grpSpPr>
+        <a:xfrm>
+          <a:off x="0" y="0"/>
+          <a:ext cx="0" cy="0"/>
+          <a:chOff x="0" y="0"/>
+          <a:chExt cx="0" cy="0"/>
+        </a:xfrm>
+      </p:grpSpPr>
+      <p:sp>
+        <p:nvSpPr>
+          <p:cNvPr id="2" name="Title 1"/>
+          <p:cNvSpPr>
+            <a:spLocks noGrp="1"/>
+          </p:cNvSpPr>
+          <p:nvPr>
+            <p:ph type="title"/>
+          </p:nvPr>
+        </p:nvSpPr>
+        <p:spPr/>
+        <p:txBody>
+          <a:bodyPr/>
+          <a:lstStyle/>
+          <a:p>
+            <a:r>
+              <a:rPr lang="en-US" dirty="0" smtClean="0"/>
+              <a:t>Apache Storm</a:t>
+            </a:r>
+            <a:endParaRPr lang="en-US" dirty="0"/>
+          </a:p>
+        </p:txBody>
+      </p:sp>
+      <p:sp>
+        <p:nvSpPr>
+          <p:cNvPr id="3" name="Content Placeholder 2"/>
+          <p:cNvSpPr>
+            <a:spLocks noGrp="1"/>
+          </p:cNvSpPr>
+          <p:nvPr>
+            <p:ph idx="1"/>
+          </p:nvPr>
+        </p:nvSpPr>
+        <p:spPr/>
+        <p:txBody>
+          <a:bodyPr/>
+          <a:lstStyle/>
+          <a:p>
+            <a:r>
+              <a:rPr lang="en-US" dirty="0" smtClean="0"/>
+              <a:t>Originally developed by </a:t>
+            </a:r>
+            <a:r>
+              <a:rPr lang="en-US" dirty="0" err="1" smtClean="0"/>
+              <a:t>BackType</a:t>
+            </a:r>
+            <a:endParaRPr lang="en-US" dirty="0" smtClean="0"/>
+          </a:p>
+          <a:p>
+            <a:pPr lvl="1"/>
+            <a:r>
+              <a:rPr lang="en-US" dirty="0" smtClean="0"/>
+              <a:t>Nathan </a:t>
+            </a:r>
+            <a:r>
+              <a:rPr lang="en-US" dirty="0" err="1" smtClean="0"/>
+              <a:t>Marz</a:t>
+            </a:r>
+            <a:endParaRPr lang="en-US" dirty="0" smtClean="0"/>
+          </a:p>
+          <a:p>
+            <a:r>
+              <a:rPr lang="en-US" dirty="0" smtClean="0"/>
+              <a:t>Acquired by Twitter</a:t>
+            </a:r>
+          </a:p>
+          <a:p>
+            <a:r>
+              <a:rPr lang="en-US" dirty="0" smtClean="0"/>
+              <a:t>Open Sourced and then donated to Apache</a:t>
+            </a:r>
+          </a:p>
+          <a:p>
+            <a:r>
+              <a:rPr lang="en-US" dirty="0" smtClean="0"/>
+              <a:t>Became a top level project in 2014 </a:t>
+            </a:r>
+          </a:p>
+          <a:p>
+            <a:pPr lvl="1"/>
+            <a:endParaRPr lang="en-US" dirty="0"/>
+          </a:p>
+        </p:txBody>
+      </p:sp>
+    </p:spTree>
+    <p:extLst>
+      <p:ext uri="{BB962C8B-B14F-4D97-AF65-F5344CB8AC3E}">
+        <p14:creationId xmlns:p14="http://schemas.microsoft.com/office/powerpoint/2010/main" val="3413981034"/>
+      </p:ext>
+    </p:extLst>
+  </p:cSld>
+  <p:clrMapOvr>
+    <a:masterClrMapping/>
+  </p:clrMapOvr>
+</p:sld>
+</file>
+
+<file path=ppt/slides/slide11.xml><?xml version="1.0" encoding="utf-8"?>
+<p:sld xmlns:a="http://schemas.openxmlformats.org/drawingml/2006/main" xmlns:r="http://schemas.openxmlformats.org/officeDocument/2006/relationships" xmlns:p="http://schemas.openxmlformats.org/presentationml/2006/main">
+  <p:cSld>
+    <p:spTree>
+      <p:nvGrpSpPr>
+        <p:cNvPr id="1" name=""/>
+        <p:cNvGrpSpPr/>
+        <p:nvPr/>
+      </p:nvGrpSpPr>
+      <p:grpSpPr>
+        <a:xfrm>
+          <a:off x="0" y="0"/>
+          <a:ext cx="0" cy="0"/>
+          <a:chOff x="0" y="0"/>
+          <a:chExt cx="0" cy="0"/>
+        </a:xfrm>
+      </p:grpSpPr>
+      <p:sp>
+        <p:nvSpPr>
+          <p:cNvPr id="2" name="Title 1"/>
+          <p:cNvSpPr>
+            <a:spLocks noGrp="1"/>
+          </p:cNvSpPr>
+          <p:nvPr>
+            <p:ph type="title"/>
+          </p:nvPr>
+        </p:nvSpPr>
+        <p:spPr/>
+        <p:txBody>
+          <a:bodyPr>
+            <a:normAutofit fontScale="90000"/>
+          </a:bodyPr>
+          <a:lstStyle/>
+          <a:p>
+            <a:r>
+              <a:rPr lang="en-US" dirty="0" smtClean="0"/>
+              <a:t>Apache Storm</a:t>
+            </a:r>
+            <a:br>
+              <a:rPr lang="en-US" dirty="0" smtClean="0"/>
+            </a:br>
+            <a:r>
+              <a:rPr lang="en-US" dirty="0" smtClean="0"/>
+              <a:t>Trident (micro-batch)</a:t>
+            </a:r>
+            <a:endParaRPr lang="en-US" dirty="0"/>
+          </a:p>
+        </p:txBody>
+      </p:sp>
+      <p:pic>
+        <p:nvPicPr>
+          <p:cNvPr id="4" name="Picture 3"/>
+          <p:cNvPicPr>
+            <a:picLocks noChangeAspect="1"/>
+          </p:cNvPicPr>
+          <p:nvPr/>
+        </p:nvPicPr>
+        <p:blipFill>
+          <a:blip r:embed="rId2"/>
+          <a:stretch>
+            <a:fillRect/>
+          </a:stretch>
+        </p:blipFill>
+        <p:spPr>
+          <a:xfrm>
+            <a:off x="886144" y="1417638"/>
+            <a:ext cx="7385952" cy="4792662"/>
+          </a:xfrm>
+          <a:prstGeom prst="rect">
+            <a:avLst/>
+          </a:prstGeom>
+        </p:spPr>
+      </p:pic>
+    </p:spTree>
+    <p:extLst>
+      <p:ext uri="{BB962C8B-B14F-4D97-AF65-F5344CB8AC3E}">
+        <p14:creationId xmlns:p14="http://schemas.microsoft.com/office/powerpoint/2010/main" val="4182244291"/>
+      </p:ext>
+    </p:extLst>
+  </p:cSld>
+  <p:clrMapOvr>
+    <a:masterClrMapping/>
+  </p:clrMapOvr>
+</p:sld>
+</file>
+
+<file path=ppt/slides/slide12.xml><?xml version="1.0" encoding="utf-8"?>
+<p:sld xmlns:a="http://schemas.openxmlformats.org/drawingml/2006/main" xmlns:r="http://schemas.openxmlformats.org/officeDocument/2006/relationships" xmlns:p="http://schemas.openxmlformats.org/presentationml/2006/main">
+  <p:cSld>
+    <p:spTree>
+      <p:nvGrpSpPr>
+        <p:cNvPr id="1" name=""/>
+        <p:cNvGrpSpPr/>
+        <p:nvPr/>
+      </p:nvGrpSpPr>
+      <p:grpSpPr>
+        <a:xfrm>
+          <a:off x="0" y="0"/>
+          <a:ext cx="0" cy="0"/>
+          <a:chOff x="0" y="0"/>
+          <a:chExt cx="0" cy="0"/>
+        </a:xfrm>
+      </p:grpSpPr>
+      <p:sp>
+        <p:nvSpPr>
+          <p:cNvPr id="2" name="Title 1"/>
+          <p:cNvSpPr>
+            <a:spLocks noGrp="1"/>
+          </p:cNvSpPr>
+          <p:nvPr>
+            <p:ph type="title"/>
+          </p:nvPr>
+        </p:nvSpPr>
+        <p:spPr/>
+        <p:txBody>
+          <a:bodyPr/>
+          <a:lstStyle/>
+          <a:p>
+            <a:r>
+              <a:rPr lang="en-US" dirty="0" smtClean="0"/>
+              <a:t>Siddhi</a:t>
+            </a:r>
+            <a:endParaRPr lang="en-US" dirty="0"/>
+          </a:p>
+        </p:txBody>
+      </p:sp>
+      <p:sp>
+        <p:nvSpPr>
+          <p:cNvPr id="3" name="Content Placeholder 2"/>
+          <p:cNvSpPr>
+            <a:spLocks noGrp="1"/>
+          </p:cNvSpPr>
+          <p:nvPr>
+            <p:ph idx="1"/>
+          </p:nvPr>
+        </p:nvSpPr>
+        <p:spPr/>
+        <p:txBody>
+          <a:bodyPr/>
+          <a:lstStyle/>
+          <a:p>
+            <a:r>
+              <a:rPr lang="en-US" dirty="0" smtClean="0"/>
+              <a:t>A </a:t>
+            </a:r>
+            <a:r>
+              <a:rPr lang="en-US" dirty="0" err="1" smtClean="0"/>
+              <a:t>stateful</a:t>
+            </a:r>
+            <a:r>
+              <a:rPr lang="en-US" dirty="0" smtClean="0"/>
+              <a:t> query model</a:t>
+            </a:r>
+          </a:p>
+          <a:p>
+            <a:r>
+              <a:rPr lang="en-US" dirty="0" smtClean="0"/>
+              <a:t>SQL-like language for querying streams of data</a:t>
+            </a:r>
+          </a:p>
+          <a:p>
+            <a:pPr lvl="1"/>
+            <a:r>
+              <a:rPr lang="en-US" dirty="0" smtClean="0"/>
+              <a:t>Extended with </a:t>
+            </a:r>
+            <a:r>
+              <a:rPr lang="en-US" b="1" dirty="0" smtClean="0"/>
+              <a:t>windows</a:t>
+            </a:r>
+          </a:p>
+          <a:p>
+            <a:pPr lvl="2"/>
+            <a:r>
+              <a:rPr lang="en-US" dirty="0" smtClean="0"/>
+              <a:t>Time, Event count, batches</a:t>
+            </a:r>
+          </a:p>
+          <a:p>
+            <a:pPr lvl="1"/>
+            <a:r>
+              <a:rPr lang="en-US" dirty="0" smtClean="0"/>
+              <a:t>Partitioned</a:t>
+            </a:r>
+          </a:p>
+          <a:p>
+            <a:pPr lvl="2"/>
+            <a:r>
+              <a:rPr lang="en-US" dirty="0" smtClean="0"/>
+              <a:t>Based on data in the events</a:t>
+            </a:r>
+          </a:p>
+          <a:p>
+            <a:pPr lvl="1"/>
+            <a:r>
+              <a:rPr lang="en-US" dirty="0" smtClean="0"/>
+              <a:t>Pattern matching</a:t>
+            </a:r>
+          </a:p>
+          <a:p>
+            <a:pPr lvl="2"/>
+            <a:r>
+              <a:rPr lang="en-US" dirty="0" smtClean="0"/>
+              <a:t>A then B then C within window </a:t>
+            </a:r>
+          </a:p>
+          <a:p>
+            <a:pPr marL="914400" lvl="2" indent="0">
+              <a:buNone/>
+            </a:pPr>
+            <a:endParaRPr lang="en-US" dirty="0" smtClean="0"/>
+          </a:p>
+          <a:p>
+            <a:pPr lvl="1"/>
+            <a:endParaRPr lang="en-US" dirty="0" smtClean="0"/>
+          </a:p>
+          <a:p>
+            <a:pPr lvl="2"/>
+            <a:endParaRPr lang="en-US" dirty="0"/>
+          </a:p>
+        </p:txBody>
+      </p:sp>
+    </p:spTree>
+    <p:extLst>
+      <p:ext uri="{BB962C8B-B14F-4D97-AF65-F5344CB8AC3E}">
+        <p14:creationId xmlns:p14="http://schemas.microsoft.com/office/powerpoint/2010/main" val="904284903"/>
+      </p:ext>
+    </p:extLst>
+  </p:cSld>
+  <p:clrMapOvr>
+    <a:masterClrMapping/>
+  </p:clrMapOvr>
+</p:sld>
+</file>
+
+<file path=ppt/slides/slide13.xml><?xml version="1.0" encoding="utf-8"?>
+<p:sld xmlns:a="http://schemas.openxmlformats.org/drawingml/2006/main" xmlns:r="http://schemas.openxmlformats.org/officeDocument/2006/relationships" xmlns:p="http://schemas.openxmlformats.org/presentationml/2006/main">
+  <p:cSld>
+    <p:spTree>
+      <p:nvGrpSpPr>
+        <p:cNvPr id="1" name=""/>
+        <p:cNvGrpSpPr/>
+        <p:nvPr/>
+      </p:nvGrpSpPr>
+      <p:grpSpPr>
+        <a:xfrm>
+          <a:off x="0" y="0"/>
+          <a:ext cx="0" cy="0"/>
+          <a:chOff x="0" y="0"/>
+          <a:chExt cx="0" cy="0"/>
+        </a:xfrm>
+      </p:grpSpPr>
+      <p:sp>
+        <p:nvSpPr>
+          <p:cNvPr id="2" name="Title 1"/>
+          <p:cNvSpPr>
+            <a:spLocks noGrp="1"/>
+          </p:cNvSpPr>
+          <p:nvPr>
+            <p:ph type="title"/>
+          </p:nvPr>
+        </p:nvSpPr>
+        <p:spPr/>
+        <p:txBody>
+          <a:bodyPr/>
+          <a:lstStyle/>
+          <a:p>
+            <a:r>
+              <a:rPr lang="en-US" dirty="0" smtClean="0"/>
+              <a:t>Siddhi</a:t>
+            </a:r>
+            <a:endParaRPr lang="en-US" dirty="0"/>
+          </a:p>
+        </p:txBody>
+      </p:sp>
+      <p:sp>
+        <p:nvSpPr>
+          <p:cNvPr id="3" name="Content Placeholder 2"/>
+          <p:cNvSpPr>
+            <a:spLocks noGrp="1"/>
+          </p:cNvSpPr>
+          <p:nvPr>
+            <p:ph idx="1"/>
+          </p:nvPr>
+        </p:nvSpPr>
+        <p:spPr/>
+        <p:txBody>
+          <a:bodyPr>
+            <a:normAutofit/>
+          </a:bodyPr>
+          <a:lstStyle/>
+          <a:p>
+            <a:r>
+              <a:rPr lang="en-US" sz="2400" dirty="0" smtClean="0"/>
+              <a:t>Apache Licensed Open Source on </a:t>
+            </a:r>
+            <a:r>
+              <a:rPr lang="en-US" sz="2400" dirty="0" err="1" smtClean="0"/>
+              <a:t>Github</a:t>
+            </a:r>
+            <a:endParaRPr lang="en-US" sz="2400" dirty="0" smtClean="0"/>
+          </a:p>
+          <a:p>
+            <a:pPr lvl="1"/>
+            <a:r>
+              <a:rPr lang="en-US" sz="2000" dirty="0">
+                <a:hlinkClick r:id="rId2"/>
+              </a:rPr>
+              <a:t>https://github.com/wso2/siddhi</a:t>
+            </a:r>
+            <a:r>
+              <a:rPr lang="en-US" sz="2000" dirty="0" smtClean="0">
+                <a:hlinkClick r:id="rId2"/>
+              </a:rPr>
+              <a:t>/</a:t>
+            </a:r>
+            <a:r>
+              <a:rPr lang="en-US" sz="2000" dirty="0" smtClean="0"/>
+              <a:t> </a:t>
+            </a:r>
+          </a:p>
+          <a:p>
+            <a:r>
+              <a:rPr lang="en-US" sz="2400" dirty="0" smtClean="0"/>
+              <a:t>Pluggable into Storm and Spark</a:t>
+            </a:r>
+          </a:p>
+          <a:p>
+            <a:r>
+              <a:rPr lang="en-US" sz="2400" dirty="0" smtClean="0"/>
+              <a:t>Supports millions of events/sec</a:t>
+            </a:r>
+          </a:p>
+          <a:p>
+            <a:r>
+              <a:rPr lang="en-US" sz="2400" dirty="0">
+                <a:hlinkClick r:id="rId3"/>
+              </a:rPr>
+              <a:t>http://freo.me/</a:t>
+            </a:r>
+            <a:r>
+              <a:rPr lang="en-US" sz="2400" dirty="0" smtClean="0">
+                <a:hlinkClick r:id="rId3"/>
+              </a:rPr>
+              <a:t>DEBS_Siddhi</a:t>
+            </a:r>
+            <a:r>
+              <a:rPr lang="en-US" sz="2400" dirty="0" smtClean="0"/>
+              <a:t> </a:t>
+            </a:r>
+            <a:br>
+              <a:rPr lang="en-US" sz="2400" dirty="0" smtClean="0"/>
+            </a:br>
+            <a:r>
+              <a:rPr lang="en-US" sz="2400" dirty="0" smtClean="0"/>
+              <a:t/>
+            </a:r>
+            <a:br>
+              <a:rPr lang="en-US" sz="2400" dirty="0" smtClean="0"/>
+            </a:br>
+            <a:r>
+              <a:rPr lang="en-US" sz="2400" dirty="0" smtClean="0"/>
+              <a:t/>
+            </a:r>
+            <a:br>
+              <a:rPr lang="en-US" sz="2400" dirty="0" smtClean="0"/>
+            </a:br>
+            <a:r>
+              <a:rPr lang="en-US" sz="2400" dirty="0" smtClean="0"/>
+              <a:t/>
+            </a:r>
+            <a:br>
+              <a:rPr lang="en-US" sz="2400" dirty="0" smtClean="0"/>
+            </a:br>
+            <a:r>
+              <a:rPr lang="en-US" sz="2400" dirty="0" smtClean="0"/>
+              <a:t/>
+            </a:r>
+            <a:br>
+              <a:rPr lang="en-US" sz="2400" dirty="0" smtClean="0"/>
+            </a:br>
+            <a:r>
+              <a:rPr lang="en-US" sz="2400" dirty="0" smtClean="0"/>
+              <a:t/>
+            </a:r>
+            <a:br>
+              <a:rPr lang="en-US" sz="2400" dirty="0" smtClean="0"/>
+            </a:br>
+            <a:endParaRPr lang="en-US" sz="2400" dirty="0" smtClean="0"/>
+          </a:p>
+          <a:p>
+            <a:pPr marL="0" indent="0">
+              <a:buNone/>
+            </a:pPr>
+            <a:endParaRPr lang="en-US" sz="2400" dirty="0"/>
+          </a:p>
+        </p:txBody>
+      </p:sp>
+      <p:pic>
+        <p:nvPicPr>
+          <p:cNvPr id="4" name="Picture 3"/>
+          <p:cNvPicPr>
+            <a:picLocks noChangeAspect="1"/>
+          </p:cNvPicPr>
+          <p:nvPr/>
+        </p:nvPicPr>
+        <p:blipFill>
+          <a:blip r:embed="rId4"/>
+          <a:stretch>
+            <a:fillRect/>
+          </a:stretch>
+        </p:blipFill>
+        <p:spPr>
+          <a:xfrm>
+            <a:off x="375635" y="3888329"/>
+            <a:ext cx="4440366" cy="2969671"/>
+          </a:xfrm>
+          <a:prstGeom prst="rect">
+            <a:avLst/>
+          </a:prstGeom>
+        </p:spPr>
+      </p:pic>
+    </p:spTree>
+    <p:extLst>
+      <p:ext uri="{BB962C8B-B14F-4D97-AF65-F5344CB8AC3E}">
+        <p14:creationId xmlns:p14="http://schemas.microsoft.com/office/powerpoint/2010/main" val="3618492775"/>
+      </p:ext>
+    </p:extLst>
+  </p:cSld>
+  <p:clrMapOvr>
+    <a:masterClrMapping/>
+  </p:clrMapOvr>
+</p:sld>
+</file>
+
+<file path=ppt/slides/slide14.xml><?xml version="1.0" encoding="utf-8"?>
+<p:sld xmlns:a="http://schemas.openxmlformats.org/drawingml/2006/main" xmlns:r="http://schemas.openxmlformats.org/officeDocument/2006/relationships" xmlns:p="http://schemas.openxmlformats.org/presentationml/2006/main">
+  <p:cSld>
+    <p:spTree>
+      <p:nvGrpSpPr>
+        <p:cNvPr id="1" name=""/>
+        <p:cNvGrpSpPr/>
+        <p:nvPr/>
+      </p:nvGrpSpPr>
+      <p:grpSpPr>
+        <a:xfrm>
+          <a:off x="0" y="0"/>
+          <a:ext cx="0" cy="0"/>
+          <a:chOff x="0" y="0"/>
+          <a:chExt cx="0" cy="0"/>
+        </a:xfrm>
+      </p:grpSpPr>
+      <p:sp>
+        <p:nvSpPr>
+          <p:cNvPr id="2" name="Title 1"/>
+          <p:cNvSpPr>
+            <a:spLocks noGrp="1"/>
+          </p:cNvSpPr>
+          <p:nvPr>
+            <p:ph type="title"/>
+          </p:nvPr>
+        </p:nvSpPr>
+        <p:spPr/>
+        <p:txBody>
+          <a:bodyPr/>
+          <a:lstStyle/>
+          <a:p>
+            <a:r>
+              <a:rPr lang="en-US" dirty="0" smtClean="0"/>
+              <a:t>Apache Spark Streaming</a:t>
+            </a:r>
+            <a:endParaRPr lang="en-US" dirty="0"/>
+          </a:p>
+        </p:txBody>
+      </p:sp>
+      <p:pic>
+        <p:nvPicPr>
+          <p:cNvPr id="4" name="Picture 3"/>
+          <p:cNvPicPr>
+            <a:picLocks noChangeAspect="1"/>
+          </p:cNvPicPr>
+          <p:nvPr/>
+        </p:nvPicPr>
+        <p:blipFill>
+          <a:blip r:embed="rId2"/>
+          <a:stretch>
+            <a:fillRect/>
+          </a:stretch>
+        </p:blipFill>
+        <p:spPr>
+          <a:xfrm>
+            <a:off x="0" y="3974154"/>
+            <a:ext cx="9144000" cy="2040538"/>
+          </a:xfrm>
+          <a:prstGeom prst="rect">
+            <a:avLst/>
+          </a:prstGeom>
+        </p:spPr>
+      </p:pic>
+      <p:pic>
+        <p:nvPicPr>
+          <p:cNvPr id="5" name="Picture 4"/>
+          <p:cNvPicPr>
+            <a:picLocks noChangeAspect="1"/>
+          </p:cNvPicPr>
+          <p:nvPr/>
+        </p:nvPicPr>
+        <p:blipFill>
+          <a:blip r:embed="rId3"/>
+          <a:stretch>
+            <a:fillRect/>
+          </a:stretch>
+        </p:blipFill>
+        <p:spPr>
+          <a:xfrm>
+            <a:off x="0" y="1176077"/>
+            <a:ext cx="9144000" cy="3417297"/>
+          </a:xfrm>
+          <a:prstGeom prst="rect">
+            <a:avLst/>
+          </a:prstGeom>
+        </p:spPr>
+      </p:pic>
+    </p:spTree>
+    <p:extLst>
+      <p:ext uri="{BB962C8B-B14F-4D97-AF65-F5344CB8AC3E}">
+        <p14:creationId xmlns:p14="http://schemas.microsoft.com/office/powerpoint/2010/main" val="3557072753"/>
+      </p:ext>
+    </p:extLst>
+  </p:cSld>
+  <p:clrMapOvr>
+    <a:masterClrMapping/>
+  </p:clrMapOvr>
+</p:sld>
+</file>
+
+<file path=ppt/slides/slide15.xml><?xml version="1.0" encoding="utf-8"?>
+<p:sld xmlns:a="http://schemas.openxmlformats.org/drawingml/2006/main" xmlns:r="http://schemas.openxmlformats.org/officeDocument/2006/relationships" xmlns:p="http://schemas.openxmlformats.org/presentationml/2006/main">
+  <p:cSld>
+    <p:spTree>
+      <p:nvGrpSpPr>
+        <p:cNvPr id="1" name=""/>
+        <p:cNvGrpSpPr/>
+        <p:nvPr/>
+      </p:nvGrpSpPr>
+      <p:grpSpPr>
+        <a:xfrm>
+          <a:off x="0" y="0"/>
+          <a:ext cx="0" cy="0"/>
+          <a:chOff x="0" y="0"/>
+          <a:chExt cx="0" cy="0"/>
+        </a:xfrm>
+      </p:grpSpPr>
+      <p:sp>
+        <p:nvSpPr>
+          <p:cNvPr id="2" name="Title 1"/>
+          <p:cNvSpPr>
+            <a:spLocks noGrp="1"/>
+          </p:cNvSpPr>
+          <p:nvPr>
+            <p:ph type="title"/>
+          </p:nvPr>
+        </p:nvSpPr>
+        <p:spPr/>
+        <p:txBody>
+          <a:bodyPr>
+            <a:normAutofit fontScale="90000"/>
+          </a:bodyPr>
+          <a:lstStyle/>
+          <a:p>
+            <a:r>
+              <a:rPr lang="en-US" dirty="0" err="1" smtClean="0"/>
+              <a:t>Dstreams</a:t>
+            </a:r>
+            <a:r>
+              <a:rPr lang="en-US" dirty="0" smtClean="0"/>
+              <a:t/>
+            </a:r>
+            <a:br>
+              <a:rPr lang="en-US" dirty="0" smtClean="0"/>
+            </a:br>
+            <a:r>
+              <a:rPr lang="en-US" dirty="0" smtClean="0"/>
+              <a:t>Discretized Streams</a:t>
+            </a:r>
+            <a:endParaRPr lang="en-US" dirty="0"/>
+          </a:p>
+        </p:txBody>
+      </p:sp>
+      <p:pic>
+        <p:nvPicPr>
+          <p:cNvPr id="4" name="Picture 3"/>
+          <p:cNvPicPr>
+            <a:picLocks noChangeAspect="1"/>
+          </p:cNvPicPr>
+          <p:nvPr/>
+        </p:nvPicPr>
+        <p:blipFill>
+          <a:blip r:embed="rId2"/>
+          <a:stretch>
+            <a:fillRect/>
+          </a:stretch>
+        </p:blipFill>
+        <p:spPr>
+          <a:xfrm>
+            <a:off x="0" y="2522097"/>
+            <a:ext cx="9144000" cy="2003131"/>
+          </a:xfrm>
+          <a:prstGeom prst="rect">
+            <a:avLst/>
+          </a:prstGeom>
+        </p:spPr>
+      </p:pic>
+    </p:spTree>
+    <p:extLst>
+      <p:ext uri="{BB962C8B-B14F-4D97-AF65-F5344CB8AC3E}">
+        <p14:creationId xmlns:p14="http://schemas.microsoft.com/office/powerpoint/2010/main" val="2348494616"/>
+      </p:ext>
+    </p:extLst>
+  </p:cSld>
+  <p:clrMapOvr>
+    <a:masterClrMapping/>
+  </p:clrMapOvr>
+</p:sld>
+</file>
+
+<file path=ppt/slides/slide16.xml><?xml version="1.0" encoding="utf-8"?>
+<p:sld xmlns:a="http://schemas.openxmlformats.org/drawingml/2006/main" xmlns:r="http://schemas.openxmlformats.org/officeDocument/2006/relationships" xmlns:p="http://schemas.openxmlformats.org/presentationml/2006/main">
+  <p:cSld>
+    <p:spTree>
+      <p:nvGrpSpPr>
+        <p:cNvPr id="1" name=""/>
+        <p:cNvGrpSpPr/>
+        <p:nvPr/>
+      </p:nvGrpSpPr>
+      <p:grpSpPr>
+        <a:xfrm>
+          <a:off x="0" y="0"/>
+          <a:ext cx="0" cy="0"/>
+          <a:chOff x="0" y="0"/>
+          <a:chExt cx="0" cy="0"/>
+        </a:xfrm>
+      </p:grpSpPr>
+      <p:sp>
+        <p:nvSpPr>
+          <p:cNvPr id="2" name="Title 1"/>
+          <p:cNvSpPr>
+            <a:spLocks noGrp="1"/>
+          </p:cNvSpPr>
+          <p:nvPr>
+            <p:ph type="title"/>
+          </p:nvPr>
+        </p:nvSpPr>
+        <p:spPr/>
+        <p:txBody>
+          <a:bodyPr/>
+          <a:lstStyle/>
+          <a:p>
+            <a:r>
+              <a:rPr lang="en-US" dirty="0" smtClean="0"/>
+              <a:t>Operations on </a:t>
+            </a:r>
+            <a:r>
+              <a:rPr lang="en-US" dirty="0" err="1" smtClean="0"/>
+              <a:t>DStreams</a:t>
+            </a:r>
+            <a:endParaRPr lang="en-US" dirty="0"/>
+          </a:p>
+        </p:txBody>
+      </p:sp>
+      <p:pic>
+        <p:nvPicPr>
+          <p:cNvPr id="4" name="Picture 3"/>
+          <p:cNvPicPr>
+            <a:picLocks noChangeAspect="1"/>
+          </p:cNvPicPr>
+          <p:nvPr/>
+        </p:nvPicPr>
+        <p:blipFill>
+          <a:blip r:embed="rId2"/>
+          <a:stretch>
+            <a:fillRect/>
+          </a:stretch>
+        </p:blipFill>
+        <p:spPr>
+          <a:xfrm>
+            <a:off x="0" y="1790700"/>
+            <a:ext cx="9144000" cy="3251945"/>
+          </a:xfrm>
+          <a:prstGeom prst="rect">
+            <a:avLst/>
+          </a:prstGeom>
+        </p:spPr>
+      </p:pic>
+    </p:spTree>
+    <p:extLst>
+      <p:ext uri="{BB962C8B-B14F-4D97-AF65-F5344CB8AC3E}">
+        <p14:creationId xmlns:p14="http://schemas.microsoft.com/office/powerpoint/2010/main" val="1374875114"/>
+      </p:ext>
+    </p:extLst>
+  </p:cSld>
+  <p:clrMapOvr>
+    <a:masterClrMapping/>
+  </p:clrMapOvr>
+</p:sld>
+</file>
+
+<file path=ppt/slides/slide17.xml><?xml version="1.0" encoding="utf-8"?>
+<p:sld xmlns:a="http://schemas.openxmlformats.org/drawingml/2006/main" xmlns:r="http://schemas.openxmlformats.org/officeDocument/2006/relationships" xmlns:p="http://schemas.openxmlformats.org/presentationml/2006/main">
+  <p:cSld>
+    <p:spTree>
+      <p:nvGrpSpPr>
+        <p:cNvPr id="1" name=""/>
+        <p:cNvGrpSpPr/>
+        <p:nvPr/>
+      </p:nvGrpSpPr>
+      <p:grpSpPr>
+        <a:xfrm>
+          <a:off x="0" y="0"/>
+          <a:ext cx="0" cy="0"/>
+          <a:chOff x="0" y="0"/>
+          <a:chExt cx="0" cy="0"/>
+        </a:xfrm>
+      </p:grpSpPr>
+      <p:sp>
+        <p:nvSpPr>
+          <p:cNvPr id="2" name="Title 1"/>
+          <p:cNvSpPr>
+            <a:spLocks noGrp="1"/>
+          </p:cNvSpPr>
+          <p:nvPr>
+            <p:ph type="title"/>
+          </p:nvPr>
+        </p:nvSpPr>
+        <p:spPr/>
+        <p:txBody>
+          <a:bodyPr>
+            <a:normAutofit fontScale="90000"/>
+          </a:bodyPr>
+          <a:lstStyle/>
+          <a:p>
+            <a:r>
+              <a:rPr lang="en-US" dirty="0" smtClean="0"/>
+              <a:t>CEP  capabilities </a:t>
+            </a:r>
+            <a:br>
+              <a:rPr lang="en-US" dirty="0" smtClean="0"/>
+            </a:br>
+            <a:r>
+              <a:rPr lang="en-US" dirty="0" smtClean="0"/>
+              <a:t>in Spark Streaming</a:t>
+            </a:r>
+            <a:endParaRPr lang="en-US" dirty="0"/>
+          </a:p>
+        </p:txBody>
+      </p:sp>
+      <p:sp>
+        <p:nvSpPr>
+          <p:cNvPr id="3" name="Content Placeholder 2"/>
+          <p:cNvSpPr>
+            <a:spLocks noGrp="1"/>
+          </p:cNvSpPr>
+          <p:nvPr>
+            <p:ph idx="1"/>
+          </p:nvPr>
+        </p:nvSpPr>
+        <p:spPr/>
+        <p:txBody>
+          <a:bodyPr>
+            <a:normAutofit/>
+          </a:bodyPr>
+          <a:lstStyle/>
+          <a:p>
+            <a:r>
+              <a:rPr lang="en-US" sz="2400" dirty="0" err="1" smtClean="0"/>
+              <a:t>DStream</a:t>
+            </a:r>
+            <a:r>
+              <a:rPr lang="en-US" sz="2400" dirty="0" smtClean="0"/>
+              <a:t> “</a:t>
+            </a:r>
+            <a:r>
+              <a:rPr lang="en-US" sz="2400" dirty="0" err="1" smtClean="0"/>
+              <a:t>updateStateByKey</a:t>
+            </a:r>
+            <a:r>
+              <a:rPr lang="en-US" sz="2400" dirty="0" smtClean="0"/>
+              <a:t>”</a:t>
+            </a:r>
+          </a:p>
+          <a:p>
+            <a:r>
+              <a:rPr lang="en-US" sz="2400" dirty="0" smtClean="0"/>
+              <a:t>Joins</a:t>
+            </a:r>
+          </a:p>
+          <a:p>
+            <a:r>
+              <a:rPr lang="en-US" sz="2400" dirty="0" smtClean="0"/>
+              <a:t>Windows</a:t>
+            </a:r>
+          </a:p>
+          <a:p>
+            <a:pPr lvl="1"/>
+            <a:endParaRPr lang="en-US" sz="2000" dirty="0"/>
+          </a:p>
+        </p:txBody>
+      </p:sp>
+      <p:pic>
+        <p:nvPicPr>
+          <p:cNvPr id="4" name="Picture 3"/>
+          <p:cNvPicPr>
+            <a:picLocks noChangeAspect="1"/>
+          </p:cNvPicPr>
+          <p:nvPr/>
+        </p:nvPicPr>
+        <p:blipFill>
+          <a:blip r:embed="rId2"/>
+          <a:stretch>
+            <a:fillRect/>
+          </a:stretch>
+        </p:blipFill>
+        <p:spPr>
+          <a:xfrm>
+            <a:off x="220878" y="2783197"/>
+            <a:ext cx="8564196" cy="3342966"/>
+          </a:xfrm>
+          <a:prstGeom prst="rect">
+            <a:avLst/>
+          </a:prstGeom>
+        </p:spPr>
+      </p:pic>
+    </p:spTree>
+    <p:extLst>
+      <p:ext uri="{BB962C8B-B14F-4D97-AF65-F5344CB8AC3E}">
+        <p14:creationId xmlns:p14="http://schemas.microsoft.com/office/powerpoint/2010/main" val="3774689054"/>
+      </p:ext>
+    </p:extLst>
+  </p:cSld>
+  <p:clrMapOvr>
+    <a:masterClrMapping/>
+  </p:clrMapOvr>
+</p:sld>
+</file>
+
+<file path=ppt/slides/slide18.xml><?xml version="1.0" encoding="utf-8"?>
+<p:sld xmlns:a="http://schemas.openxmlformats.org/drawingml/2006/main" xmlns:r="http://schemas.openxmlformats.org/officeDocument/2006/relationships" xmlns:p="http://schemas.openxmlformats.org/presentationml/2006/main">
+  <p:cSld>
+    <p:spTree>
+      <p:nvGrpSpPr>
+        <p:cNvPr id="1" name=""/>
+        <p:cNvGrpSpPr/>
+        <p:nvPr/>
+      </p:nvGrpSpPr>
+      <p:grpSpPr>
+        <a:xfrm>
+          <a:off x="0" y="0"/>
+          <a:ext cx="0" cy="0"/>
+          <a:chOff x="0" y="0"/>
+          <a:chExt cx="0" cy="0"/>
+        </a:xfrm>
+      </p:grpSpPr>
+      <p:sp>
+        <p:nvSpPr>
+          <p:cNvPr id="2" name="Title 1"/>
+          <p:cNvSpPr>
+            <a:spLocks noGrp="1"/>
+          </p:cNvSpPr>
+          <p:nvPr>
+            <p:ph type="title"/>
+          </p:nvPr>
+        </p:nvSpPr>
+        <p:spPr/>
+        <p:txBody>
+          <a:bodyPr/>
+          <a:lstStyle/>
+          <a:p>
+            <a:r>
+              <a:rPr lang="en-US" dirty="0" smtClean="0"/>
+              <a:t>Storm </a:t>
+            </a:r>
+            <a:r>
+              <a:rPr lang="en-US" dirty="0" err="1" smtClean="0"/>
+              <a:t>vs</a:t>
+            </a:r>
+            <a:r>
+              <a:rPr lang="en-US" dirty="0" smtClean="0"/>
+              <a:t> Spark Streaming</a:t>
+            </a:r>
+            <a:endParaRPr lang="en-US" dirty="0"/>
+          </a:p>
+        </p:txBody>
+      </p:sp>
+      <p:sp>
+        <p:nvSpPr>
+          <p:cNvPr id="3" name="Content Placeholder 2"/>
+          <p:cNvSpPr>
+            <a:spLocks noGrp="1"/>
+          </p:cNvSpPr>
+          <p:nvPr>
+            <p:ph idx="1"/>
+          </p:nvPr>
+        </p:nvSpPr>
+        <p:spPr/>
+        <p:txBody>
+          <a:bodyPr>
+            <a:normAutofit fontScale="85000" lnSpcReduction="10000"/>
+          </a:bodyPr>
+          <a:lstStyle/>
+          <a:p>
+            <a:r>
+              <a:rPr lang="en-US" dirty="0" smtClean="0"/>
+              <a:t>“Classic” Storm has no counterpart in Spark </a:t>
+            </a:r>
+          </a:p>
+          <a:p>
+            <a:pPr lvl="1"/>
+            <a:r>
+              <a:rPr lang="en-US" dirty="0" smtClean="0"/>
+              <a:t>Spouts and Bolts</a:t>
+            </a:r>
+          </a:p>
+          <a:p>
+            <a:pPr lvl="1"/>
+            <a:r>
+              <a:rPr lang="en-US" dirty="0" smtClean="0"/>
+              <a:t>Event by event processing</a:t>
+            </a:r>
+          </a:p>
+          <a:p>
+            <a:r>
+              <a:rPr lang="en-US" dirty="0" smtClean="0"/>
+              <a:t>Trident and Streaming both offer micro-batch models </a:t>
+            </a:r>
+          </a:p>
+          <a:p>
+            <a:pPr lvl="1"/>
+            <a:r>
+              <a:rPr lang="en-US" dirty="0" smtClean="0"/>
+              <a:t>More </a:t>
+            </a:r>
+            <a:r>
+              <a:rPr lang="en-US" dirty="0" err="1" smtClean="0"/>
+              <a:t>performant</a:t>
+            </a:r>
+            <a:r>
+              <a:rPr lang="en-US" dirty="0" smtClean="0"/>
+              <a:t> but less flexible</a:t>
+            </a:r>
+          </a:p>
+          <a:p>
+            <a:r>
+              <a:rPr lang="en-US" dirty="0" smtClean="0"/>
+              <a:t>Storm is more flexible for pure streaming systems</a:t>
+            </a:r>
+          </a:p>
+          <a:p>
+            <a:r>
+              <a:rPr lang="en-US" dirty="0" smtClean="0"/>
+              <a:t>Spark offers a much more unified programming model for Batch and Streaming</a:t>
+            </a:r>
+          </a:p>
+        </p:txBody>
+      </p:sp>
+    </p:spTree>
+    <p:extLst>
+      <p:ext uri="{BB962C8B-B14F-4D97-AF65-F5344CB8AC3E}">
+        <p14:creationId xmlns:p14="http://schemas.microsoft.com/office/powerpoint/2010/main" val="122685410"/>
+      </p:ext>
+    </p:extLst>
+  </p:cSld>
+  <p:clrMapOvr>
+    <a:masterClrMapping/>
+  </p:clrMapOvr>
+</p:sld>
+</file>
+
+<file path=ppt/slides/slide19.xml><?xml version="1.0" encoding="utf-8"?>
+<p:sld xmlns:a="http://schemas.openxmlformats.org/drawingml/2006/main" xmlns:r="http://schemas.openxmlformats.org/officeDocument/2006/relationships" xmlns:p="http://schemas.openxmlformats.org/presentationml/2006/main">
+  <p:cSld>
+    <p:spTree>
+      <p:nvGrpSpPr>
+        <p:cNvPr id="1" name=""/>
+        <p:cNvGrpSpPr/>
+        <p:nvPr/>
+      </p:nvGrpSpPr>
+      <p:grpSpPr>
+        <a:xfrm>
+          <a:off x="0" y="0"/>
+          <a:ext cx="0" cy="0"/>
+          <a:chOff x="0" y="0"/>
+          <a:chExt cx="0" cy="0"/>
+        </a:xfrm>
+      </p:grpSpPr>
+      <p:sp>
+        <p:nvSpPr>
+          <p:cNvPr id="2" name="Title 1"/>
+          <p:cNvSpPr>
+            <a:spLocks noGrp="1"/>
+          </p:cNvSpPr>
+          <p:nvPr>
+            <p:ph type="title"/>
+          </p:nvPr>
+        </p:nvSpPr>
+        <p:spPr/>
+        <p:txBody>
+          <a:bodyPr/>
+          <a:lstStyle/>
+          <a:p>
+            <a:r>
+              <a:rPr lang="en-US" dirty="0" smtClean="0"/>
+              <a:t>Summary</a:t>
+            </a:r>
+            <a:endParaRPr lang="en-US" dirty="0"/>
+          </a:p>
+        </p:txBody>
+      </p:sp>
+      <p:sp>
+        <p:nvSpPr>
+          <p:cNvPr id="3" name="Content Placeholder 2"/>
+          <p:cNvSpPr>
+            <a:spLocks noGrp="1"/>
+          </p:cNvSpPr>
+          <p:nvPr>
+            <p:ph idx="1"/>
+          </p:nvPr>
+        </p:nvSpPr>
+        <p:spPr/>
+        <p:txBody>
+          <a:bodyPr>
+            <a:normAutofit lnSpcReduction="10000"/>
+          </a:bodyPr>
+          <a:lstStyle/>
+          <a:p>
+            <a:r>
+              <a:rPr lang="en-US" dirty="0" err="1" smtClean="0"/>
+              <a:t>Realtime</a:t>
+            </a:r>
+            <a:r>
+              <a:rPr lang="en-US" dirty="0" smtClean="0"/>
+              <a:t> processing is hard</a:t>
+            </a:r>
+          </a:p>
+          <a:p>
+            <a:pPr lvl="1"/>
+            <a:r>
+              <a:rPr lang="en-US" dirty="0" smtClean="0"/>
+              <a:t>Requires large memory and state</a:t>
+            </a:r>
+          </a:p>
+          <a:p>
+            <a:pPr lvl="1"/>
+            <a:r>
+              <a:rPr lang="en-US" dirty="0" smtClean="0"/>
+              <a:t>The lambda architecture splits the problem into batch and </a:t>
+            </a:r>
+            <a:r>
+              <a:rPr lang="en-US" dirty="0" err="1" smtClean="0"/>
+              <a:t>realtime</a:t>
+            </a:r>
+            <a:r>
+              <a:rPr lang="en-US" dirty="0" smtClean="0"/>
+              <a:t> challenges</a:t>
+            </a:r>
+          </a:p>
+          <a:p>
+            <a:r>
+              <a:rPr lang="en-US" dirty="0" smtClean="0"/>
+              <a:t>Multiple approaches:</a:t>
+            </a:r>
+          </a:p>
+          <a:p>
+            <a:pPr lvl="1"/>
+            <a:r>
+              <a:rPr lang="en-US" dirty="0" smtClean="0"/>
+              <a:t>Pure Streaming</a:t>
+            </a:r>
+          </a:p>
+          <a:p>
+            <a:pPr lvl="1"/>
+            <a:r>
+              <a:rPr lang="en-US" dirty="0" smtClean="0"/>
+              <a:t>Micro-batch</a:t>
+            </a:r>
+          </a:p>
+          <a:p>
+            <a:pPr lvl="1"/>
+            <a:r>
+              <a:rPr lang="en-US" smtClean="0"/>
+              <a:t>CEP</a:t>
+            </a:r>
+          </a:p>
+          <a:p>
+            <a:pPr marL="0" indent="0">
+              <a:buNone/>
+            </a:pPr>
+            <a:endParaRPr lang="en-US" dirty="0"/>
+          </a:p>
+        </p:txBody>
+      </p:sp>
+    </p:spTree>
+    <p:extLst>
+      <p:ext uri="{BB962C8B-B14F-4D97-AF65-F5344CB8AC3E}">
+        <p14:creationId xmlns:p14="http://schemas.microsoft.com/office/powerpoint/2010/main" val="3488167718"/>
+      </p:ext>
+    </p:extLst>
+  </p:cSld>
+  <p:clrMapOvr>
+    <a:masterClrMapping/>
+  </p:clrMapOvr>
+</p:sld>
+</file>
+
 <file path=ppt/slides/slide2.xml><?xml version="1.0" encoding="utf-8"?>
 <p:sld xmlns:a="http://schemas.openxmlformats.org/drawingml/2006/main" xmlns:r="http://schemas.openxmlformats.org/officeDocument/2006/relationships" xmlns:p="http://schemas.openxmlformats.org/presentationml/2006/main">
   <p:cSld>
@@ -4045,6 +5435,89 @@
         </p:nvSpPr>
         <p:spPr/>
         <p:txBody>
+          <a:bodyPr>
+            <a:normAutofit/>
+          </a:bodyPr>
+          <a:lstStyle/>
+          <a:p>
+            <a:r>
+              <a:rPr lang="en-US" sz="3600" dirty="0" smtClean="0"/>
+              <a:t>Recap on the Lambda </a:t>
+            </a:r>
+            <a:r>
+              <a:rPr lang="en-US" sz="3600" dirty="0" smtClean="0"/>
+              <a:t>Architecture</a:t>
+            </a:r>
+            <a:endParaRPr lang="en-US" sz="3600" dirty="0"/>
+          </a:p>
+        </p:txBody>
+      </p:sp>
+      <p:pic>
+        <p:nvPicPr>
+          <p:cNvPr id="4" name="Picture 3"/>
+          <p:cNvPicPr>
+            <a:picLocks noChangeAspect="1"/>
+          </p:cNvPicPr>
+          <p:nvPr/>
+        </p:nvPicPr>
+        <p:blipFill>
+          <a:blip r:embed="rId2"/>
+          <a:stretch>
+            <a:fillRect/>
+          </a:stretch>
+        </p:blipFill>
+        <p:spPr>
+          <a:xfrm>
+            <a:off x="293064" y="1417638"/>
+            <a:ext cx="8561154" cy="4231563"/>
+          </a:xfrm>
+          <a:prstGeom prst="rect">
+            <a:avLst/>
+          </a:prstGeom>
+        </p:spPr>
+      </p:pic>
+    </p:spTree>
+    <p:extLst>
+      <p:ext uri="{BB962C8B-B14F-4D97-AF65-F5344CB8AC3E}">
+        <p14:creationId xmlns:p14="http://schemas.microsoft.com/office/powerpoint/2010/main" val="3950129757"/>
+      </p:ext>
+    </p:extLst>
+  </p:cSld>
+  <p:clrMapOvr>
+    <a:masterClrMapping/>
+  </p:clrMapOvr>
+</p:sld>
+</file>
+
+<file path=ppt/slides/slide20.xml><?xml version="1.0" encoding="utf-8"?>
+<p:sld xmlns:a="http://schemas.openxmlformats.org/drawingml/2006/main" xmlns:r="http://schemas.openxmlformats.org/officeDocument/2006/relationships" xmlns:p="http://schemas.openxmlformats.org/presentationml/2006/main">
+  <p:cSld>
+    <p:spTree>
+      <p:nvGrpSpPr>
+        <p:cNvPr id="1" name=""/>
+        <p:cNvGrpSpPr/>
+        <p:nvPr/>
+      </p:nvGrpSpPr>
+      <p:grpSpPr>
+        <a:xfrm>
+          <a:off x="0" y="0"/>
+          <a:ext cx="0" cy="0"/>
+          <a:chOff x="0" y="0"/>
+          <a:chExt cx="0" cy="0"/>
+        </a:xfrm>
+      </p:grpSpPr>
+      <p:sp>
+        <p:nvSpPr>
+          <p:cNvPr id="2" name="Title 1"/>
+          <p:cNvSpPr>
+            <a:spLocks noGrp="1"/>
+          </p:cNvSpPr>
+          <p:nvPr>
+            <p:ph type="title"/>
+          </p:nvPr>
+        </p:nvSpPr>
+        <p:spPr/>
+        <p:txBody>
           <a:bodyPr/>
           <a:lstStyle/>
           <a:p>
@@ -4060,6 +5533,3049 @@
     <p:extLst>
       <p:ext uri="{BB962C8B-B14F-4D97-AF65-F5344CB8AC3E}">
         <p14:creationId xmlns:p14="http://schemas.microsoft.com/office/powerpoint/2010/main" val="398042910"/>
+      </p:ext>
+    </p:extLst>
+  </p:cSld>
+  <p:clrMapOvr>
+    <a:masterClrMapping/>
+  </p:clrMapOvr>
+</p:sld>
+</file>
+
+<file path=ppt/slides/slide3.xml><?xml version="1.0" encoding="utf-8"?>
+<p:sld xmlns:a="http://schemas.openxmlformats.org/drawingml/2006/main" xmlns:r="http://schemas.openxmlformats.org/officeDocument/2006/relationships" xmlns:p="http://schemas.openxmlformats.org/presentationml/2006/main">
+  <p:cSld>
+    <p:spTree>
+      <p:nvGrpSpPr>
+        <p:cNvPr id="1" name=""/>
+        <p:cNvGrpSpPr/>
+        <p:nvPr/>
+      </p:nvGrpSpPr>
+      <p:grpSpPr>
+        <a:xfrm>
+          <a:off x="0" y="0"/>
+          <a:ext cx="0" cy="0"/>
+          <a:chOff x="0" y="0"/>
+          <a:chExt cx="0" cy="0"/>
+        </a:xfrm>
+      </p:grpSpPr>
+      <p:sp>
+        <p:nvSpPr>
+          <p:cNvPr id="2" name="Title 1"/>
+          <p:cNvSpPr>
+            <a:spLocks noGrp="1"/>
+          </p:cNvSpPr>
+          <p:nvPr>
+            <p:ph type="title"/>
+          </p:nvPr>
+        </p:nvSpPr>
+        <p:spPr/>
+        <p:txBody>
+          <a:bodyPr/>
+          <a:lstStyle/>
+          <a:p>
+            <a:r>
+              <a:rPr lang="en-US" dirty="0" smtClean="0"/>
+              <a:t>Streaming	</a:t>
+            </a:r>
+            <a:endParaRPr lang="en-US" dirty="0"/>
+          </a:p>
+        </p:txBody>
+      </p:sp>
+      <p:sp>
+        <p:nvSpPr>
+          <p:cNvPr id="3" name="Content Placeholder 2"/>
+          <p:cNvSpPr>
+            <a:spLocks noGrp="1"/>
+          </p:cNvSpPr>
+          <p:nvPr>
+            <p:ph idx="1"/>
+          </p:nvPr>
+        </p:nvSpPr>
+        <p:spPr/>
+        <p:txBody>
+          <a:bodyPr>
+            <a:normAutofit fontScale="92500" lnSpcReduction="20000"/>
+          </a:bodyPr>
+          <a:lstStyle/>
+          <a:p>
+            <a:r>
+              <a:rPr lang="en-US" dirty="0" smtClean="0"/>
+              <a:t>Continuous data flow </a:t>
+            </a:r>
+          </a:p>
+          <a:p>
+            <a:pPr lvl="1"/>
+            <a:r>
+              <a:rPr lang="en-US" dirty="0" smtClean="0"/>
+              <a:t>“Unbounded streams of data”</a:t>
+            </a:r>
+          </a:p>
+          <a:p>
+            <a:r>
+              <a:rPr lang="en-US" dirty="0" smtClean="0"/>
+              <a:t>Usually uses a message distribution system</a:t>
+            </a:r>
+          </a:p>
+          <a:p>
+            <a:pPr lvl="1"/>
+            <a:r>
+              <a:rPr lang="en-US" dirty="0" smtClean="0"/>
+              <a:t>JMS</a:t>
+            </a:r>
+          </a:p>
+          <a:p>
+            <a:pPr lvl="1"/>
+            <a:r>
+              <a:rPr lang="en-US" dirty="0" smtClean="0"/>
+              <a:t>Apache Kafka</a:t>
+            </a:r>
+          </a:p>
+          <a:p>
+            <a:pPr lvl="1"/>
+            <a:r>
+              <a:rPr lang="en-US" dirty="0" smtClean="0"/>
+              <a:t>MQTT</a:t>
+            </a:r>
+          </a:p>
+          <a:p>
+            <a:pPr lvl="1"/>
+            <a:r>
+              <a:rPr lang="en-US" dirty="0" err="1" smtClean="0"/>
+              <a:t>Etc</a:t>
+            </a:r>
+            <a:endParaRPr lang="en-US" dirty="0" smtClean="0"/>
+          </a:p>
+          <a:p>
+            <a:r>
+              <a:rPr lang="en-US" dirty="0" smtClean="0"/>
+              <a:t>An unbounded set of events with time</a:t>
+            </a:r>
+          </a:p>
+          <a:p>
+            <a:pPr lvl="1"/>
+            <a:r>
+              <a:rPr lang="en-US" dirty="0" smtClean="0"/>
+              <a:t>&lt;t1, E1&gt;, &lt;t2, E2&gt;, </a:t>
+            </a:r>
+            <a:r>
+              <a:rPr lang="is-IS" dirty="0" smtClean="0"/>
+              <a:t>….., &lt;tn, En&gt;, ....</a:t>
+            </a:r>
+            <a:endParaRPr lang="en-US" dirty="0" smtClean="0"/>
+          </a:p>
+          <a:p>
+            <a:pPr marL="0" indent="0">
+              <a:buNone/>
+            </a:pPr>
+            <a:endParaRPr lang="en-US" dirty="0"/>
+          </a:p>
+        </p:txBody>
+      </p:sp>
+    </p:spTree>
+    <p:extLst>
+      <p:ext uri="{BB962C8B-B14F-4D97-AF65-F5344CB8AC3E}">
+        <p14:creationId xmlns:p14="http://schemas.microsoft.com/office/powerpoint/2010/main" val="3028677410"/>
+      </p:ext>
+    </p:extLst>
+  </p:cSld>
+  <p:clrMapOvr>
+    <a:masterClrMapping/>
+  </p:clrMapOvr>
+</p:sld>
+</file>
+
+<file path=ppt/slides/slide4.xml><?xml version="1.0" encoding="utf-8"?>
+<p:sld xmlns:a="http://schemas.openxmlformats.org/drawingml/2006/main" xmlns:r="http://schemas.openxmlformats.org/officeDocument/2006/relationships" xmlns:p="http://schemas.openxmlformats.org/presentationml/2006/main">
+  <p:cSld>
+    <p:spTree>
+      <p:nvGrpSpPr>
+        <p:cNvPr id="1" name=""/>
+        <p:cNvGrpSpPr/>
+        <p:nvPr/>
+      </p:nvGrpSpPr>
+      <p:grpSpPr>
+        <a:xfrm>
+          <a:off x="0" y="0"/>
+          <a:ext cx="0" cy="0"/>
+          <a:chOff x="0" y="0"/>
+          <a:chExt cx="0" cy="0"/>
+        </a:xfrm>
+      </p:grpSpPr>
+      <p:sp>
+        <p:nvSpPr>
+          <p:cNvPr id="2" name="Title 1"/>
+          <p:cNvSpPr>
+            <a:spLocks noGrp="1"/>
+          </p:cNvSpPr>
+          <p:nvPr>
+            <p:ph type="title"/>
+          </p:nvPr>
+        </p:nvSpPr>
+        <p:spPr/>
+        <p:txBody>
+          <a:bodyPr>
+            <a:normAutofit/>
+          </a:bodyPr>
+          <a:lstStyle/>
+          <a:p>
+            <a:r>
+              <a:rPr lang="en-US" sz="3600" dirty="0" smtClean="0"/>
+              <a:t>Stream processing categorization</a:t>
+            </a:r>
+            <a:endParaRPr lang="en-US" sz="3600" dirty="0"/>
+          </a:p>
+        </p:txBody>
+      </p:sp>
+      <p:sp>
+        <p:nvSpPr>
+          <p:cNvPr id="3" name="Content Placeholder 2"/>
+          <p:cNvSpPr>
+            <a:spLocks noGrp="1"/>
+          </p:cNvSpPr>
+          <p:nvPr>
+            <p:ph idx="1"/>
+          </p:nvPr>
+        </p:nvSpPr>
+        <p:spPr/>
+        <p:txBody>
+          <a:bodyPr>
+            <a:normAutofit fontScale="85000" lnSpcReduction="20000"/>
+          </a:bodyPr>
+          <a:lstStyle/>
+          <a:p>
+            <a:r>
+              <a:rPr lang="en-US" dirty="0" smtClean="0"/>
+              <a:t>Simple event processing</a:t>
+            </a:r>
+          </a:p>
+          <a:p>
+            <a:pPr lvl="1"/>
+            <a:r>
+              <a:rPr lang="en-US" dirty="0" smtClean="0"/>
+              <a:t>Working on an event at a time</a:t>
+            </a:r>
+          </a:p>
+          <a:p>
+            <a:pPr lvl="2"/>
+            <a:r>
+              <a:rPr lang="en-US" dirty="0" smtClean="0"/>
+              <a:t>e.g. filter out all events where the wind speed &gt; 50 mph</a:t>
+            </a:r>
+          </a:p>
+          <a:p>
+            <a:r>
+              <a:rPr lang="en-US" dirty="0" smtClean="0"/>
+              <a:t>Event stream processing</a:t>
+            </a:r>
+          </a:p>
+          <a:p>
+            <a:pPr lvl="1"/>
+            <a:r>
+              <a:rPr lang="en-US" dirty="0" smtClean="0"/>
+              <a:t>Time-based processing of a single stream of events</a:t>
+            </a:r>
+          </a:p>
+          <a:p>
+            <a:pPr lvl="2"/>
+            <a:r>
+              <a:rPr lang="en-US" dirty="0" smtClean="0"/>
+              <a:t>Average wind speed over the last hour compared to the average over the last day</a:t>
+            </a:r>
+          </a:p>
+          <a:p>
+            <a:r>
+              <a:rPr lang="en-US" dirty="0" smtClean="0"/>
+              <a:t>Complex Event Processing </a:t>
+            </a:r>
+          </a:p>
+          <a:p>
+            <a:pPr lvl="1"/>
+            <a:r>
+              <a:rPr lang="en-US" dirty="0" smtClean="0"/>
+              <a:t>Correlation of events across different streams</a:t>
+            </a:r>
+          </a:p>
+          <a:p>
+            <a:pPr lvl="2"/>
+            <a:r>
+              <a:rPr lang="en-US" dirty="0" smtClean="0"/>
+              <a:t>Emergency calls correlated with wind speed in real time</a:t>
+            </a:r>
+          </a:p>
+        </p:txBody>
+      </p:sp>
+    </p:spTree>
+    <p:extLst>
+      <p:ext uri="{BB962C8B-B14F-4D97-AF65-F5344CB8AC3E}">
+        <p14:creationId xmlns:p14="http://schemas.microsoft.com/office/powerpoint/2010/main" val="2232668779"/>
+      </p:ext>
+    </p:extLst>
+  </p:cSld>
+  <p:clrMapOvr>
+    <a:masterClrMapping/>
+  </p:clrMapOvr>
+</p:sld>
+</file>
+
+<file path=ppt/slides/slide5.xml><?xml version="1.0" encoding="utf-8"?>
+<p:sld xmlns:a="http://schemas.openxmlformats.org/drawingml/2006/main" xmlns:r="http://schemas.openxmlformats.org/officeDocument/2006/relationships" xmlns:p="http://schemas.openxmlformats.org/presentationml/2006/main">
+  <p:cSld>
+    <p:spTree>
+      <p:nvGrpSpPr>
+        <p:cNvPr id="1" name=""/>
+        <p:cNvGrpSpPr/>
+        <p:nvPr/>
+      </p:nvGrpSpPr>
+      <p:grpSpPr>
+        <a:xfrm>
+          <a:off x="0" y="0"/>
+          <a:ext cx="0" cy="0"/>
+          <a:chOff x="0" y="0"/>
+          <a:chExt cx="0" cy="0"/>
+        </a:xfrm>
+      </p:grpSpPr>
+      <p:sp>
+        <p:nvSpPr>
+          <p:cNvPr id="5" name="Round Same Side Corner Rectangle 4"/>
+          <p:cNvSpPr/>
+          <p:nvPr/>
+        </p:nvSpPr>
+        <p:spPr bwMode="auto">
+          <a:xfrm flipH="1">
+            <a:off x="697611" y="1764279"/>
+            <a:ext cx="7629525" cy="3934778"/>
+          </a:xfrm>
+          <a:prstGeom prst="round2SameRect">
+            <a:avLst>
+              <a:gd name="adj1" fmla="val 5211"/>
+              <a:gd name="adj2" fmla="val 0"/>
+            </a:avLst>
+          </a:prstGeom>
+          <a:gradFill flip="none" rotWithShape="1">
+            <a:gsLst>
+              <a:gs pos="8000">
+                <a:schemeClr val="accent1">
+                  <a:tint val="66000"/>
+                  <a:satMod val="160000"/>
+                  <a:alpha val="0"/>
+                </a:schemeClr>
+              </a:gs>
+              <a:gs pos="50000">
+                <a:schemeClr val="accent1">
+                  <a:tint val="44500"/>
+                  <a:satMod val="160000"/>
+                </a:schemeClr>
+              </a:gs>
+              <a:gs pos="100000">
+                <a:schemeClr val="accent1">
+                  <a:tint val="23500"/>
+                  <a:satMod val="160000"/>
+                </a:schemeClr>
+              </a:gs>
+            </a:gsLst>
+            <a:lin ang="5400000" scaled="1"/>
+            <a:tileRect/>
+          </a:gradFill>
+          <a:ln w="34925">
+            <a:noFill/>
+            <a:round/>
+            <a:headEnd/>
+            <a:tailEnd/>
+          </a:ln>
+        </p:spPr>
+        <p:txBody>
+          <a:bodyPr vert="horz" wrap="square" lIns="82296" tIns="41148" rIns="82296" bIns="41148" numCol="1" anchor="t" anchorCtr="0" compatLnSpc="1">
+            <a:prstTxWarp prst="textNoShape">
+              <a:avLst/>
+            </a:prstTxWarp>
+          </a:bodyPr>
+          <a:lstStyle/>
+          <a:p>
+            <a:pPr indent="-204432">
+              <a:lnSpc>
+                <a:spcPct val="90000"/>
+              </a:lnSpc>
+              <a:spcBef>
+                <a:spcPts val="567"/>
+              </a:spcBef>
+              <a:buClr>
+                <a:srgbClr val="FFFF99"/>
+              </a:buClr>
+              <a:buSzPct val="120000"/>
+              <a:defRPr/>
+            </a:pPr>
+            <a:endParaRPr lang="en-US" altLang="zh-CN" kern="0" dirty="0"/>
+          </a:p>
+        </p:txBody>
+      </p:sp>
+      <p:grpSp>
+        <p:nvGrpSpPr>
+          <p:cNvPr id="2" name="Group 32"/>
+          <p:cNvGrpSpPr/>
+          <p:nvPr/>
+        </p:nvGrpSpPr>
+        <p:grpSpPr>
+          <a:xfrm>
+            <a:off x="2480691" y="3927480"/>
+            <a:ext cx="5642888" cy="1677263"/>
+            <a:chOff x="2240498" y="4477730"/>
+            <a:chExt cx="6269875" cy="1863626"/>
+          </a:xfrm>
+        </p:grpSpPr>
+        <p:sp>
+          <p:nvSpPr>
+            <p:cNvPr id="61" name="Rectangle 60"/>
+            <p:cNvSpPr/>
+            <p:nvPr/>
+          </p:nvSpPr>
+          <p:spPr bwMode="auto">
+            <a:xfrm>
+              <a:off x="2240498" y="4477730"/>
+              <a:ext cx="6269875" cy="1863626"/>
+            </a:xfrm>
+            <a:prstGeom prst="rect">
+              <a:avLst/>
+            </a:prstGeom>
+            <a:gradFill flip="none" rotWithShape="1">
+              <a:gsLst>
+                <a:gs pos="0">
+                  <a:schemeClr val="tx1">
+                    <a:lumMod val="65000"/>
+                    <a:lumOff val="35000"/>
+                  </a:schemeClr>
+                </a:gs>
+                <a:gs pos="50000">
+                  <a:schemeClr val="tx1">
+                    <a:lumMod val="75000"/>
+                    <a:lumOff val="25000"/>
+                  </a:schemeClr>
+                </a:gs>
+                <a:gs pos="82000">
+                  <a:schemeClr val="tx1">
+                    <a:lumMod val="95000"/>
+                    <a:lumOff val="5000"/>
+                  </a:schemeClr>
+                </a:gs>
+              </a:gsLst>
+              <a:lin ang="8100000" scaled="1"/>
+              <a:tileRect/>
+            </a:gradFill>
+            <a:ln w="34925">
+              <a:noFill/>
+              <a:round/>
+              <a:headEnd/>
+              <a:tailEnd/>
+            </a:ln>
+            <a:effectLst/>
+          </p:spPr>
+          <p:txBody>
+            <a:bodyPr vert="horz" wrap="square" lIns="91440" tIns="45720" rIns="91440" bIns="45720" numCol="1" anchor="t" anchorCtr="0" compatLnSpc="1">
+              <a:prstTxWarp prst="textNoShape">
+                <a:avLst/>
+              </a:prstTxWarp>
+            </a:bodyPr>
+            <a:lstStyle/>
+            <a:p>
+              <a:pPr indent="-204432">
+                <a:lnSpc>
+                  <a:spcPct val="90000"/>
+                </a:lnSpc>
+                <a:spcBef>
+                  <a:spcPts val="567"/>
+                </a:spcBef>
+                <a:buClr>
+                  <a:srgbClr val="FFFF99"/>
+                </a:buClr>
+                <a:buSzPct val="120000"/>
+                <a:defRPr/>
+              </a:pPr>
+              <a:endParaRPr lang="en-US" altLang="zh-CN" kern="0" dirty="0">
+                <a:solidFill>
+                  <a:sysClr val="windowText" lastClr="000000"/>
+                </a:solidFill>
+                <a:latin typeface="Segoe UI" pitchFamily="34" charset="0"/>
+                <a:cs typeface="Segoe UI" pitchFamily="34" charset="0"/>
+              </a:endParaRPr>
+            </a:p>
+          </p:txBody>
+        </p:sp>
+        <p:grpSp>
+          <p:nvGrpSpPr>
+            <p:cNvPr id="3" name="Group 31"/>
+            <p:cNvGrpSpPr/>
+            <p:nvPr/>
+          </p:nvGrpSpPr>
+          <p:grpSpPr>
+            <a:xfrm>
+              <a:off x="2359257" y="4617376"/>
+              <a:ext cx="2510156" cy="1619264"/>
+              <a:chOff x="2359257" y="4617376"/>
+              <a:chExt cx="2510156" cy="1619264"/>
+            </a:xfrm>
+          </p:grpSpPr>
+          <p:pic>
+            <p:nvPicPr>
+              <p:cNvPr id="73" name="Picture 8" descr="C:\Users\scohen\Pictures\Microsoft Clip Organizer\j0433941.png"/>
+              <p:cNvPicPr>
+                <a:picLocks noChangeAspect="1" noChangeArrowheads="1"/>
+              </p:cNvPicPr>
+              <p:nvPr/>
+            </p:nvPicPr>
+            <p:blipFill>
+              <a:blip r:embed="rId2" cstate="screen">
+                <a:extLst>
+                  <a:ext uri="{28A0092B-C50C-407E-A947-70E740481C1C}">
+                    <a14:useLocalDpi xmlns:a14="http://schemas.microsoft.com/office/drawing/2010/main"/>
+                  </a:ext>
+                </a:extLst>
+              </a:blip>
+              <a:srcRect/>
+              <a:stretch>
+                <a:fillRect/>
+              </a:stretch>
+            </p:blipFill>
+            <p:spPr bwMode="auto">
+              <a:xfrm>
+                <a:off x="2681246" y="4617376"/>
+                <a:ext cx="785818" cy="647955"/>
+              </a:xfrm>
+              <a:prstGeom prst="rect">
+                <a:avLst/>
+              </a:prstGeom>
+              <a:noFill/>
+              <a:ln w="9525">
+                <a:noFill/>
+                <a:miter lim="800000"/>
+                <a:headEnd/>
+                <a:tailEnd/>
+              </a:ln>
+            </p:spPr>
+          </p:pic>
+          <p:grpSp>
+            <p:nvGrpSpPr>
+              <p:cNvPr id="4" name="Group 54"/>
+              <p:cNvGrpSpPr/>
+              <p:nvPr/>
+            </p:nvGrpSpPr>
+            <p:grpSpPr>
+              <a:xfrm>
+                <a:off x="3681378" y="5474639"/>
+                <a:ext cx="740066" cy="762001"/>
+                <a:chOff x="555334" y="4191000"/>
+                <a:chExt cx="587666" cy="609600"/>
+              </a:xfrm>
+            </p:grpSpPr>
+            <p:pic>
+              <p:nvPicPr>
+                <p:cNvPr id="79" name="Picture 3" descr="C:\Documents and Settings\antonk\Local Settings\Temporary Internet Files\Content.IE5\AV78XKCM\MCj04348450000[1].png"/>
+                <p:cNvPicPr>
+                  <a:picLocks noChangeAspect="1" noChangeArrowheads="1"/>
+                </p:cNvPicPr>
+                <p:nvPr/>
+              </p:nvPicPr>
+              <p:blipFill>
+                <a:blip r:embed="rId3" cstate="screen">
+                  <a:extLst>
+                    <a:ext uri="{28A0092B-C50C-407E-A947-70E740481C1C}">
+                      <a14:useLocalDpi xmlns:a14="http://schemas.microsoft.com/office/drawing/2010/main"/>
+                    </a:ext>
+                  </a:extLst>
+                </a:blip>
+                <a:srcRect/>
+                <a:stretch>
+                  <a:fillRect/>
+                </a:stretch>
+              </p:blipFill>
+              <p:spPr bwMode="auto">
+                <a:xfrm>
+                  <a:off x="555334" y="4191000"/>
+                  <a:ext cx="587666" cy="527538"/>
+                </a:xfrm>
+                <a:prstGeom prst="rect">
+                  <a:avLst/>
+                </a:prstGeom>
+                <a:noFill/>
+              </p:spPr>
+            </p:pic>
+            <p:sp>
+              <p:nvSpPr>
+                <p:cNvPr id="80" name="Can 79"/>
+                <p:cNvSpPr/>
+                <p:nvPr/>
+              </p:nvSpPr>
+              <p:spPr>
+                <a:xfrm>
+                  <a:off x="860133" y="4419600"/>
+                  <a:ext cx="228600" cy="381000"/>
+                </a:xfrm>
+                <a:prstGeom prst="can">
+                  <a:avLst/>
+                </a:prstGeom>
+              </p:spPr>
+              <p:style>
+                <a:lnRef idx="0">
+                  <a:schemeClr val="accent1"/>
+                </a:lnRef>
+                <a:fillRef idx="3">
+                  <a:schemeClr val="accent1"/>
+                </a:fillRef>
+                <a:effectRef idx="3">
+                  <a:schemeClr val="accent1"/>
+                </a:effectRef>
+                <a:fontRef idx="minor">
+                  <a:schemeClr val="lt1"/>
+                </a:fontRef>
+              </p:style>
+              <p:txBody>
+                <a:bodyPr rtlCol="0" anchor="ctr"/>
+                <a:lstStyle/>
+                <a:p>
+                  <a:pPr algn="ctr" rtl="0"/>
+                  <a:endParaRPr lang="en-US" sz="1100" dirty="0">
+                    <a:solidFill>
+                      <a:prstClr val="black"/>
+                    </a:solidFill>
+                    <a:latin typeface="Calibri" pitchFamily="34" charset="0"/>
+                    <a:cs typeface="Calibri" pitchFamily="34" charset="0"/>
+                  </a:endParaRPr>
+                </a:p>
+              </p:txBody>
+            </p:sp>
+          </p:grpSp>
+          <p:cxnSp>
+            <p:nvCxnSpPr>
+              <p:cNvPr id="75" name="Curved Connector 13"/>
+              <p:cNvCxnSpPr/>
+              <p:nvPr/>
+            </p:nvCxnSpPr>
+            <p:spPr>
+              <a:xfrm>
+                <a:off x="3467064" y="4941354"/>
+                <a:ext cx="584347" cy="533278"/>
+              </a:xfrm>
+              <a:prstGeom prst="curvedConnector2">
+                <a:avLst/>
+              </a:prstGeom>
+              <a:ln w="38100" cmpd="sng">
+                <a:tailEnd type="arrow"/>
+              </a:ln>
+            </p:spPr>
+            <p:style>
+              <a:lnRef idx="2">
+                <a:schemeClr val="accent1"/>
+              </a:lnRef>
+              <a:fillRef idx="0">
+                <a:schemeClr val="accent1"/>
+              </a:fillRef>
+              <a:effectRef idx="1">
+                <a:schemeClr val="accent1"/>
+              </a:effectRef>
+              <a:fontRef idx="minor">
+                <a:schemeClr val="tx1"/>
+              </a:fontRef>
+            </p:style>
+          </p:cxnSp>
+          <p:sp>
+            <p:nvSpPr>
+              <p:cNvPr id="76" name="TextBox 75"/>
+              <p:cNvSpPr txBox="1"/>
+              <p:nvPr/>
+            </p:nvSpPr>
+            <p:spPr>
+              <a:xfrm>
+                <a:off x="3848325" y="4819548"/>
+                <a:ext cx="1021088" cy="410369"/>
+              </a:xfrm>
+              <a:prstGeom prst="rect">
+                <a:avLst/>
+              </a:prstGeom>
+              <a:noFill/>
+            </p:spPr>
+            <p:txBody>
+              <a:bodyPr wrap="none" rtlCol="0">
+                <a:spAutoFit/>
+              </a:bodyPr>
+              <a:lstStyle/>
+              <a:p>
+                <a:r>
+                  <a:rPr lang="en-US" b="1" dirty="0" smtClean="0">
+                    <a:solidFill>
+                      <a:schemeClr val="bg1"/>
+                    </a:solidFill>
+                    <a:latin typeface="Calibri" pitchFamily="34" charset="0"/>
+                    <a:cs typeface="Calibri" pitchFamily="34" charset="0"/>
+                  </a:rPr>
+                  <a:t>request</a:t>
+                </a:r>
+                <a:endParaRPr lang="en-US" b="1" dirty="0">
+                  <a:solidFill>
+                    <a:schemeClr val="bg1"/>
+                  </a:solidFill>
+                  <a:latin typeface="Calibri" pitchFamily="34" charset="0"/>
+                  <a:cs typeface="Calibri" pitchFamily="34" charset="0"/>
+                </a:endParaRPr>
+              </a:p>
+            </p:txBody>
+          </p:sp>
+          <p:cxnSp>
+            <p:nvCxnSpPr>
+              <p:cNvPr id="77" name="Curved Connector 13"/>
+              <p:cNvCxnSpPr/>
+              <p:nvPr/>
+            </p:nvCxnSpPr>
+            <p:spPr>
+              <a:xfrm rot="10800000">
+                <a:off x="3074156" y="5265332"/>
+                <a:ext cx="607223" cy="539013"/>
+              </a:xfrm>
+              <a:prstGeom prst="curvedConnector2">
+                <a:avLst/>
+              </a:prstGeom>
+              <a:ln w="38100" cmpd="sng">
+                <a:tailEnd type="arrow"/>
+              </a:ln>
+            </p:spPr>
+            <p:style>
+              <a:lnRef idx="2">
+                <a:schemeClr val="accent1"/>
+              </a:lnRef>
+              <a:fillRef idx="0">
+                <a:schemeClr val="accent1"/>
+              </a:fillRef>
+              <a:effectRef idx="1">
+                <a:schemeClr val="accent1"/>
+              </a:effectRef>
+              <a:fontRef idx="minor">
+                <a:schemeClr val="tx1"/>
+              </a:fontRef>
+            </p:style>
+          </p:cxnSp>
+          <p:sp>
+            <p:nvSpPr>
+              <p:cNvPr id="78" name="TextBox 19"/>
+              <p:cNvSpPr txBox="1"/>
+              <p:nvPr/>
+            </p:nvSpPr>
+            <p:spPr>
+              <a:xfrm>
+                <a:off x="2359257" y="5602632"/>
+                <a:ext cx="1174111" cy="410369"/>
+              </a:xfrm>
+              <a:prstGeom prst="rect">
+                <a:avLst/>
+              </a:prstGeom>
+              <a:noFill/>
+            </p:spPr>
+            <p:txBody>
+              <a:bodyPr wrap="none" rtlCol="0">
+                <a:spAutoFit/>
+              </a:bodyPr>
+              <a:lstStyle/>
+              <a:p>
+                <a:r>
+                  <a:rPr lang="en-US" b="1" dirty="0" smtClean="0">
+                    <a:solidFill>
+                      <a:schemeClr val="bg1"/>
+                    </a:solidFill>
+                    <a:latin typeface="Calibri" pitchFamily="34" charset="0"/>
+                    <a:cs typeface="Calibri" pitchFamily="34" charset="0"/>
+                  </a:rPr>
+                  <a:t>response</a:t>
+                </a:r>
+                <a:endParaRPr lang="en-US" b="1" dirty="0">
+                  <a:solidFill>
+                    <a:schemeClr val="bg1"/>
+                  </a:solidFill>
+                  <a:latin typeface="Calibri" pitchFamily="34" charset="0"/>
+                  <a:cs typeface="Calibri" pitchFamily="34" charset="0"/>
+                </a:endParaRPr>
+              </a:p>
+            </p:txBody>
+          </p:sp>
+        </p:grpSp>
+        <p:grpSp>
+          <p:nvGrpSpPr>
+            <p:cNvPr id="7" name="Group 29"/>
+            <p:cNvGrpSpPr/>
+            <p:nvPr/>
+          </p:nvGrpSpPr>
+          <p:grpSpPr>
+            <a:xfrm>
+              <a:off x="5335262" y="4664974"/>
+              <a:ext cx="2846710" cy="1381162"/>
+              <a:chOff x="5335262" y="4664974"/>
+              <a:chExt cx="2846710" cy="1381162"/>
+            </a:xfrm>
+          </p:grpSpPr>
+          <p:pic>
+            <p:nvPicPr>
+              <p:cNvPr id="64" name="Picture 326"/>
+              <p:cNvPicPr>
+                <a:picLocks noChangeAspect="1" noChangeArrowheads="1"/>
+              </p:cNvPicPr>
+              <p:nvPr/>
+            </p:nvPicPr>
+            <p:blipFill>
+              <a:blip r:embed="rId4" cstate="print"/>
+              <a:srcRect/>
+              <a:stretch>
+                <a:fillRect/>
+              </a:stretch>
+            </p:blipFill>
+            <p:spPr bwMode="auto">
+              <a:xfrm>
+                <a:off x="6396022" y="5046004"/>
+                <a:ext cx="555625" cy="727075"/>
+              </a:xfrm>
+              <a:prstGeom prst="rect">
+                <a:avLst/>
+              </a:prstGeom>
+              <a:noFill/>
+              <a:ln w="9525" algn="ctr">
+                <a:noFill/>
+                <a:miter lim="800000"/>
+                <a:headEnd/>
+                <a:tailEnd/>
+              </a:ln>
+            </p:spPr>
+          </p:pic>
+          <p:grpSp>
+            <p:nvGrpSpPr>
+              <p:cNvPr id="8" name="Group 132"/>
+              <p:cNvGrpSpPr>
+                <a:grpSpLocks/>
+              </p:cNvGrpSpPr>
+              <p:nvPr/>
+            </p:nvGrpSpPr>
+            <p:grpSpPr bwMode="auto">
+              <a:xfrm>
+                <a:off x="5467328" y="4688814"/>
+                <a:ext cx="857256" cy="500066"/>
+                <a:chOff x="258" y="448397"/>
+                <a:chExt cx="1030863" cy="868320"/>
+              </a:xfrm>
+              <a:solidFill>
+                <a:srgbClr val="DDE8C6">
+                  <a:alpha val="20000"/>
+                </a:srgbClr>
+              </a:solidFill>
+            </p:grpSpPr>
+            <p:sp>
+              <p:nvSpPr>
+                <p:cNvPr id="71" name=" 3"/>
+                <p:cNvSpPr/>
+                <p:nvPr/>
+              </p:nvSpPr>
+              <p:spPr>
+                <a:xfrm>
+                  <a:off x="258" y="448397"/>
+                  <a:ext cx="1030863" cy="868320"/>
+                </a:xfrm>
+                <a:prstGeom prst="gear6">
+                  <a:avLst/>
+                </a:prstGeom>
+                <a:solidFill>
+                  <a:schemeClr val="accent1"/>
+                </a:solidFill>
+                <a:ln w="3175" cmpd="sng">
+                  <a:solidFill>
+                    <a:schemeClr val="tx1"/>
+                  </a:solidFill>
+                </a:ln>
+              </p:spPr>
+              <p:style>
+                <a:lnRef idx="2">
+                  <a:schemeClr val="lt1">
+                    <a:hueOff val="0"/>
+                    <a:satOff val="0"/>
+                    <a:lumOff val="0"/>
+                    <a:alphaOff val="0"/>
+                  </a:schemeClr>
+                </a:lnRef>
+                <a:fillRef idx="1">
+                  <a:schemeClr val="accent1">
+                    <a:hueOff val="0"/>
+                    <a:satOff val="0"/>
+                    <a:lumOff val="0"/>
+                    <a:alphaOff val="0"/>
+                  </a:schemeClr>
+                </a:fillRef>
+                <a:effectRef idx="0">
+                  <a:schemeClr val="accent1">
+                    <a:hueOff val="0"/>
+                    <a:satOff val="0"/>
+                    <a:lumOff val="0"/>
+                    <a:alphaOff val="0"/>
+                  </a:schemeClr>
+                </a:effectRef>
+                <a:fontRef idx="minor">
+                  <a:schemeClr val="lt1"/>
+                </a:fontRef>
+              </p:style>
+            </p:sp>
+            <p:sp>
+              <p:nvSpPr>
+                <p:cNvPr id="72" name=" 4"/>
+                <p:cNvSpPr/>
+                <p:nvPr/>
+              </p:nvSpPr>
+              <p:spPr>
+                <a:xfrm>
+                  <a:off x="243146" y="669207"/>
+                  <a:ext cx="545087" cy="426700"/>
+                </a:xfrm>
+                <a:prstGeom prst="rect">
+                  <a:avLst/>
+                </a:prstGeom>
+                <a:noFill/>
+                <a:ln cmpd="sng">
+                  <a:noFill/>
+                </a:ln>
+              </p:spPr>
+              <p:style>
+                <a:lnRef idx="0">
+                  <a:scrgbClr r="0" g="0" b="0"/>
+                </a:lnRef>
+                <a:fillRef idx="0">
+                  <a:scrgbClr r="0" g="0" b="0"/>
+                </a:fillRef>
+                <a:effectRef idx="0">
+                  <a:scrgbClr r="0" g="0" b="0"/>
+                </a:effectRef>
+                <a:fontRef idx="minor">
+                  <a:schemeClr val="lt1"/>
+                </a:fontRef>
+              </p:style>
+              <p:txBody>
+                <a:bodyPr lIns="16510" tIns="16510" rIns="16510" bIns="16510" spcCol="1270" anchor="ctr"/>
+                <a:lstStyle/>
+                <a:p>
+                  <a:pPr algn="ctr" defTabSz="520065">
+                    <a:lnSpc>
+                      <a:spcPct val="90000"/>
+                    </a:lnSpc>
+                    <a:spcAft>
+                      <a:spcPct val="35000"/>
+                    </a:spcAft>
+                    <a:defRPr/>
+                  </a:pPr>
+                  <a:r>
+                    <a:rPr lang="en-US" sz="1100" b="1" dirty="0">
+                      <a:solidFill>
+                        <a:schemeClr val="tx1"/>
+                      </a:solidFill>
+                      <a:latin typeface="Calibri" pitchFamily="34" charset="0"/>
+                      <a:cs typeface="Calibri" pitchFamily="34" charset="0"/>
+                    </a:rPr>
+                    <a:t>Event</a:t>
+                  </a:r>
+                  <a:endParaRPr lang="en-US" sz="600" b="1" dirty="0">
+                    <a:solidFill>
+                      <a:schemeClr val="tx1"/>
+                    </a:solidFill>
+                    <a:latin typeface="Calibri" pitchFamily="34" charset="0"/>
+                    <a:cs typeface="Calibri" pitchFamily="34" charset="0"/>
+                  </a:endParaRPr>
+                </a:p>
+              </p:txBody>
+            </p:sp>
+          </p:grpSp>
+          <p:cxnSp>
+            <p:nvCxnSpPr>
+              <p:cNvPr id="66" name="Curved Connector 13"/>
+              <p:cNvCxnSpPr>
+                <a:endCxn id="64" idx="1"/>
+              </p:cNvCxnSpPr>
+              <p:nvPr/>
+            </p:nvCxnSpPr>
+            <p:spPr>
+              <a:xfrm rot="16200000" flipH="1">
+                <a:off x="6032746" y="5046265"/>
+                <a:ext cx="226487" cy="500066"/>
+              </a:xfrm>
+              <a:prstGeom prst="curvedConnector2">
+                <a:avLst/>
+              </a:prstGeom>
+              <a:ln w="38100" cmpd="sng">
+                <a:tailEnd type="arrow"/>
+              </a:ln>
+            </p:spPr>
+            <p:style>
+              <a:lnRef idx="2">
+                <a:schemeClr val="accent1"/>
+              </a:lnRef>
+              <a:fillRef idx="0">
+                <a:schemeClr val="accent1"/>
+              </a:fillRef>
+              <a:effectRef idx="1">
+                <a:schemeClr val="accent1"/>
+              </a:effectRef>
+              <a:fontRef idx="minor">
+                <a:schemeClr val="tx1"/>
+              </a:fontRef>
+            </p:style>
+          </p:cxnSp>
+          <p:pic>
+            <p:nvPicPr>
+              <p:cNvPr id="67" name="Picture 66" descr="C:\Users\scohen\Pictures\Microsoft Clip Organizer\j0433941.png"/>
+              <p:cNvPicPr>
+                <a:picLocks noChangeAspect="1" noChangeArrowheads="1"/>
+              </p:cNvPicPr>
+              <p:nvPr/>
+            </p:nvPicPr>
+            <p:blipFill>
+              <a:blip r:embed="rId2" cstate="screen">
+                <a:extLst>
+                  <a:ext uri="{28A0092B-C50C-407E-A947-70E740481C1C}">
+                    <a14:useLocalDpi xmlns:a14="http://schemas.microsoft.com/office/drawing/2010/main"/>
+                  </a:ext>
+                </a:extLst>
+              </a:blip>
+              <a:srcRect/>
+              <a:stretch>
+                <a:fillRect/>
+              </a:stretch>
+            </p:blipFill>
+            <p:spPr bwMode="auto">
+              <a:xfrm>
+                <a:off x="7396154" y="5398181"/>
+                <a:ext cx="785818" cy="647955"/>
+              </a:xfrm>
+              <a:prstGeom prst="rect">
+                <a:avLst/>
+              </a:prstGeom>
+              <a:noFill/>
+              <a:ln w="9525">
+                <a:noFill/>
+                <a:miter lim="800000"/>
+                <a:headEnd/>
+                <a:tailEnd/>
+              </a:ln>
+            </p:spPr>
+          </p:pic>
+          <p:cxnSp>
+            <p:nvCxnSpPr>
+              <p:cNvPr id="68" name="Curved Connector 13"/>
+              <p:cNvCxnSpPr>
+                <a:stCxn id="64" idx="3"/>
+                <a:endCxn id="67" idx="1"/>
+              </p:cNvCxnSpPr>
+              <p:nvPr/>
+            </p:nvCxnSpPr>
+            <p:spPr>
+              <a:xfrm>
+                <a:off x="6951647" y="5409542"/>
+                <a:ext cx="444507" cy="312617"/>
+              </a:xfrm>
+              <a:prstGeom prst="curvedConnector3">
+                <a:avLst>
+                  <a:gd name="adj1" fmla="val 50000"/>
+                </a:avLst>
+              </a:prstGeom>
+              <a:ln w="38100" cmpd="sng">
+                <a:tailEnd type="arrow"/>
+              </a:ln>
+            </p:spPr>
+            <p:style>
+              <a:lnRef idx="2">
+                <a:schemeClr val="accent1"/>
+              </a:lnRef>
+              <a:fillRef idx="0">
+                <a:schemeClr val="accent1"/>
+              </a:fillRef>
+              <a:effectRef idx="1">
+                <a:schemeClr val="accent1"/>
+              </a:effectRef>
+              <a:fontRef idx="minor">
+                <a:schemeClr val="tx1"/>
+              </a:fontRef>
+            </p:style>
+          </p:cxnSp>
+          <p:sp>
+            <p:nvSpPr>
+              <p:cNvPr id="69" name="TextBox 68"/>
+              <p:cNvSpPr txBox="1"/>
+              <p:nvPr/>
+            </p:nvSpPr>
+            <p:spPr>
+              <a:xfrm>
+                <a:off x="7193498" y="4664974"/>
+                <a:ext cx="951958" cy="718145"/>
+              </a:xfrm>
+              <a:prstGeom prst="rect">
+                <a:avLst/>
+              </a:prstGeom>
+              <a:noFill/>
+            </p:spPr>
+            <p:txBody>
+              <a:bodyPr wrap="none" rtlCol="0">
+                <a:spAutoFit/>
+              </a:bodyPr>
+              <a:lstStyle/>
+              <a:p>
+                <a:r>
+                  <a:rPr lang="en-US" b="1" dirty="0" smtClean="0">
+                    <a:solidFill>
+                      <a:schemeClr val="bg1"/>
+                    </a:solidFill>
+                    <a:latin typeface="Calibri" pitchFamily="34" charset="0"/>
+                    <a:cs typeface="Calibri" pitchFamily="34" charset="0"/>
+                  </a:rPr>
+                  <a:t>output </a:t>
+                </a:r>
+                <a:br>
+                  <a:rPr lang="en-US" b="1" dirty="0" smtClean="0">
+                    <a:solidFill>
+                      <a:schemeClr val="bg1"/>
+                    </a:solidFill>
+                    <a:latin typeface="Calibri" pitchFamily="34" charset="0"/>
+                    <a:cs typeface="Calibri" pitchFamily="34" charset="0"/>
+                  </a:rPr>
+                </a:br>
+                <a:r>
+                  <a:rPr lang="en-US" b="1" dirty="0" smtClean="0">
+                    <a:solidFill>
+                      <a:schemeClr val="bg1"/>
+                    </a:solidFill>
+                    <a:latin typeface="Calibri" pitchFamily="34" charset="0"/>
+                    <a:cs typeface="Calibri" pitchFamily="34" charset="0"/>
+                  </a:rPr>
+                  <a:t>stream</a:t>
+                </a:r>
+                <a:endParaRPr lang="en-US" b="1" dirty="0">
+                  <a:solidFill>
+                    <a:schemeClr val="bg1"/>
+                  </a:solidFill>
+                  <a:latin typeface="Calibri" pitchFamily="34" charset="0"/>
+                  <a:cs typeface="Calibri" pitchFamily="34" charset="0"/>
+                </a:endParaRPr>
+              </a:p>
+            </p:txBody>
+          </p:sp>
+          <p:sp>
+            <p:nvSpPr>
+              <p:cNvPr id="70" name="TextBox 69"/>
+              <p:cNvSpPr txBox="1"/>
+              <p:nvPr/>
+            </p:nvSpPr>
+            <p:spPr>
+              <a:xfrm>
+                <a:off x="5335262" y="5274574"/>
+                <a:ext cx="955228" cy="718145"/>
+              </a:xfrm>
+              <a:prstGeom prst="rect">
+                <a:avLst/>
+              </a:prstGeom>
+              <a:noFill/>
+            </p:spPr>
+            <p:txBody>
+              <a:bodyPr wrap="none" rtlCol="0">
+                <a:spAutoFit/>
+              </a:bodyPr>
+              <a:lstStyle/>
+              <a:p>
+                <a:pPr algn="r"/>
+                <a:r>
+                  <a:rPr lang="en-US" b="1" dirty="0" smtClean="0">
+                    <a:solidFill>
+                      <a:schemeClr val="bg1"/>
+                    </a:solidFill>
+                    <a:latin typeface="Calibri" pitchFamily="34" charset="0"/>
+                    <a:cs typeface="Calibri" pitchFamily="34" charset="0"/>
+                  </a:rPr>
+                  <a:t>input </a:t>
+                </a:r>
+                <a:br>
+                  <a:rPr lang="en-US" b="1" dirty="0" smtClean="0">
+                    <a:solidFill>
+                      <a:schemeClr val="bg1"/>
+                    </a:solidFill>
+                    <a:latin typeface="Calibri" pitchFamily="34" charset="0"/>
+                    <a:cs typeface="Calibri" pitchFamily="34" charset="0"/>
+                  </a:rPr>
+                </a:br>
+                <a:r>
+                  <a:rPr lang="en-US" b="1" dirty="0" smtClean="0">
+                    <a:solidFill>
+                      <a:schemeClr val="bg1"/>
+                    </a:solidFill>
+                    <a:latin typeface="Calibri" pitchFamily="34" charset="0"/>
+                    <a:cs typeface="Calibri" pitchFamily="34" charset="0"/>
+                  </a:rPr>
+                  <a:t>stream</a:t>
+                </a:r>
+                <a:endParaRPr lang="en-US" b="1" dirty="0">
+                  <a:solidFill>
+                    <a:schemeClr val="bg1"/>
+                  </a:solidFill>
+                  <a:latin typeface="Calibri" pitchFamily="34" charset="0"/>
+                  <a:cs typeface="Calibri" pitchFamily="34" charset="0"/>
+                </a:endParaRPr>
+              </a:p>
+            </p:txBody>
+          </p:sp>
+        </p:grpSp>
+      </p:grpSp>
+      <p:graphicFrame>
+        <p:nvGraphicFramePr>
+          <p:cNvPr id="6" name="Table 5"/>
+          <p:cNvGraphicFramePr>
+            <a:graphicFrameLocks noGrp="1"/>
+          </p:cNvGraphicFramePr>
+          <p:nvPr>
+            <p:extLst>
+              <p:ext uri="{D42A27DB-BD31-4B8C-83A1-F6EECF244321}">
+                <p14:modId xmlns:p14="http://schemas.microsoft.com/office/powerpoint/2010/main" val="2667141654"/>
+              </p:ext>
+            </p:extLst>
+          </p:nvPr>
+        </p:nvGraphicFramePr>
+        <p:xfrm>
+          <a:off x="834771" y="1927158"/>
+          <a:ext cx="7299509" cy="3677602"/>
+        </p:xfrm>
+        <a:graphic>
+          <a:graphicData uri="http://schemas.openxmlformats.org/drawingml/2006/table">
+            <a:tbl>
+              <a:tblPr>
+                <a:tableStyleId>{5C22544A-7EE6-4342-B048-85BDC9FD1C3A}</a:tableStyleId>
+              </a:tblPr>
+              <a:tblGrid>
+                <a:gridCol w="1648401"/>
+                <a:gridCol w="2646951"/>
+                <a:gridCol w="3004157"/>
+              </a:tblGrid>
+              <a:tr h="387362">
+                <a:tc>
+                  <a:txBody>
+                    <a:bodyPr/>
+                    <a:lstStyle/>
+                    <a:p>
+                      <a:endParaRPr lang="en-US" sz="1800" dirty="0">
+                        <a:solidFill>
+                          <a:schemeClr val="tx1"/>
+                        </a:solidFill>
+                        <a:latin typeface="Segoe UI" pitchFamily="34" charset="0"/>
+                        <a:ea typeface="Segoe UI" pitchFamily="34" charset="0"/>
+                        <a:cs typeface="Segoe UI" pitchFamily="34" charset="0"/>
+                      </a:endParaRPr>
+                    </a:p>
+                  </a:txBody>
+                  <a:tcPr marL="82296" marR="82296" marT="41148" marB="41148">
+                    <a:lnL w="12700" cap="flat" cmpd="sng" algn="ctr">
+                      <a:solidFill>
+                        <a:schemeClr val="tx1"/>
+                      </a:solidFill>
+                      <a:prstDash val="solid"/>
+                      <a:round/>
+                      <a:headEnd type="none" w="med" len="med"/>
+                      <a:tailEnd type="none" w="med" len="med"/>
+                    </a:lnL>
+                    <a:lnR w="12700" cap="flat" cmpd="sng" algn="ctr">
+                      <a:solidFill>
+                        <a:schemeClr val="tx1"/>
+                      </a:solidFill>
+                      <a:prstDash val="solid"/>
+                      <a:round/>
+                      <a:headEnd type="none" w="med" len="med"/>
+                      <a:tailEnd type="none" w="med" len="med"/>
+                    </a:lnR>
+                    <a:lnT w="12700" cap="flat" cmpd="sng" algn="ctr">
+                      <a:solidFill>
+                        <a:schemeClr val="tx1"/>
+                      </a:solidFill>
+                      <a:prstDash val="solid"/>
+                      <a:round/>
+                      <a:headEnd type="none" w="med" len="med"/>
+                      <a:tailEnd type="none" w="med" len="med"/>
+                    </a:lnT>
+                    <a:lnB w="12700" cap="flat" cmpd="sng" algn="ctr">
+                      <a:solidFill>
+                        <a:schemeClr val="tx1"/>
+                      </a:solidFill>
+                      <a:prstDash val="solid"/>
+                      <a:round/>
+                      <a:headEnd type="none" w="med" len="med"/>
+                      <a:tailEnd type="none" w="med" len="med"/>
+                    </a:lnB>
+                    <a:noFill/>
+                  </a:tcPr>
+                </a:tc>
+                <a:tc>
+                  <a:txBody>
+                    <a:bodyPr/>
+                    <a:lstStyle/>
+                    <a:p>
+                      <a:r>
+                        <a:rPr lang="en-US" sz="1800" b="1" dirty="0" smtClean="0">
+                          <a:solidFill>
+                            <a:schemeClr val="tx1"/>
+                          </a:solidFill>
+                          <a:latin typeface="Segoe UI" pitchFamily="34" charset="0"/>
+                          <a:ea typeface="Segoe UI" pitchFamily="34" charset="0"/>
+                          <a:cs typeface="Segoe UI" pitchFamily="34" charset="0"/>
+                        </a:rPr>
+                        <a:t>Database Applications</a:t>
+                      </a:r>
+                      <a:endParaRPr lang="en-US" sz="1800" b="1" dirty="0">
+                        <a:solidFill>
+                          <a:schemeClr val="tx1"/>
+                        </a:solidFill>
+                        <a:latin typeface="Segoe UI" pitchFamily="34" charset="0"/>
+                        <a:ea typeface="Segoe UI" pitchFamily="34" charset="0"/>
+                        <a:cs typeface="Segoe UI" pitchFamily="34" charset="0"/>
+                      </a:endParaRPr>
+                    </a:p>
+                  </a:txBody>
+                  <a:tcPr marL="82296" marR="82296" marT="41148" marB="41148">
+                    <a:lnL w="12700" cap="flat" cmpd="sng" algn="ctr">
+                      <a:solidFill>
+                        <a:schemeClr val="tx1"/>
+                      </a:solidFill>
+                      <a:prstDash val="solid"/>
+                      <a:round/>
+                      <a:headEnd type="none" w="med" len="med"/>
+                      <a:tailEnd type="none" w="med" len="med"/>
+                    </a:lnL>
+                    <a:lnR w="12700" cap="flat" cmpd="sng" algn="ctr">
+                      <a:solidFill>
+                        <a:schemeClr val="tx1"/>
+                      </a:solidFill>
+                      <a:prstDash val="solid"/>
+                      <a:round/>
+                      <a:headEnd type="none" w="med" len="med"/>
+                      <a:tailEnd type="none" w="med" len="med"/>
+                    </a:lnR>
+                    <a:lnT w="12700" cap="flat" cmpd="sng" algn="ctr">
+                      <a:solidFill>
+                        <a:schemeClr val="tx1"/>
+                      </a:solidFill>
+                      <a:prstDash val="solid"/>
+                      <a:round/>
+                      <a:headEnd type="none" w="med" len="med"/>
+                      <a:tailEnd type="none" w="med" len="med"/>
+                    </a:lnT>
+                    <a:lnB w="12700" cap="flat" cmpd="sng" algn="ctr">
+                      <a:solidFill>
+                        <a:schemeClr val="tx1"/>
+                      </a:solidFill>
+                      <a:prstDash val="solid"/>
+                      <a:round/>
+                      <a:headEnd type="none" w="med" len="med"/>
+                      <a:tailEnd type="none" w="med" len="med"/>
+                    </a:lnB>
+                    <a:noFill/>
+                  </a:tcPr>
+                </a:tc>
+                <a:tc>
+                  <a:txBody>
+                    <a:bodyPr/>
+                    <a:lstStyle/>
+                    <a:p>
+                      <a:r>
+                        <a:rPr lang="en-US" sz="1800" b="1" dirty="0" smtClean="0">
+                          <a:solidFill>
+                            <a:schemeClr val="tx1"/>
+                          </a:solidFill>
+                          <a:latin typeface="Segoe UI" pitchFamily="34" charset="0"/>
+                          <a:ea typeface="Segoe UI" pitchFamily="34" charset="0"/>
+                          <a:cs typeface="Segoe UI" pitchFamily="34" charset="0"/>
+                        </a:rPr>
+                        <a:t>Event-driven Applications</a:t>
+                      </a:r>
+                      <a:endParaRPr lang="en-US" sz="1800" b="1" dirty="0">
+                        <a:solidFill>
+                          <a:schemeClr val="tx1"/>
+                        </a:solidFill>
+                        <a:latin typeface="Segoe UI" pitchFamily="34" charset="0"/>
+                        <a:ea typeface="Segoe UI" pitchFamily="34" charset="0"/>
+                        <a:cs typeface="Segoe UI" pitchFamily="34" charset="0"/>
+                      </a:endParaRPr>
+                    </a:p>
+                  </a:txBody>
+                  <a:tcPr marL="82296" marR="82296" marT="41148" marB="41148">
+                    <a:lnL w="12700" cap="flat" cmpd="sng" algn="ctr">
+                      <a:solidFill>
+                        <a:schemeClr val="tx1"/>
+                      </a:solidFill>
+                      <a:prstDash val="solid"/>
+                      <a:round/>
+                      <a:headEnd type="none" w="med" len="med"/>
+                      <a:tailEnd type="none" w="med" len="med"/>
+                    </a:lnL>
+                    <a:lnR w="12700" cap="flat" cmpd="sng" algn="ctr">
+                      <a:solidFill>
+                        <a:schemeClr val="tx1"/>
+                      </a:solidFill>
+                      <a:prstDash val="solid"/>
+                      <a:round/>
+                      <a:headEnd type="none" w="med" len="med"/>
+                      <a:tailEnd type="none" w="med" len="med"/>
+                    </a:lnR>
+                    <a:lnT w="12700" cap="flat" cmpd="sng" algn="ctr">
+                      <a:solidFill>
+                        <a:schemeClr val="tx1"/>
+                      </a:solidFill>
+                      <a:prstDash val="solid"/>
+                      <a:round/>
+                      <a:headEnd type="none" w="med" len="med"/>
+                      <a:tailEnd type="none" w="med" len="med"/>
+                    </a:lnT>
+                    <a:lnB w="12700" cap="flat" cmpd="sng" algn="ctr">
+                      <a:solidFill>
+                        <a:schemeClr val="tx1"/>
+                      </a:solidFill>
+                      <a:prstDash val="solid"/>
+                      <a:round/>
+                      <a:headEnd type="none" w="med" len="med"/>
+                      <a:tailEnd type="none" w="med" len="med"/>
+                    </a:lnB>
+                    <a:noFill/>
+                  </a:tcPr>
+                </a:tc>
+              </a:tr>
+              <a:tr h="630936">
+                <a:tc>
+                  <a:txBody>
+                    <a:bodyPr/>
+                    <a:lstStyle/>
+                    <a:p>
+                      <a:pPr algn="ctr"/>
+                      <a:r>
+                        <a:rPr lang="en-US" sz="1800" dirty="0" smtClean="0">
+                          <a:solidFill>
+                            <a:schemeClr val="tx1"/>
+                          </a:solidFill>
+                          <a:latin typeface="Segoe UI" pitchFamily="34" charset="0"/>
+                          <a:ea typeface="Segoe UI" pitchFamily="34" charset="0"/>
+                          <a:cs typeface="Segoe UI" pitchFamily="34" charset="0"/>
+                        </a:rPr>
+                        <a:t>Query</a:t>
+                      </a:r>
+                      <a:r>
+                        <a:rPr lang="en-US" sz="1800" baseline="0" dirty="0" smtClean="0">
+                          <a:solidFill>
+                            <a:schemeClr val="tx1"/>
+                          </a:solidFill>
+                          <a:latin typeface="Segoe UI" pitchFamily="34" charset="0"/>
+                          <a:ea typeface="Segoe UI" pitchFamily="34" charset="0"/>
+                          <a:cs typeface="Segoe UI" pitchFamily="34" charset="0"/>
+                        </a:rPr>
+                        <a:t> Paradigm</a:t>
+                      </a:r>
+                      <a:endParaRPr lang="en-US" sz="1800" dirty="0">
+                        <a:solidFill>
+                          <a:schemeClr val="tx1"/>
+                        </a:solidFill>
+                        <a:latin typeface="Segoe UI" pitchFamily="34" charset="0"/>
+                        <a:ea typeface="Segoe UI" pitchFamily="34" charset="0"/>
+                        <a:cs typeface="Segoe UI" pitchFamily="34" charset="0"/>
+                      </a:endParaRPr>
+                    </a:p>
+                  </a:txBody>
+                  <a:tcPr marL="82296" marR="82296" marT="41148" marB="41148" anchor="ctr">
+                    <a:lnL w="12700" cap="flat" cmpd="sng" algn="ctr">
+                      <a:solidFill>
+                        <a:schemeClr val="tx1"/>
+                      </a:solidFill>
+                      <a:prstDash val="solid"/>
+                      <a:round/>
+                      <a:headEnd type="none" w="med" len="med"/>
+                      <a:tailEnd type="none" w="med" len="med"/>
+                    </a:lnL>
+                    <a:lnR w="12700" cap="flat" cmpd="sng" algn="ctr">
+                      <a:solidFill>
+                        <a:schemeClr val="tx1"/>
+                      </a:solidFill>
+                      <a:prstDash val="solid"/>
+                      <a:round/>
+                      <a:headEnd type="none" w="med" len="med"/>
+                      <a:tailEnd type="none" w="med" len="med"/>
+                    </a:lnR>
+                    <a:lnT w="12700" cap="flat" cmpd="sng" algn="ctr">
+                      <a:solidFill>
+                        <a:schemeClr val="tx1"/>
+                      </a:solidFill>
+                      <a:prstDash val="solid"/>
+                      <a:round/>
+                      <a:headEnd type="none" w="med" len="med"/>
+                      <a:tailEnd type="none" w="med" len="med"/>
+                    </a:lnT>
+                    <a:lnB w="12700" cap="flat" cmpd="sng" algn="ctr">
+                      <a:solidFill>
+                        <a:schemeClr val="tx1"/>
+                      </a:solidFill>
+                      <a:prstDash val="solid"/>
+                      <a:round/>
+                      <a:headEnd type="none" w="med" len="med"/>
+                      <a:tailEnd type="none" w="med" len="med"/>
+                    </a:lnB>
+                    <a:noFill/>
+                  </a:tcPr>
+                </a:tc>
+                <a:tc>
+                  <a:txBody>
+                    <a:bodyPr/>
+                    <a:lstStyle/>
+                    <a:p>
+                      <a:pPr algn="ctr"/>
+                      <a:r>
+                        <a:rPr lang="en-US" sz="1600" dirty="0" smtClean="0">
+                          <a:solidFill>
+                            <a:schemeClr val="tx1"/>
+                          </a:solidFill>
+                          <a:latin typeface="Segoe UI" pitchFamily="34" charset="0"/>
+                          <a:ea typeface="Segoe UI" pitchFamily="34" charset="0"/>
+                          <a:cs typeface="Segoe UI" pitchFamily="34" charset="0"/>
+                        </a:rPr>
+                        <a:t>Ad-hoc queries or requests</a:t>
+                      </a:r>
+                      <a:endParaRPr lang="en-US" sz="1600" dirty="0">
+                        <a:solidFill>
+                          <a:schemeClr val="tx1"/>
+                        </a:solidFill>
+                        <a:latin typeface="Segoe UI" pitchFamily="34" charset="0"/>
+                        <a:ea typeface="Segoe UI" pitchFamily="34" charset="0"/>
+                        <a:cs typeface="Segoe UI" pitchFamily="34" charset="0"/>
+                      </a:endParaRPr>
+                    </a:p>
+                  </a:txBody>
+                  <a:tcPr marL="82296" marR="82296" marT="41148" marB="41148" anchor="ctr">
+                    <a:lnL w="12700" cap="flat" cmpd="sng" algn="ctr">
+                      <a:solidFill>
+                        <a:schemeClr val="tx1"/>
+                      </a:solidFill>
+                      <a:prstDash val="solid"/>
+                      <a:round/>
+                      <a:headEnd type="none" w="med" len="med"/>
+                      <a:tailEnd type="none" w="med" len="med"/>
+                    </a:lnL>
+                    <a:lnR w="12700" cap="flat" cmpd="sng" algn="ctr">
+                      <a:solidFill>
+                        <a:schemeClr val="tx1"/>
+                      </a:solidFill>
+                      <a:prstDash val="solid"/>
+                      <a:round/>
+                      <a:headEnd type="none" w="med" len="med"/>
+                      <a:tailEnd type="none" w="med" len="med"/>
+                    </a:lnR>
+                    <a:lnT w="12700" cap="flat" cmpd="sng" algn="ctr">
+                      <a:solidFill>
+                        <a:schemeClr val="tx1"/>
+                      </a:solidFill>
+                      <a:prstDash val="solid"/>
+                      <a:round/>
+                      <a:headEnd type="none" w="med" len="med"/>
+                      <a:tailEnd type="none" w="med" len="med"/>
+                    </a:lnT>
+                    <a:lnB w="12700" cap="flat" cmpd="sng" algn="ctr">
+                      <a:solidFill>
+                        <a:schemeClr val="tx1"/>
+                      </a:solidFill>
+                      <a:prstDash val="solid"/>
+                      <a:round/>
+                      <a:headEnd type="none" w="med" len="med"/>
+                      <a:tailEnd type="none" w="med" len="med"/>
+                    </a:lnB>
+                    <a:noFill/>
+                  </a:tcPr>
+                </a:tc>
+                <a:tc>
+                  <a:txBody>
+                    <a:bodyPr/>
+                    <a:lstStyle/>
+                    <a:p>
+                      <a:pPr algn="ctr"/>
+                      <a:r>
+                        <a:rPr lang="en-US" sz="1600" baseline="0" dirty="0" smtClean="0">
+                          <a:solidFill>
+                            <a:schemeClr val="tx1"/>
+                          </a:solidFill>
+                          <a:latin typeface="Segoe UI" pitchFamily="34" charset="0"/>
+                          <a:ea typeface="Segoe UI" pitchFamily="34" charset="0"/>
+                          <a:cs typeface="Segoe UI" pitchFamily="34" charset="0"/>
+                        </a:rPr>
+                        <a:t>Continuous standing queries</a:t>
+                      </a:r>
+                      <a:endParaRPr lang="en-US" sz="1600" dirty="0">
+                        <a:solidFill>
+                          <a:schemeClr val="tx1"/>
+                        </a:solidFill>
+                        <a:latin typeface="Segoe UI" pitchFamily="34" charset="0"/>
+                        <a:ea typeface="Segoe UI" pitchFamily="34" charset="0"/>
+                        <a:cs typeface="Segoe UI" pitchFamily="34" charset="0"/>
+                      </a:endParaRPr>
+                    </a:p>
+                  </a:txBody>
+                  <a:tcPr marL="82296" marR="82296" marT="41148" marB="41148" anchor="ctr">
+                    <a:lnL w="12700" cap="flat" cmpd="sng" algn="ctr">
+                      <a:solidFill>
+                        <a:schemeClr val="tx1"/>
+                      </a:solidFill>
+                      <a:prstDash val="solid"/>
+                      <a:round/>
+                      <a:headEnd type="none" w="med" len="med"/>
+                      <a:tailEnd type="none" w="med" len="med"/>
+                    </a:lnL>
+                    <a:lnR w="12700" cap="flat" cmpd="sng" algn="ctr">
+                      <a:solidFill>
+                        <a:schemeClr val="tx1"/>
+                      </a:solidFill>
+                      <a:prstDash val="solid"/>
+                      <a:round/>
+                      <a:headEnd type="none" w="med" len="med"/>
+                      <a:tailEnd type="none" w="med" len="med"/>
+                    </a:lnR>
+                    <a:lnT w="12700" cap="flat" cmpd="sng" algn="ctr">
+                      <a:solidFill>
+                        <a:schemeClr val="tx1"/>
+                      </a:solidFill>
+                      <a:prstDash val="solid"/>
+                      <a:round/>
+                      <a:headEnd type="none" w="med" len="med"/>
+                      <a:tailEnd type="none" w="med" len="med"/>
+                    </a:lnT>
+                    <a:lnB w="12700" cap="flat" cmpd="sng" algn="ctr">
+                      <a:solidFill>
+                        <a:schemeClr val="tx1"/>
+                      </a:solidFill>
+                      <a:prstDash val="solid"/>
+                      <a:round/>
+                      <a:headEnd type="none" w="med" len="med"/>
+                      <a:tailEnd type="none" w="med" len="med"/>
+                    </a:lnB>
+                    <a:noFill/>
+                  </a:tcPr>
+                </a:tc>
+              </a:tr>
+              <a:tr h="428937">
+                <a:tc>
+                  <a:txBody>
+                    <a:bodyPr/>
+                    <a:lstStyle/>
+                    <a:p>
+                      <a:pPr algn="ctr"/>
+                      <a:r>
+                        <a:rPr lang="en-US" sz="1800" dirty="0" smtClean="0">
+                          <a:solidFill>
+                            <a:schemeClr val="tx1"/>
+                          </a:solidFill>
+                          <a:latin typeface="Segoe UI" pitchFamily="34" charset="0"/>
+                          <a:ea typeface="Segoe UI" pitchFamily="34" charset="0"/>
+                          <a:cs typeface="Segoe UI" pitchFamily="34" charset="0"/>
+                        </a:rPr>
+                        <a:t>Latency</a:t>
+                      </a:r>
+                      <a:endParaRPr lang="en-US" sz="1800" dirty="0">
+                        <a:solidFill>
+                          <a:schemeClr val="tx1"/>
+                        </a:solidFill>
+                        <a:latin typeface="Segoe UI" pitchFamily="34" charset="0"/>
+                        <a:ea typeface="Segoe UI" pitchFamily="34" charset="0"/>
+                        <a:cs typeface="Segoe UI" pitchFamily="34" charset="0"/>
+                      </a:endParaRPr>
+                    </a:p>
+                  </a:txBody>
+                  <a:tcPr marL="82296" marR="82296" marT="41148" marB="41148" anchor="ctr">
+                    <a:lnL w="12700" cap="flat" cmpd="sng" algn="ctr">
+                      <a:solidFill>
+                        <a:schemeClr val="tx1"/>
+                      </a:solidFill>
+                      <a:prstDash val="solid"/>
+                      <a:round/>
+                      <a:headEnd type="none" w="med" len="med"/>
+                      <a:tailEnd type="none" w="med" len="med"/>
+                    </a:lnL>
+                    <a:lnR w="12700" cap="flat" cmpd="sng" algn="ctr">
+                      <a:solidFill>
+                        <a:schemeClr val="tx1"/>
+                      </a:solidFill>
+                      <a:prstDash val="solid"/>
+                      <a:round/>
+                      <a:headEnd type="none" w="med" len="med"/>
+                      <a:tailEnd type="none" w="med" len="med"/>
+                    </a:lnR>
+                    <a:lnT w="12700" cap="flat" cmpd="sng" algn="ctr">
+                      <a:solidFill>
+                        <a:schemeClr val="tx1"/>
+                      </a:solidFill>
+                      <a:prstDash val="solid"/>
+                      <a:round/>
+                      <a:headEnd type="none" w="med" len="med"/>
+                      <a:tailEnd type="none" w="med" len="med"/>
+                    </a:lnT>
+                    <a:lnB w="12700" cap="flat" cmpd="sng" algn="ctr">
+                      <a:solidFill>
+                        <a:schemeClr val="tx1"/>
+                      </a:solidFill>
+                      <a:prstDash val="solid"/>
+                      <a:round/>
+                      <a:headEnd type="none" w="med" len="med"/>
+                      <a:tailEnd type="none" w="med" len="med"/>
+                    </a:lnB>
+                    <a:noFill/>
+                  </a:tcPr>
+                </a:tc>
+                <a:tc>
+                  <a:txBody>
+                    <a:bodyPr/>
+                    <a:lstStyle/>
+                    <a:p>
+                      <a:pPr algn="ctr"/>
+                      <a:r>
+                        <a:rPr lang="en-US" sz="1600" dirty="0" smtClean="0">
+                          <a:solidFill>
+                            <a:schemeClr val="tx1"/>
+                          </a:solidFill>
+                          <a:latin typeface="Segoe UI" pitchFamily="34" charset="0"/>
+                          <a:ea typeface="Segoe UI" pitchFamily="34" charset="0"/>
+                          <a:cs typeface="Segoe UI" pitchFamily="34" charset="0"/>
+                        </a:rPr>
+                        <a:t>Seconds, hours, days</a:t>
+                      </a:r>
+                      <a:endParaRPr lang="en-US" sz="1600" dirty="0">
+                        <a:solidFill>
+                          <a:schemeClr val="tx1"/>
+                        </a:solidFill>
+                        <a:latin typeface="Segoe UI" pitchFamily="34" charset="0"/>
+                        <a:ea typeface="Segoe UI" pitchFamily="34" charset="0"/>
+                        <a:cs typeface="Segoe UI" pitchFamily="34" charset="0"/>
+                      </a:endParaRPr>
+                    </a:p>
+                  </a:txBody>
+                  <a:tcPr marL="82296" marR="82296" marT="41148" marB="41148" anchor="ctr">
+                    <a:lnL w="12700" cap="flat" cmpd="sng" algn="ctr">
+                      <a:solidFill>
+                        <a:schemeClr val="tx1"/>
+                      </a:solidFill>
+                      <a:prstDash val="solid"/>
+                      <a:round/>
+                      <a:headEnd type="none" w="med" len="med"/>
+                      <a:tailEnd type="none" w="med" len="med"/>
+                    </a:lnL>
+                    <a:lnR w="12700" cap="flat" cmpd="sng" algn="ctr">
+                      <a:solidFill>
+                        <a:schemeClr val="tx1"/>
+                      </a:solidFill>
+                      <a:prstDash val="solid"/>
+                      <a:round/>
+                      <a:headEnd type="none" w="med" len="med"/>
+                      <a:tailEnd type="none" w="med" len="med"/>
+                    </a:lnR>
+                    <a:lnT w="12700" cap="flat" cmpd="sng" algn="ctr">
+                      <a:solidFill>
+                        <a:schemeClr val="tx1"/>
+                      </a:solidFill>
+                      <a:prstDash val="solid"/>
+                      <a:round/>
+                      <a:headEnd type="none" w="med" len="med"/>
+                      <a:tailEnd type="none" w="med" len="med"/>
+                    </a:lnT>
+                    <a:lnB w="12700" cap="flat" cmpd="sng" algn="ctr">
+                      <a:solidFill>
+                        <a:schemeClr val="tx1"/>
+                      </a:solidFill>
+                      <a:prstDash val="solid"/>
+                      <a:round/>
+                      <a:headEnd type="none" w="med" len="med"/>
+                      <a:tailEnd type="none" w="med" len="med"/>
+                    </a:lnB>
+                    <a:noFill/>
+                  </a:tcPr>
+                </a:tc>
+                <a:tc>
+                  <a:txBody>
+                    <a:bodyPr/>
+                    <a:lstStyle/>
+                    <a:p>
+                      <a:pPr algn="ctr"/>
+                      <a:r>
+                        <a:rPr lang="en-US" sz="1600" baseline="0" dirty="0" smtClean="0">
+                          <a:solidFill>
+                            <a:schemeClr val="tx1"/>
+                          </a:solidFill>
+                          <a:latin typeface="Segoe UI" pitchFamily="34" charset="0"/>
+                          <a:ea typeface="Segoe UI" pitchFamily="34" charset="0"/>
+                          <a:cs typeface="Segoe UI" pitchFamily="34" charset="0"/>
+                        </a:rPr>
+                        <a:t>Milliseconds or less</a:t>
+                      </a:r>
+                      <a:endParaRPr lang="en-US" sz="1600" dirty="0">
+                        <a:solidFill>
+                          <a:schemeClr val="tx1"/>
+                        </a:solidFill>
+                        <a:latin typeface="Segoe UI" pitchFamily="34" charset="0"/>
+                        <a:ea typeface="Segoe UI" pitchFamily="34" charset="0"/>
+                        <a:cs typeface="Segoe UI" pitchFamily="34" charset="0"/>
+                      </a:endParaRPr>
+                    </a:p>
+                  </a:txBody>
+                  <a:tcPr marL="82296" marR="82296" marT="41148" marB="41148" anchor="ctr">
+                    <a:lnL w="12700" cap="flat" cmpd="sng" algn="ctr">
+                      <a:solidFill>
+                        <a:schemeClr val="tx1"/>
+                      </a:solidFill>
+                      <a:prstDash val="solid"/>
+                      <a:round/>
+                      <a:headEnd type="none" w="med" len="med"/>
+                      <a:tailEnd type="none" w="med" len="med"/>
+                    </a:lnL>
+                    <a:lnR w="12700" cap="flat" cmpd="sng" algn="ctr">
+                      <a:solidFill>
+                        <a:schemeClr val="tx1"/>
+                      </a:solidFill>
+                      <a:prstDash val="solid"/>
+                      <a:round/>
+                      <a:headEnd type="none" w="med" len="med"/>
+                      <a:tailEnd type="none" w="med" len="med"/>
+                    </a:lnR>
+                    <a:lnT w="12700" cap="flat" cmpd="sng" algn="ctr">
+                      <a:solidFill>
+                        <a:schemeClr val="tx1"/>
+                      </a:solidFill>
+                      <a:prstDash val="solid"/>
+                      <a:round/>
+                      <a:headEnd type="none" w="med" len="med"/>
+                      <a:tailEnd type="none" w="med" len="med"/>
+                    </a:lnT>
+                    <a:lnB w="12700" cap="flat" cmpd="sng" algn="ctr">
+                      <a:solidFill>
+                        <a:schemeClr val="tx1"/>
+                      </a:solidFill>
+                      <a:prstDash val="solid"/>
+                      <a:round/>
+                      <a:headEnd type="none" w="med" len="med"/>
+                      <a:tailEnd type="none" w="med" len="med"/>
+                    </a:lnB>
+                    <a:noFill/>
+                  </a:tcPr>
+                </a:tc>
+              </a:tr>
+              <a:tr h="584447">
+                <a:tc>
+                  <a:txBody>
+                    <a:bodyPr/>
+                    <a:lstStyle/>
+                    <a:p>
+                      <a:pPr algn="ctr"/>
+                      <a:r>
+                        <a:rPr lang="en-US" sz="1800" dirty="0" smtClean="0">
+                          <a:solidFill>
+                            <a:schemeClr val="tx1"/>
+                          </a:solidFill>
+                          <a:latin typeface="Segoe UI" pitchFamily="34" charset="0"/>
+                          <a:ea typeface="Segoe UI" pitchFamily="34" charset="0"/>
+                          <a:cs typeface="Segoe UI" pitchFamily="34" charset="0"/>
+                        </a:rPr>
+                        <a:t>Data Rate</a:t>
+                      </a:r>
+                      <a:endParaRPr lang="en-US" sz="1800" dirty="0">
+                        <a:solidFill>
+                          <a:schemeClr val="tx1"/>
+                        </a:solidFill>
+                        <a:latin typeface="Segoe UI" pitchFamily="34" charset="0"/>
+                        <a:ea typeface="Segoe UI" pitchFamily="34" charset="0"/>
+                        <a:cs typeface="Segoe UI" pitchFamily="34" charset="0"/>
+                      </a:endParaRPr>
+                    </a:p>
+                  </a:txBody>
+                  <a:tcPr marL="82296" marR="82296" marT="41148" marB="41148" anchor="ctr">
+                    <a:lnL w="12700" cap="flat" cmpd="sng" algn="ctr">
+                      <a:solidFill>
+                        <a:schemeClr val="tx1"/>
+                      </a:solidFill>
+                      <a:prstDash val="solid"/>
+                      <a:round/>
+                      <a:headEnd type="none" w="med" len="med"/>
+                      <a:tailEnd type="none" w="med" len="med"/>
+                    </a:lnL>
+                    <a:lnR w="12700" cap="flat" cmpd="sng" algn="ctr">
+                      <a:solidFill>
+                        <a:schemeClr val="tx1"/>
+                      </a:solidFill>
+                      <a:prstDash val="solid"/>
+                      <a:round/>
+                      <a:headEnd type="none" w="med" len="med"/>
+                      <a:tailEnd type="none" w="med" len="med"/>
+                    </a:lnR>
+                    <a:lnT w="12700" cap="flat" cmpd="sng" algn="ctr">
+                      <a:solidFill>
+                        <a:schemeClr val="tx1"/>
+                      </a:solidFill>
+                      <a:prstDash val="solid"/>
+                      <a:round/>
+                      <a:headEnd type="none" w="med" len="med"/>
+                      <a:tailEnd type="none" w="med" len="med"/>
+                    </a:lnT>
+                    <a:lnB w="12700" cap="flat" cmpd="sng" algn="ctr">
+                      <a:solidFill>
+                        <a:schemeClr val="tx1"/>
+                      </a:solidFill>
+                      <a:prstDash val="solid"/>
+                      <a:round/>
+                      <a:headEnd type="none" w="med" len="med"/>
+                      <a:tailEnd type="none" w="med" len="med"/>
+                    </a:lnB>
+                    <a:noFill/>
+                  </a:tcPr>
+                </a:tc>
+                <a:tc>
+                  <a:txBody>
+                    <a:bodyPr/>
+                    <a:lstStyle/>
+                    <a:p>
+                      <a:pPr algn="ctr"/>
+                      <a:r>
+                        <a:rPr lang="en-US" sz="1600" dirty="0" smtClean="0">
+                          <a:solidFill>
+                            <a:schemeClr val="tx1"/>
+                          </a:solidFill>
+                          <a:latin typeface="Segoe UI" pitchFamily="34" charset="0"/>
+                          <a:ea typeface="Segoe UI" pitchFamily="34" charset="0"/>
+                          <a:cs typeface="Segoe UI" pitchFamily="34" charset="0"/>
+                        </a:rPr>
+                        <a:t>Hundreds</a:t>
+                      </a:r>
+                      <a:r>
+                        <a:rPr lang="en-US" sz="1600" baseline="0" dirty="0" smtClean="0">
+                          <a:solidFill>
+                            <a:schemeClr val="tx1"/>
+                          </a:solidFill>
+                          <a:latin typeface="Segoe UI" pitchFamily="34" charset="0"/>
+                          <a:ea typeface="Segoe UI" pitchFamily="34" charset="0"/>
+                          <a:cs typeface="Segoe UI" pitchFamily="34" charset="0"/>
+                        </a:rPr>
+                        <a:t> of events/sec</a:t>
+                      </a:r>
+                      <a:endParaRPr lang="en-US" sz="1600" dirty="0">
+                        <a:solidFill>
+                          <a:schemeClr val="tx1"/>
+                        </a:solidFill>
+                        <a:latin typeface="Segoe UI" pitchFamily="34" charset="0"/>
+                        <a:ea typeface="Segoe UI" pitchFamily="34" charset="0"/>
+                        <a:cs typeface="Segoe UI" pitchFamily="34" charset="0"/>
+                      </a:endParaRPr>
+                    </a:p>
+                  </a:txBody>
+                  <a:tcPr marL="82296" marR="82296" marT="41148" marB="41148" anchor="ctr">
+                    <a:lnL w="12700" cap="flat" cmpd="sng" algn="ctr">
+                      <a:solidFill>
+                        <a:schemeClr val="tx1"/>
+                      </a:solidFill>
+                      <a:prstDash val="solid"/>
+                      <a:round/>
+                      <a:headEnd type="none" w="med" len="med"/>
+                      <a:tailEnd type="none" w="med" len="med"/>
+                    </a:lnL>
+                    <a:lnR w="12700" cap="flat" cmpd="sng" algn="ctr">
+                      <a:solidFill>
+                        <a:schemeClr val="tx1"/>
+                      </a:solidFill>
+                      <a:prstDash val="solid"/>
+                      <a:round/>
+                      <a:headEnd type="none" w="med" len="med"/>
+                      <a:tailEnd type="none" w="med" len="med"/>
+                    </a:lnR>
+                    <a:lnT w="12700" cap="flat" cmpd="sng" algn="ctr">
+                      <a:solidFill>
+                        <a:schemeClr val="tx1"/>
+                      </a:solidFill>
+                      <a:prstDash val="solid"/>
+                      <a:round/>
+                      <a:headEnd type="none" w="med" len="med"/>
+                      <a:tailEnd type="none" w="med" len="med"/>
+                    </a:lnT>
+                    <a:lnB w="12700" cap="flat" cmpd="sng" algn="ctr">
+                      <a:solidFill>
+                        <a:schemeClr val="tx1"/>
+                      </a:solidFill>
+                      <a:prstDash val="solid"/>
+                      <a:round/>
+                      <a:headEnd type="none" w="med" len="med"/>
+                      <a:tailEnd type="none" w="med" len="med"/>
+                    </a:lnB>
+                    <a:noFill/>
+                  </a:tcPr>
+                </a:tc>
+                <a:tc>
+                  <a:txBody>
+                    <a:bodyPr/>
+                    <a:lstStyle/>
+                    <a:p>
+                      <a:pPr algn="ctr"/>
+                      <a:r>
+                        <a:rPr lang="en-US" sz="1600" dirty="0" smtClean="0">
+                          <a:solidFill>
+                            <a:schemeClr val="tx1"/>
+                          </a:solidFill>
+                          <a:latin typeface="Segoe UI" pitchFamily="34" charset="0"/>
+                          <a:ea typeface="Segoe UI" pitchFamily="34" charset="0"/>
+                          <a:cs typeface="Segoe UI" pitchFamily="34" charset="0"/>
+                        </a:rPr>
+                        <a:t>Tens</a:t>
+                      </a:r>
+                      <a:r>
+                        <a:rPr lang="en-US" sz="1600" baseline="0" dirty="0" smtClean="0">
+                          <a:solidFill>
+                            <a:schemeClr val="tx1"/>
+                          </a:solidFill>
+                          <a:latin typeface="Segoe UI" pitchFamily="34" charset="0"/>
+                          <a:ea typeface="Segoe UI" pitchFamily="34" charset="0"/>
+                          <a:cs typeface="Segoe UI" pitchFamily="34" charset="0"/>
+                        </a:rPr>
+                        <a:t> of thousands of events/sec or more</a:t>
+                      </a:r>
+                      <a:endParaRPr lang="en-US" sz="1600" dirty="0">
+                        <a:solidFill>
+                          <a:schemeClr val="tx1"/>
+                        </a:solidFill>
+                        <a:latin typeface="Segoe UI" pitchFamily="34" charset="0"/>
+                        <a:ea typeface="Segoe UI" pitchFamily="34" charset="0"/>
+                        <a:cs typeface="Segoe UI" pitchFamily="34" charset="0"/>
+                      </a:endParaRPr>
+                    </a:p>
+                  </a:txBody>
+                  <a:tcPr marL="82296" marR="82296" marT="41148" marB="41148" anchor="ctr">
+                    <a:lnL w="12700" cap="flat" cmpd="sng" algn="ctr">
+                      <a:solidFill>
+                        <a:schemeClr val="tx1"/>
+                      </a:solidFill>
+                      <a:prstDash val="solid"/>
+                      <a:round/>
+                      <a:headEnd type="none" w="med" len="med"/>
+                      <a:tailEnd type="none" w="med" len="med"/>
+                    </a:lnL>
+                    <a:lnR w="12700" cap="flat" cmpd="sng" algn="ctr">
+                      <a:solidFill>
+                        <a:schemeClr val="tx1"/>
+                      </a:solidFill>
+                      <a:prstDash val="solid"/>
+                      <a:round/>
+                      <a:headEnd type="none" w="med" len="med"/>
+                      <a:tailEnd type="none" w="med" len="med"/>
+                    </a:lnR>
+                    <a:lnT w="12700" cap="flat" cmpd="sng" algn="ctr">
+                      <a:solidFill>
+                        <a:schemeClr val="tx1"/>
+                      </a:solidFill>
+                      <a:prstDash val="solid"/>
+                      <a:round/>
+                      <a:headEnd type="none" w="med" len="med"/>
+                      <a:tailEnd type="none" w="med" len="med"/>
+                    </a:lnT>
+                    <a:lnB w="12700" cap="flat" cmpd="sng" algn="ctr">
+                      <a:solidFill>
+                        <a:schemeClr val="tx1"/>
+                      </a:solidFill>
+                      <a:prstDash val="solid"/>
+                      <a:round/>
+                      <a:headEnd type="none" w="med" len="med"/>
+                      <a:tailEnd type="none" w="med" len="med"/>
+                    </a:lnB>
+                    <a:noFill/>
+                  </a:tcPr>
+                </a:tc>
+              </a:tr>
+              <a:tr h="1645920">
+                <a:tc>
+                  <a:txBody>
+                    <a:bodyPr/>
+                    <a:lstStyle/>
+                    <a:p>
+                      <a:pPr algn="ctr"/>
+                      <a:endParaRPr lang="en-US" sz="1800" dirty="0">
+                        <a:solidFill>
+                          <a:schemeClr val="tx1"/>
+                        </a:solidFill>
+                        <a:latin typeface="Segoe UI" pitchFamily="34" charset="0"/>
+                        <a:ea typeface="Segoe UI" pitchFamily="34" charset="0"/>
+                        <a:cs typeface="Segoe UI" pitchFamily="34" charset="0"/>
+                      </a:endParaRPr>
+                    </a:p>
+                  </a:txBody>
+                  <a:tcPr marL="82296" marR="82296" marT="41148" marB="41148" anchor="ctr">
+                    <a:lnL w="12700" cap="flat" cmpd="sng" algn="ctr">
+                      <a:noFill/>
+                      <a:prstDash val="solid"/>
+                      <a:round/>
+                      <a:headEnd type="none" w="med" len="med"/>
+                      <a:tailEnd type="none" w="med" len="med"/>
+                    </a:lnL>
+                    <a:lnR w="12700" cap="flat" cmpd="sng" algn="ctr">
+                      <a:solidFill>
+                        <a:schemeClr val="tx1"/>
+                      </a:solidFill>
+                      <a:prstDash val="solid"/>
+                      <a:round/>
+                      <a:headEnd type="none" w="med" len="med"/>
+                      <a:tailEnd type="none" w="med" len="med"/>
+                    </a:lnR>
+                    <a:lnT w="12700" cap="flat" cmpd="sng" algn="ctr">
+                      <a:solidFill>
+                        <a:schemeClr val="tx1"/>
+                      </a:solidFill>
+                      <a:prstDash val="solid"/>
+                      <a:round/>
+                      <a:headEnd type="none" w="med" len="med"/>
+                      <a:tailEnd type="none" w="med" len="med"/>
+                    </a:lnT>
+                    <a:lnB w="12700" cap="flat" cmpd="sng" algn="ctr">
+                      <a:noFill/>
+                      <a:prstDash val="solid"/>
+                      <a:round/>
+                      <a:headEnd type="none" w="med" len="med"/>
+                      <a:tailEnd type="none" w="med" len="med"/>
+                    </a:lnB>
+                    <a:noFill/>
+                  </a:tcPr>
+                </a:tc>
+                <a:tc>
+                  <a:txBody>
+                    <a:bodyPr/>
+                    <a:lstStyle/>
+                    <a:p>
+                      <a:pPr algn="ctr"/>
+                      <a:endParaRPr lang="en-US" sz="1600" dirty="0" smtClean="0">
+                        <a:solidFill>
+                          <a:schemeClr val="tx1"/>
+                        </a:solidFill>
+                        <a:latin typeface="Segoe UI" pitchFamily="34" charset="0"/>
+                        <a:ea typeface="Segoe UI" pitchFamily="34" charset="0"/>
+                        <a:cs typeface="Segoe UI" pitchFamily="34" charset="0"/>
+                      </a:endParaRPr>
+                    </a:p>
+                    <a:p>
+                      <a:pPr algn="ctr"/>
+                      <a:endParaRPr lang="en-US" sz="1600" dirty="0" smtClean="0">
+                        <a:solidFill>
+                          <a:schemeClr val="tx1"/>
+                        </a:solidFill>
+                        <a:latin typeface="Segoe UI" pitchFamily="34" charset="0"/>
+                        <a:ea typeface="Segoe UI" pitchFamily="34" charset="0"/>
+                        <a:cs typeface="Segoe UI" pitchFamily="34" charset="0"/>
+                      </a:endParaRPr>
+                    </a:p>
+                    <a:p>
+                      <a:pPr algn="ctr"/>
+                      <a:endParaRPr lang="en-US" sz="700" dirty="0" smtClean="0">
+                        <a:solidFill>
+                          <a:schemeClr val="tx1"/>
+                        </a:solidFill>
+                        <a:latin typeface="Segoe UI" pitchFamily="34" charset="0"/>
+                        <a:ea typeface="Segoe UI" pitchFamily="34" charset="0"/>
+                        <a:cs typeface="Segoe UI" pitchFamily="34" charset="0"/>
+                      </a:endParaRPr>
+                    </a:p>
+                    <a:p>
+                      <a:pPr algn="ctr"/>
+                      <a:endParaRPr lang="en-US" sz="1600" dirty="0" smtClean="0">
+                        <a:solidFill>
+                          <a:schemeClr val="tx1"/>
+                        </a:solidFill>
+                        <a:latin typeface="Segoe UI" pitchFamily="34" charset="0"/>
+                        <a:ea typeface="Segoe UI" pitchFamily="34" charset="0"/>
+                        <a:cs typeface="Segoe UI" pitchFamily="34" charset="0"/>
+                      </a:endParaRPr>
+                    </a:p>
+                    <a:p>
+                      <a:pPr algn="ctr"/>
+                      <a:endParaRPr lang="en-US" sz="1600" dirty="0" smtClean="0">
+                        <a:solidFill>
+                          <a:schemeClr val="tx1"/>
+                        </a:solidFill>
+                        <a:latin typeface="Segoe UI" pitchFamily="34" charset="0"/>
+                        <a:ea typeface="Segoe UI" pitchFamily="34" charset="0"/>
+                        <a:cs typeface="Segoe UI" pitchFamily="34" charset="0"/>
+                      </a:endParaRPr>
+                    </a:p>
+                    <a:p>
+                      <a:pPr algn="ctr"/>
+                      <a:endParaRPr lang="en-US" sz="1600" dirty="0">
+                        <a:solidFill>
+                          <a:schemeClr val="tx1"/>
+                        </a:solidFill>
+                        <a:latin typeface="Segoe UI" pitchFamily="34" charset="0"/>
+                        <a:ea typeface="Segoe UI" pitchFamily="34" charset="0"/>
+                        <a:cs typeface="Segoe UI" pitchFamily="34" charset="0"/>
+                      </a:endParaRPr>
+                    </a:p>
+                    <a:p>
+                      <a:pPr algn="ctr"/>
+                      <a:endParaRPr lang="en-US" sz="1400" dirty="0" smtClean="0">
+                        <a:solidFill>
+                          <a:schemeClr val="tx1"/>
+                        </a:solidFill>
+                        <a:latin typeface="Segoe UI" pitchFamily="34" charset="0"/>
+                        <a:ea typeface="Segoe UI" pitchFamily="34" charset="0"/>
+                        <a:cs typeface="Segoe UI" pitchFamily="34" charset="0"/>
+                      </a:endParaRPr>
+                    </a:p>
+                  </a:txBody>
+                  <a:tcPr marL="82296" marR="82296" marT="41148" marB="41148" anchor="ctr">
+                    <a:lnL w="12700" cap="flat" cmpd="sng" algn="ctr">
+                      <a:solidFill>
+                        <a:schemeClr val="tx1"/>
+                      </a:solidFill>
+                      <a:prstDash val="solid"/>
+                      <a:round/>
+                      <a:headEnd type="none" w="med" len="med"/>
+                      <a:tailEnd type="none" w="med" len="med"/>
+                    </a:lnL>
+                    <a:lnR w="12700" cap="flat" cmpd="sng" algn="ctr">
+                      <a:solidFill>
+                        <a:schemeClr val="tx1"/>
+                      </a:solidFill>
+                      <a:prstDash val="solid"/>
+                      <a:round/>
+                      <a:headEnd type="none" w="med" len="med"/>
+                      <a:tailEnd type="none" w="med" len="med"/>
+                    </a:lnR>
+                    <a:lnT w="12700" cap="flat" cmpd="sng" algn="ctr">
+                      <a:solidFill>
+                        <a:schemeClr val="tx1"/>
+                      </a:solidFill>
+                      <a:prstDash val="solid"/>
+                      <a:round/>
+                      <a:headEnd type="none" w="med" len="med"/>
+                      <a:tailEnd type="none" w="med" len="med"/>
+                    </a:lnT>
+                    <a:lnB w="12700" cap="flat" cmpd="sng" algn="ctr">
+                      <a:solidFill>
+                        <a:schemeClr val="tx1"/>
+                      </a:solidFill>
+                      <a:prstDash val="solid"/>
+                      <a:round/>
+                      <a:headEnd type="none" w="med" len="med"/>
+                      <a:tailEnd type="none" w="med" len="med"/>
+                    </a:lnB>
+                    <a:noFill/>
+                  </a:tcPr>
+                </a:tc>
+                <a:tc>
+                  <a:txBody>
+                    <a:bodyPr/>
+                    <a:lstStyle/>
+                    <a:p>
+                      <a:pPr algn="ctr"/>
+                      <a:endParaRPr lang="en-US" sz="1600" dirty="0">
+                        <a:solidFill>
+                          <a:schemeClr val="tx1"/>
+                        </a:solidFill>
+                        <a:latin typeface="Segoe UI" pitchFamily="34" charset="0"/>
+                        <a:ea typeface="Segoe UI" pitchFamily="34" charset="0"/>
+                        <a:cs typeface="Segoe UI" pitchFamily="34" charset="0"/>
+                      </a:endParaRPr>
+                    </a:p>
+                  </a:txBody>
+                  <a:tcPr marL="82296" marR="82296" marT="41148" marB="41148" anchor="ctr">
+                    <a:lnL w="12700" cap="flat" cmpd="sng" algn="ctr">
+                      <a:solidFill>
+                        <a:schemeClr val="tx1"/>
+                      </a:solidFill>
+                      <a:prstDash val="solid"/>
+                      <a:round/>
+                      <a:headEnd type="none" w="med" len="med"/>
+                      <a:tailEnd type="none" w="med" len="med"/>
+                    </a:lnL>
+                    <a:lnR w="12700" cap="flat" cmpd="sng" algn="ctr">
+                      <a:solidFill>
+                        <a:schemeClr val="tx1"/>
+                      </a:solidFill>
+                      <a:prstDash val="solid"/>
+                      <a:round/>
+                      <a:headEnd type="none" w="med" len="med"/>
+                      <a:tailEnd type="none" w="med" len="med"/>
+                    </a:lnR>
+                    <a:lnT w="12700" cap="flat" cmpd="sng" algn="ctr">
+                      <a:solidFill>
+                        <a:schemeClr val="tx1"/>
+                      </a:solidFill>
+                      <a:prstDash val="solid"/>
+                      <a:round/>
+                      <a:headEnd type="none" w="med" len="med"/>
+                      <a:tailEnd type="none" w="med" len="med"/>
+                    </a:lnT>
+                    <a:lnB w="12700" cap="flat" cmpd="sng" algn="ctr">
+                      <a:solidFill>
+                        <a:schemeClr val="tx1"/>
+                      </a:solidFill>
+                      <a:prstDash val="solid"/>
+                      <a:round/>
+                      <a:headEnd type="none" w="med" len="med"/>
+                      <a:tailEnd type="none" w="med" len="med"/>
+                    </a:lnB>
+                    <a:noFill/>
+                  </a:tcPr>
+                </a:tc>
+              </a:tr>
+            </a:tbl>
+          </a:graphicData>
+        </a:graphic>
+      </p:graphicFrame>
+      <p:sp>
+        <p:nvSpPr>
+          <p:cNvPr id="30" name="Title 1"/>
+          <p:cNvSpPr>
+            <a:spLocks noGrp="1"/>
+          </p:cNvSpPr>
+          <p:nvPr>
+            <p:ph type="title"/>
+          </p:nvPr>
+        </p:nvSpPr>
+        <p:spPr/>
+        <p:txBody>
+          <a:bodyPr>
+            <a:normAutofit fontScale="90000"/>
+          </a:bodyPr>
+          <a:lstStyle/>
+          <a:p>
+            <a:r>
+              <a:rPr lang="en-US" dirty="0" smtClean="0"/>
+              <a:t>Comparing Databases with Real-Time systems</a:t>
+            </a:r>
+            <a:br>
+              <a:rPr lang="en-US" dirty="0" smtClean="0"/>
+            </a:br>
+            <a:endParaRPr lang="en-US" dirty="0"/>
+          </a:p>
+        </p:txBody>
+      </p:sp>
+    </p:spTree>
+    <p:extLst>
+      <p:ext uri="{BB962C8B-B14F-4D97-AF65-F5344CB8AC3E}">
+        <p14:creationId xmlns:p14="http://schemas.microsoft.com/office/powerpoint/2010/main" val="3165398009"/>
+      </p:ext>
+    </p:extLst>
+  </p:cSld>
+  <p:clrMapOvr>
+    <a:masterClrMapping/>
+  </p:clrMapOvr>
+  <p:timing>
+    <p:tnLst>
+      <p:par>
+        <p:cTn xmlns:p14="http://schemas.microsoft.com/office/powerpoint/2010/main" id="1" dur="indefinite" restart="never" nodeType="tmRoot"/>
+      </p:par>
+    </p:tnLst>
+  </p:timing>
+</p:sld>
+</file>
+
+<file path=ppt/slides/slide6.xml><?xml version="1.0" encoding="utf-8"?>
+<p:sld xmlns:a="http://schemas.openxmlformats.org/drawingml/2006/main" xmlns:r="http://schemas.openxmlformats.org/officeDocument/2006/relationships" xmlns:p="http://schemas.openxmlformats.org/presentationml/2006/main">
+  <p:cSld>
+    <p:spTree>
+      <p:nvGrpSpPr>
+        <p:cNvPr id="1" name=""/>
+        <p:cNvGrpSpPr/>
+        <p:nvPr/>
+      </p:nvGrpSpPr>
+      <p:grpSpPr>
+        <a:xfrm>
+          <a:off x="0" y="0"/>
+          <a:ext cx="0" cy="0"/>
+          <a:chOff x="0" y="0"/>
+          <a:chExt cx="0" cy="0"/>
+        </a:xfrm>
+      </p:grpSpPr>
+      <p:sp>
+        <p:nvSpPr>
+          <p:cNvPr id="2" name="Title 1"/>
+          <p:cNvSpPr>
+            <a:spLocks noGrp="1"/>
+          </p:cNvSpPr>
+          <p:nvPr>
+            <p:ph type="title"/>
+          </p:nvPr>
+        </p:nvSpPr>
+        <p:spPr/>
+        <p:txBody>
+          <a:bodyPr/>
+          <a:lstStyle/>
+          <a:p>
+            <a:r>
+              <a:rPr lang="en-US" dirty="0" smtClean="0"/>
+              <a:t>Lambda Architecture</a:t>
+            </a:r>
+            <a:endParaRPr lang="en-US" dirty="0"/>
+          </a:p>
+        </p:txBody>
+      </p:sp>
+      <p:pic>
+        <p:nvPicPr>
+          <p:cNvPr id="4" name="Picture 3"/>
+          <p:cNvPicPr>
+            <a:picLocks noChangeAspect="1"/>
+          </p:cNvPicPr>
+          <p:nvPr/>
+        </p:nvPicPr>
+        <p:blipFill>
+          <a:blip r:embed="rId2"/>
+          <a:stretch>
+            <a:fillRect/>
+          </a:stretch>
+        </p:blipFill>
+        <p:spPr>
+          <a:xfrm>
+            <a:off x="293064" y="1417638"/>
+            <a:ext cx="8561154" cy="4231563"/>
+          </a:xfrm>
+          <a:prstGeom prst="rect">
+            <a:avLst/>
+          </a:prstGeom>
+        </p:spPr>
+      </p:pic>
+    </p:spTree>
+    <p:extLst>
+      <p:ext uri="{BB962C8B-B14F-4D97-AF65-F5344CB8AC3E}">
+        <p14:creationId xmlns:p14="http://schemas.microsoft.com/office/powerpoint/2010/main" val="3950129757"/>
+      </p:ext>
+    </p:extLst>
+  </p:cSld>
+  <p:clrMapOvr>
+    <a:masterClrMapping/>
+  </p:clrMapOvr>
+</p:sld>
+</file>
+
+<file path=ppt/slides/slide7.xml><?xml version="1.0" encoding="utf-8"?>
+<p:sld xmlns:a="http://schemas.openxmlformats.org/drawingml/2006/main" xmlns:r="http://schemas.openxmlformats.org/officeDocument/2006/relationships" xmlns:p="http://schemas.openxmlformats.org/presentationml/2006/main">
+  <p:cSld>
+    <p:spTree>
+      <p:nvGrpSpPr>
+        <p:cNvPr id="1" name=""/>
+        <p:cNvGrpSpPr/>
+        <p:nvPr/>
+      </p:nvGrpSpPr>
+      <p:grpSpPr>
+        <a:xfrm>
+          <a:off x="0" y="0"/>
+          <a:ext cx="0" cy="0"/>
+          <a:chOff x="0" y="0"/>
+          <a:chExt cx="0" cy="0"/>
+        </a:xfrm>
+      </p:grpSpPr>
+      <p:pic>
+        <p:nvPicPr>
+          <p:cNvPr id="4" name="Picture 3"/>
+          <p:cNvPicPr>
+            <a:picLocks noChangeAspect="1"/>
+          </p:cNvPicPr>
+          <p:nvPr/>
+        </p:nvPicPr>
+        <p:blipFill>
+          <a:blip r:embed="rId2"/>
+          <a:stretch>
+            <a:fillRect/>
+          </a:stretch>
+        </p:blipFill>
+        <p:spPr>
+          <a:xfrm>
+            <a:off x="546646" y="187151"/>
+            <a:ext cx="7747000" cy="5765800"/>
+          </a:xfrm>
+          <a:prstGeom prst="rect">
+            <a:avLst/>
+          </a:prstGeom>
+        </p:spPr>
+      </p:pic>
+    </p:spTree>
+    <p:extLst>
+      <p:ext uri="{BB962C8B-B14F-4D97-AF65-F5344CB8AC3E}">
+        <p14:creationId xmlns:p14="http://schemas.microsoft.com/office/powerpoint/2010/main" val="2121107710"/>
+      </p:ext>
+    </p:extLst>
+  </p:cSld>
+  <p:clrMapOvr>
+    <a:masterClrMapping/>
+  </p:clrMapOvr>
+</p:sld>
+</file>
+
+<file path=ppt/slides/slide8.xml><?xml version="1.0" encoding="utf-8"?>
+<p:sld xmlns:a="http://schemas.openxmlformats.org/drawingml/2006/main" xmlns:r="http://schemas.openxmlformats.org/officeDocument/2006/relationships" xmlns:p="http://schemas.openxmlformats.org/presentationml/2006/main">
+  <p:cSld>
+    <p:spTree>
+      <p:nvGrpSpPr>
+        <p:cNvPr id="1" name=""/>
+        <p:cNvGrpSpPr/>
+        <p:nvPr/>
+      </p:nvGrpSpPr>
+      <p:grpSpPr>
+        <a:xfrm>
+          <a:off x="0" y="0"/>
+          <a:ext cx="0" cy="0"/>
+          <a:chOff x="0" y="0"/>
+          <a:chExt cx="0" cy="0"/>
+        </a:xfrm>
+      </p:grpSpPr>
+      <p:sp>
+        <p:nvSpPr>
+          <p:cNvPr id="2" name="Title 1"/>
+          <p:cNvSpPr>
+            <a:spLocks noGrp="1"/>
+          </p:cNvSpPr>
+          <p:nvPr>
+            <p:ph type="title"/>
+          </p:nvPr>
+        </p:nvSpPr>
+        <p:spPr/>
+        <p:txBody>
+          <a:bodyPr/>
+          <a:lstStyle/>
+          <a:p>
+            <a:r>
+              <a:rPr lang="en-US" dirty="0" smtClean="0"/>
+              <a:t>Approaches to Streaming</a:t>
+            </a:r>
+            <a:endParaRPr lang="en-US" dirty="0"/>
+          </a:p>
+        </p:txBody>
+      </p:sp>
+      <p:sp>
+        <p:nvSpPr>
+          <p:cNvPr id="3" name="Content Placeholder 2"/>
+          <p:cNvSpPr>
+            <a:spLocks noGrp="1"/>
+          </p:cNvSpPr>
+          <p:nvPr>
+            <p:ph idx="1"/>
+          </p:nvPr>
+        </p:nvSpPr>
+        <p:spPr/>
+        <p:txBody>
+          <a:bodyPr>
+            <a:normAutofit fontScale="92500" lnSpcReduction="20000"/>
+          </a:bodyPr>
+          <a:lstStyle/>
+          <a:p>
+            <a:r>
+              <a:rPr lang="en-US" dirty="0" smtClean="0"/>
+              <a:t>Pure streaming</a:t>
+            </a:r>
+          </a:p>
+          <a:p>
+            <a:pPr lvl="1"/>
+            <a:r>
+              <a:rPr lang="en-US" dirty="0" smtClean="0"/>
+              <a:t>Each event is processed as it comes in</a:t>
+            </a:r>
+          </a:p>
+          <a:p>
+            <a:r>
+              <a:rPr lang="en-US" dirty="0" smtClean="0"/>
+              <a:t>Micro-batch</a:t>
+            </a:r>
+          </a:p>
+          <a:p>
+            <a:pPr lvl="1"/>
+            <a:r>
+              <a:rPr lang="en-US" dirty="0" smtClean="0"/>
+              <a:t>Small batches of events are processed </a:t>
+            </a:r>
+          </a:p>
+          <a:p>
+            <a:pPr lvl="1"/>
+            <a:r>
+              <a:rPr lang="en-US" dirty="0" smtClean="0"/>
+              <a:t>Typically trades flexibility for performance</a:t>
+            </a:r>
+          </a:p>
+          <a:p>
+            <a:r>
+              <a:rPr lang="en-US" dirty="0" smtClean="0"/>
+              <a:t>Shared nothing</a:t>
+            </a:r>
+          </a:p>
+          <a:p>
+            <a:pPr lvl="1"/>
+            <a:r>
+              <a:rPr lang="en-US" dirty="0" smtClean="0"/>
+              <a:t>You can process events on any system in the cluster</a:t>
+            </a:r>
+          </a:p>
+          <a:p>
+            <a:r>
+              <a:rPr lang="en-US" dirty="0" err="1" smtClean="0"/>
+              <a:t>Stateful</a:t>
+            </a:r>
+            <a:r>
+              <a:rPr lang="en-US" dirty="0" smtClean="0"/>
+              <a:t> / Partitioned</a:t>
+            </a:r>
+          </a:p>
+          <a:p>
+            <a:pPr lvl="1"/>
+            <a:r>
+              <a:rPr lang="en-US" dirty="0" smtClean="0"/>
+              <a:t>The event must be processed on a system that has the correct state in memory</a:t>
+            </a:r>
+          </a:p>
+          <a:p>
+            <a:pPr lvl="1"/>
+            <a:endParaRPr lang="en-US" dirty="0"/>
+          </a:p>
+          <a:p>
+            <a:pPr lvl="1"/>
+            <a:endParaRPr lang="en-US" dirty="0"/>
+          </a:p>
+        </p:txBody>
+      </p:sp>
+    </p:spTree>
+    <p:extLst>
+      <p:ext uri="{BB962C8B-B14F-4D97-AF65-F5344CB8AC3E}">
+        <p14:creationId xmlns:p14="http://schemas.microsoft.com/office/powerpoint/2010/main" val="3780040278"/>
+      </p:ext>
+    </p:extLst>
+  </p:cSld>
+  <p:clrMapOvr>
+    <a:masterClrMapping/>
+  </p:clrMapOvr>
+</p:sld>
+</file>
+
+<file path=ppt/slides/slide9.xml><?xml version="1.0" encoding="utf-8"?>
+<p:sld xmlns:a="http://schemas.openxmlformats.org/drawingml/2006/main" xmlns:r="http://schemas.openxmlformats.org/officeDocument/2006/relationships" xmlns:p="http://schemas.openxmlformats.org/presentationml/2006/main">
+  <p:cSld>
+    <p:spTree>
+      <p:nvGrpSpPr>
+        <p:cNvPr id="1" name=""/>
+        <p:cNvGrpSpPr/>
+        <p:nvPr/>
+      </p:nvGrpSpPr>
+      <p:grpSpPr>
+        <a:xfrm>
+          <a:off x="0" y="0"/>
+          <a:ext cx="0" cy="0"/>
+          <a:chOff x="0" y="0"/>
+          <a:chExt cx="0" cy="0"/>
+        </a:xfrm>
+      </p:grpSpPr>
+      <p:sp>
+        <p:nvSpPr>
+          <p:cNvPr id="2" name="Title 1"/>
+          <p:cNvSpPr>
+            <a:spLocks noGrp="1"/>
+          </p:cNvSpPr>
+          <p:nvPr>
+            <p:ph type="title"/>
+          </p:nvPr>
+        </p:nvSpPr>
+        <p:spPr/>
+        <p:txBody>
+          <a:bodyPr>
+            <a:normAutofit fontScale="90000"/>
+          </a:bodyPr>
+          <a:lstStyle/>
+          <a:p>
+            <a:r>
+              <a:rPr lang="en-US" dirty="0" smtClean="0"/>
+              <a:t>Apache Storm</a:t>
+            </a:r>
+            <a:br>
+              <a:rPr lang="en-US" dirty="0" smtClean="0"/>
+            </a:br>
+            <a:r>
+              <a:rPr lang="en-US" sz="3600" dirty="0" smtClean="0"/>
+              <a:t>DAG</a:t>
+            </a:r>
+            <a:endParaRPr lang="en-US" dirty="0"/>
+          </a:p>
+        </p:txBody>
+      </p:sp>
+      <p:sp>
+        <p:nvSpPr>
+          <p:cNvPr id="4" name="Oval 3"/>
+          <p:cNvSpPr/>
+          <p:nvPr/>
+        </p:nvSpPr>
+        <p:spPr>
+          <a:xfrm>
+            <a:off x="759268" y="2167501"/>
+            <a:ext cx="1780828" cy="952596"/>
+          </a:xfrm>
+          <a:prstGeom prst="ellipse">
+            <a:avLst/>
+          </a:prstGeom>
+        </p:spPr>
+        <p:style>
+          <a:lnRef idx="1">
+            <a:schemeClr val="accent1"/>
+          </a:lnRef>
+          <a:fillRef idx="3">
+            <a:schemeClr val="accent1"/>
+          </a:fillRef>
+          <a:effectRef idx="2">
+            <a:schemeClr val="accent1"/>
+          </a:effectRef>
+          <a:fontRef idx="minor">
+            <a:schemeClr val="lt1"/>
+          </a:fontRef>
+        </p:style>
+        <p:txBody>
+          <a:bodyPr rtlCol="0" anchor="ctr"/>
+          <a:lstStyle/>
+          <a:p>
+            <a:pPr algn="ctr"/>
+            <a:r>
+              <a:rPr lang="en-US" dirty="0" smtClean="0"/>
+              <a:t>Spout</a:t>
+            </a:r>
+            <a:endParaRPr lang="en-US" dirty="0"/>
+          </a:p>
+        </p:txBody>
+      </p:sp>
+      <p:sp>
+        <p:nvSpPr>
+          <p:cNvPr id="5" name="Oval 4"/>
+          <p:cNvSpPr/>
+          <p:nvPr/>
+        </p:nvSpPr>
+        <p:spPr>
+          <a:xfrm>
+            <a:off x="759268" y="4087035"/>
+            <a:ext cx="1780828" cy="952596"/>
+          </a:xfrm>
+          <a:prstGeom prst="ellipse">
+            <a:avLst/>
+          </a:prstGeom>
+        </p:spPr>
+        <p:style>
+          <a:lnRef idx="1">
+            <a:schemeClr val="accent1"/>
+          </a:lnRef>
+          <a:fillRef idx="3">
+            <a:schemeClr val="accent1"/>
+          </a:fillRef>
+          <a:effectRef idx="2">
+            <a:schemeClr val="accent1"/>
+          </a:effectRef>
+          <a:fontRef idx="minor">
+            <a:schemeClr val="lt1"/>
+          </a:fontRef>
+        </p:style>
+        <p:txBody>
+          <a:bodyPr rtlCol="0" anchor="ctr"/>
+          <a:lstStyle/>
+          <a:p>
+            <a:pPr algn="ctr"/>
+            <a:r>
+              <a:rPr lang="en-US" dirty="0" smtClean="0"/>
+              <a:t>Spout</a:t>
+            </a:r>
+            <a:endParaRPr lang="en-US" dirty="0"/>
+          </a:p>
+        </p:txBody>
+      </p:sp>
+      <p:sp>
+        <p:nvSpPr>
+          <p:cNvPr id="6" name="Rounded Rectangle 5"/>
+          <p:cNvSpPr/>
+          <p:nvPr/>
+        </p:nvSpPr>
+        <p:spPr>
+          <a:xfrm>
+            <a:off x="3534047" y="2126083"/>
+            <a:ext cx="2222584" cy="1049236"/>
+          </a:xfrm>
+          <a:prstGeom prst="roundRect">
+            <a:avLst/>
+          </a:prstGeom>
+        </p:spPr>
+        <p:style>
+          <a:lnRef idx="1">
+            <a:schemeClr val="accent1"/>
+          </a:lnRef>
+          <a:fillRef idx="3">
+            <a:schemeClr val="accent1"/>
+          </a:fillRef>
+          <a:effectRef idx="2">
+            <a:schemeClr val="accent1"/>
+          </a:effectRef>
+          <a:fontRef idx="minor">
+            <a:schemeClr val="lt1"/>
+          </a:fontRef>
+        </p:style>
+        <p:txBody>
+          <a:bodyPr rtlCol="0" anchor="ctr"/>
+          <a:lstStyle/>
+          <a:p>
+            <a:pPr algn="ctr"/>
+            <a:r>
+              <a:rPr lang="en-US" dirty="0" smtClean="0"/>
+              <a:t>Bolt</a:t>
+            </a:r>
+            <a:endParaRPr lang="en-US" dirty="0"/>
+          </a:p>
+        </p:txBody>
+      </p:sp>
+      <p:cxnSp>
+        <p:nvCxnSpPr>
+          <p:cNvPr id="8" name="Straight Arrow Connector 7"/>
+          <p:cNvCxnSpPr>
+            <a:stCxn id="4" idx="6"/>
+            <a:endCxn id="6" idx="1"/>
+          </p:cNvCxnSpPr>
+          <p:nvPr/>
+        </p:nvCxnSpPr>
+        <p:spPr>
+          <a:xfrm>
+            <a:off x="2540096" y="2643799"/>
+            <a:ext cx="993951" cy="6902"/>
+          </a:xfrm>
+          <a:prstGeom prst="straightConnector1">
+            <a:avLst/>
+          </a:prstGeom>
+          <a:ln>
+            <a:tailEnd type="arrow"/>
+          </a:ln>
+        </p:spPr>
+        <p:style>
+          <a:lnRef idx="2">
+            <a:schemeClr val="accent1"/>
+          </a:lnRef>
+          <a:fillRef idx="0">
+            <a:schemeClr val="accent1"/>
+          </a:fillRef>
+          <a:effectRef idx="1">
+            <a:schemeClr val="accent1"/>
+          </a:effectRef>
+          <a:fontRef idx="minor">
+            <a:schemeClr val="tx1"/>
+          </a:fontRef>
+        </p:style>
+      </p:cxnSp>
+      <p:sp>
+        <p:nvSpPr>
+          <p:cNvPr id="11" name="Rounded Rectangle 10"/>
+          <p:cNvSpPr/>
+          <p:nvPr/>
+        </p:nvSpPr>
+        <p:spPr>
+          <a:xfrm>
+            <a:off x="6616070" y="3037799"/>
+            <a:ext cx="2222584" cy="1049236"/>
+          </a:xfrm>
+          <a:prstGeom prst="roundRect">
+            <a:avLst/>
+          </a:prstGeom>
+        </p:spPr>
+        <p:style>
+          <a:lnRef idx="1">
+            <a:schemeClr val="accent1"/>
+          </a:lnRef>
+          <a:fillRef idx="3">
+            <a:schemeClr val="accent1"/>
+          </a:fillRef>
+          <a:effectRef idx="2">
+            <a:schemeClr val="accent1"/>
+          </a:effectRef>
+          <a:fontRef idx="minor">
+            <a:schemeClr val="lt1"/>
+          </a:fontRef>
+        </p:style>
+        <p:txBody>
+          <a:bodyPr rtlCol="0" anchor="ctr"/>
+          <a:lstStyle/>
+          <a:p>
+            <a:pPr algn="ctr"/>
+            <a:r>
+              <a:rPr lang="en-US" dirty="0" smtClean="0"/>
+              <a:t>Bolt</a:t>
+            </a:r>
+            <a:endParaRPr lang="en-US" dirty="0"/>
+          </a:p>
+        </p:txBody>
+      </p:sp>
+      <p:cxnSp>
+        <p:nvCxnSpPr>
+          <p:cNvPr id="13" name="Straight Arrow Connector 12"/>
+          <p:cNvCxnSpPr>
+            <a:stCxn id="5" idx="7"/>
+            <a:endCxn id="6" idx="1"/>
+          </p:cNvCxnSpPr>
+          <p:nvPr/>
+        </p:nvCxnSpPr>
+        <p:spPr>
+          <a:xfrm flipV="1">
+            <a:off x="2279300" y="2650701"/>
+            <a:ext cx="1254747" cy="1575838"/>
+          </a:xfrm>
+          <a:prstGeom prst="straightConnector1">
+            <a:avLst/>
+          </a:prstGeom>
+          <a:ln>
+            <a:tailEnd type="arrow"/>
+          </a:ln>
+        </p:spPr>
+        <p:style>
+          <a:lnRef idx="2">
+            <a:schemeClr val="accent1"/>
+          </a:lnRef>
+          <a:fillRef idx="0">
+            <a:schemeClr val="accent1"/>
+          </a:fillRef>
+          <a:effectRef idx="1">
+            <a:schemeClr val="accent1"/>
+          </a:effectRef>
+          <a:fontRef idx="minor">
+            <a:schemeClr val="tx1"/>
+          </a:fontRef>
+        </p:style>
+      </p:cxnSp>
+      <p:sp>
+        <p:nvSpPr>
+          <p:cNvPr id="14" name="Rounded Rectangle 13"/>
+          <p:cNvSpPr/>
+          <p:nvPr/>
+        </p:nvSpPr>
+        <p:spPr>
+          <a:xfrm>
+            <a:off x="3534047" y="4031811"/>
+            <a:ext cx="2222584" cy="1049236"/>
+          </a:xfrm>
+          <a:prstGeom prst="roundRect">
+            <a:avLst/>
+          </a:prstGeom>
+        </p:spPr>
+        <p:style>
+          <a:lnRef idx="1">
+            <a:schemeClr val="accent1"/>
+          </a:lnRef>
+          <a:fillRef idx="3">
+            <a:schemeClr val="accent1"/>
+          </a:fillRef>
+          <a:effectRef idx="2">
+            <a:schemeClr val="accent1"/>
+          </a:effectRef>
+          <a:fontRef idx="minor">
+            <a:schemeClr val="lt1"/>
+          </a:fontRef>
+        </p:style>
+        <p:txBody>
+          <a:bodyPr rtlCol="0" anchor="ctr"/>
+          <a:lstStyle/>
+          <a:p>
+            <a:pPr algn="ctr"/>
+            <a:r>
+              <a:rPr lang="en-US" dirty="0" smtClean="0"/>
+              <a:t>Bolt</a:t>
+            </a:r>
+            <a:endParaRPr lang="en-US" dirty="0"/>
+          </a:p>
+        </p:txBody>
+      </p:sp>
+      <p:cxnSp>
+        <p:nvCxnSpPr>
+          <p:cNvPr id="15" name="Straight Arrow Connector 14"/>
+          <p:cNvCxnSpPr>
+            <a:stCxn id="5" idx="6"/>
+            <a:endCxn id="14" idx="1"/>
+          </p:cNvCxnSpPr>
+          <p:nvPr/>
+        </p:nvCxnSpPr>
+        <p:spPr>
+          <a:xfrm flipV="1">
+            <a:off x="2540096" y="4556429"/>
+            <a:ext cx="993951" cy="6904"/>
+          </a:xfrm>
+          <a:prstGeom prst="straightConnector1">
+            <a:avLst/>
+          </a:prstGeom>
+          <a:ln>
+            <a:tailEnd type="arrow"/>
+          </a:ln>
+        </p:spPr>
+        <p:style>
+          <a:lnRef idx="2">
+            <a:schemeClr val="accent1"/>
+          </a:lnRef>
+          <a:fillRef idx="0">
+            <a:schemeClr val="accent1"/>
+          </a:fillRef>
+          <a:effectRef idx="1">
+            <a:schemeClr val="accent1"/>
+          </a:effectRef>
+          <a:fontRef idx="minor">
+            <a:schemeClr val="tx1"/>
+          </a:fontRef>
+        </p:style>
+      </p:cxnSp>
+      <p:cxnSp>
+        <p:nvCxnSpPr>
+          <p:cNvPr id="18" name="Straight Arrow Connector 17"/>
+          <p:cNvCxnSpPr>
+            <a:stCxn id="6" idx="3"/>
+            <a:endCxn id="11" idx="1"/>
+          </p:cNvCxnSpPr>
+          <p:nvPr/>
+        </p:nvCxnSpPr>
+        <p:spPr>
+          <a:xfrm>
+            <a:off x="5756631" y="2650701"/>
+            <a:ext cx="859439" cy="911716"/>
+          </a:xfrm>
+          <a:prstGeom prst="straightConnector1">
+            <a:avLst/>
+          </a:prstGeom>
+          <a:ln>
+            <a:tailEnd type="arrow"/>
+          </a:ln>
+        </p:spPr>
+        <p:style>
+          <a:lnRef idx="2">
+            <a:schemeClr val="accent1"/>
+          </a:lnRef>
+          <a:fillRef idx="0">
+            <a:schemeClr val="accent1"/>
+          </a:fillRef>
+          <a:effectRef idx="1">
+            <a:schemeClr val="accent1"/>
+          </a:effectRef>
+          <a:fontRef idx="minor">
+            <a:schemeClr val="tx1"/>
+          </a:fontRef>
+        </p:style>
+      </p:cxnSp>
+      <p:cxnSp>
+        <p:nvCxnSpPr>
+          <p:cNvPr id="21" name="Straight Arrow Connector 20"/>
+          <p:cNvCxnSpPr>
+            <a:endCxn id="11" idx="1"/>
+          </p:cNvCxnSpPr>
+          <p:nvPr/>
+        </p:nvCxnSpPr>
+        <p:spPr>
+          <a:xfrm flipV="1">
+            <a:off x="5756631" y="3562417"/>
+            <a:ext cx="859439" cy="994012"/>
+          </a:xfrm>
+          <a:prstGeom prst="straightConnector1">
+            <a:avLst/>
+          </a:prstGeom>
+          <a:ln>
+            <a:tailEnd type="arrow"/>
+          </a:ln>
+        </p:spPr>
+        <p:style>
+          <a:lnRef idx="2">
+            <a:schemeClr val="accent1"/>
+          </a:lnRef>
+          <a:fillRef idx="0">
+            <a:schemeClr val="accent1"/>
+          </a:fillRef>
+          <a:effectRef idx="1">
+            <a:schemeClr val="accent1"/>
+          </a:effectRef>
+          <a:fontRef idx="minor">
+            <a:schemeClr val="tx1"/>
+          </a:fontRef>
+        </p:style>
+      </p:cxnSp>
+    </p:spTree>
+    <p:extLst>
+      <p:ext uri="{BB962C8B-B14F-4D97-AF65-F5344CB8AC3E}">
+        <p14:creationId xmlns:p14="http://schemas.microsoft.com/office/powerpoint/2010/main" val="1116221911"/>
       </p:ext>
     </p:extLst>
   </p:cSld>

--- a/pres-source/11-realtime-bigdata.pptx
+++ b/pres-source/11-realtime-bigdata.pptx
@@ -4273,6 +4273,21 @@
               <a:rPr lang="en-US" dirty="0" smtClean="0"/>
               <a:t>Became a top level project in 2014 </a:t>
             </a:r>
+            <a:endParaRPr lang="en-US" dirty="0" smtClean="0"/>
+          </a:p>
+          <a:p>
+            <a:pPr lvl="1"/>
+            <a:r>
+              <a:rPr lang="en-US" dirty="0" smtClean="0">
+                <a:hlinkClick r:id="rId2"/>
+              </a:rPr>
+              <a:t>http://storm.apache.org</a:t>
+            </a:r>
+            <a:r>
+              <a:rPr lang="en-US" dirty="0" smtClean="0"/>
+              <a:t> </a:t>
+            </a:r>
+            <a:endParaRPr lang="en-US" dirty="0" smtClean="0"/>
           </a:p>
           <a:p>
             <a:pPr lvl="1"/>
@@ -5442,11 +5457,7 @@
           <a:p>
             <a:r>
               <a:rPr lang="en-US" sz="3600" dirty="0" smtClean="0"/>
-              <a:t>Recap on the Lambda </a:t>
-            </a:r>
-            <a:r>
-              <a:rPr lang="en-US" sz="3600" dirty="0" smtClean="0"/>
-              <a:t>Architecture</a:t>
+              <a:t>Recap on the Lambda Architecture</a:t>
             </a:r>
             <a:endParaRPr lang="en-US" sz="3600" dirty="0"/>
           </a:p>
@@ -8164,20 +8175,18 @@
         <p:spPr/>
         <p:txBody>
           <a:bodyPr>
-            <a:normAutofit fontScale="90000"/>
+            <a:normAutofit/>
           </a:bodyPr>
           <a:lstStyle/>
           <a:p>
-            <a:r>
-              <a:rPr lang="en-US" dirty="0" smtClean="0"/>
-              <a:t>Apache Storm</a:t>
-            </a:r>
-            <a:br>
-              <a:rPr lang="en-US" dirty="0" smtClean="0"/>
-            </a:br>
-            <a:r>
-              <a:rPr lang="en-US" sz="3600" dirty="0" smtClean="0"/>
-              <a:t>DAG</a:t>
+            <a:pPr algn="l"/>
+            <a:r>
+              <a:rPr lang="en-US" dirty="0" smtClean="0"/>
+              <a:t>Apache </a:t>
+            </a:r>
+            <a:r>
+              <a:rPr lang="en-US" dirty="0" smtClean="0"/>
+              <a:t>Storm</a:t>
             </a:r>
             <a:endParaRPr lang="en-US" dirty="0"/>
           </a:p>
@@ -8572,6 +8581,60 @@
           </a:fontRef>
         </p:style>
       </p:cxnSp>
+      <p:pic>
+        <p:nvPicPr>
+          <p:cNvPr id="3" name="Picture 2"/>
+          <p:cNvPicPr>
+            <a:picLocks noChangeAspect="1"/>
+          </p:cNvPicPr>
+          <p:nvPr/>
+        </p:nvPicPr>
+        <p:blipFill>
+          <a:blip r:embed="rId2"/>
+          <a:stretch>
+            <a:fillRect/>
+          </a:stretch>
+        </p:blipFill>
+        <p:spPr>
+          <a:xfrm>
+            <a:off x="5206112" y="274638"/>
+            <a:ext cx="3238500" cy="1016000"/>
+          </a:xfrm>
+          <a:prstGeom prst="rect">
+            <a:avLst/>
+          </a:prstGeom>
+        </p:spPr>
+      </p:pic>
+      <p:sp>
+        <p:nvSpPr>
+          <p:cNvPr id="7" name="TextBox 6"/>
+          <p:cNvSpPr txBox="1"/>
+          <p:nvPr/>
+        </p:nvSpPr>
+        <p:spPr>
+          <a:xfrm>
+            <a:off x="1111550" y="5453576"/>
+            <a:ext cx="2581656" cy="461665"/>
+          </a:xfrm>
+          <a:prstGeom prst="rect">
+            <a:avLst/>
+          </a:prstGeom>
+          <a:noFill/>
+        </p:spPr>
+        <p:txBody>
+          <a:bodyPr wrap="none" rtlCol="0">
+            <a:spAutoFit/>
+          </a:bodyPr>
+          <a:lstStyle/>
+          <a:p>
+            <a:r>
+              <a:rPr lang="en-US" sz="2400" dirty="0" smtClean="0"/>
+              <a:t>Note: another DAG</a:t>
+            </a:r>
+            <a:endParaRPr lang="en-US" sz="2400" dirty="0"/>
+          </a:p>
+        </p:txBody>
+      </p:sp>
     </p:spTree>
     <p:extLst>
       <p:ext uri="{BB962C8B-B14F-4D97-AF65-F5344CB8AC3E}">

--- a/pres-source/11-realtime-bigdata.pptx
+++ b/pres-source/11-realtime-bigdata.pptx
@@ -216,7 +216,7 @@
             <a:fld id="{7307762F-A706-E543-A832-3C298AA3103F}" type="datetimeFigureOut">
               <a:rPr lang="en-US" smtClean="0"/>
               <a:pPr/>
-              <a:t>15/11/15</a:t>
+              <a:t>16/11/15</a:t>
             </a:fld>
             <a:endParaRPr lang="en-US" dirty="0"/>
           </a:p>
@@ -783,7 +783,7 @@
           <a:p>
             <a:fld id="{875CF0EB-321F-0749-B37A-89BBA859503C}" type="datetimeFigureOut">
               <a:rPr lang="en-US" smtClean="0"/>
-              <a:t>15/11/15</a:t>
+              <a:t>16/11/15</a:t>
             </a:fld>
             <a:endParaRPr lang="en-US"/>
           </a:p>
@@ -987,7 +987,7 @@
           <a:p>
             <a:fld id="{875CF0EB-321F-0749-B37A-89BBA859503C}" type="datetimeFigureOut">
               <a:rPr lang="en-US" smtClean="0"/>
-              <a:t>15/11/15</a:t>
+              <a:t>16/11/15</a:t>
             </a:fld>
             <a:endParaRPr lang="en-US"/>
           </a:p>
@@ -1325,7 +1325,7 @@
           <a:p>
             <a:fld id="{875CF0EB-321F-0749-B37A-89BBA859503C}" type="datetimeFigureOut">
               <a:rPr lang="en-US" smtClean="0"/>
-              <a:t>15/11/15</a:t>
+              <a:t>16/11/15</a:t>
             </a:fld>
             <a:endParaRPr lang="en-US"/>
           </a:p>
@@ -1595,7 +1595,7 @@
           <a:p>
             <a:fld id="{875CF0EB-321F-0749-B37A-89BBA859503C}" type="datetimeFigureOut">
               <a:rPr lang="en-US" smtClean="0"/>
-              <a:t>15/11/15</a:t>
+              <a:t>16/11/15</a:t>
             </a:fld>
             <a:endParaRPr lang="en-US"/>
           </a:p>
@@ -1907,7 +1907,7 @@
           <a:p>
             <a:fld id="{875CF0EB-321F-0749-B37A-89BBA859503C}" type="datetimeFigureOut">
               <a:rPr lang="en-US" smtClean="0"/>
-              <a:t>15/11/15</a:t>
+              <a:t>16/11/15</a:t>
             </a:fld>
             <a:endParaRPr lang="en-US"/>
           </a:p>
@@ -2353,7 +2353,7 @@
           <a:p>
             <a:fld id="{875CF0EB-321F-0749-B37A-89BBA859503C}" type="datetimeFigureOut">
               <a:rPr lang="en-US" smtClean="0"/>
-              <a:t>15/11/15</a:t>
+              <a:t>16/11/15</a:t>
             </a:fld>
             <a:endParaRPr lang="en-US"/>
           </a:p>
@@ -2495,7 +2495,7 @@
           <a:p>
             <a:fld id="{875CF0EB-321F-0749-B37A-89BBA859503C}" type="datetimeFigureOut">
               <a:rPr lang="en-US" smtClean="0"/>
-              <a:t>15/11/15</a:t>
+              <a:t>16/11/15</a:t>
             </a:fld>
             <a:endParaRPr lang="en-US"/>
           </a:p>
@@ -2614,7 +2614,7 @@
           <a:p>
             <a:fld id="{875CF0EB-321F-0749-B37A-89BBA859503C}" type="datetimeFigureOut">
               <a:rPr lang="en-US" smtClean="0"/>
-              <a:t>15/11/15</a:t>
+              <a:t>16/11/15</a:t>
             </a:fld>
             <a:endParaRPr lang="en-US"/>
           </a:p>
@@ -2915,7 +2915,7 @@
           <a:p>
             <a:fld id="{875CF0EB-321F-0749-B37A-89BBA859503C}" type="datetimeFigureOut">
               <a:rPr lang="en-US" smtClean="0"/>
-              <a:t>15/11/15</a:t>
+              <a:t>16/11/15</a:t>
             </a:fld>
             <a:endParaRPr lang="en-US"/>
           </a:p>
@@ -3192,7 +3192,7 @@
           <a:p>
             <a:fld id="{875CF0EB-321F-0749-B37A-89BBA859503C}" type="datetimeFigureOut">
               <a:rPr lang="en-US" smtClean="0"/>
-              <a:t>15/11/15</a:t>
+              <a:t>16/11/15</a:t>
             </a:fld>
             <a:endParaRPr lang="en-US"/>
           </a:p>
@@ -4273,7 +4273,6 @@
               <a:rPr lang="en-US" dirty="0" smtClean="0"/>
               <a:t>Became a top level project in 2014 </a:t>
             </a:r>
-            <a:endParaRPr lang="en-US" dirty="0" smtClean="0"/>
           </a:p>
           <a:p>
             <a:pPr lvl="1"/>
@@ -4287,7 +4286,6 @@
               <a:rPr lang="en-US" dirty="0" smtClean="0"/>
               <a:t> </a:t>
             </a:r>
-            <a:endParaRPr lang="en-US" dirty="0" smtClean="0"/>
           </a:p>
           <a:p>
             <a:pPr lvl="1"/>
@@ -8182,11 +8180,7 @@
             <a:pPr algn="l"/>
             <a:r>
               <a:rPr lang="en-US" dirty="0" smtClean="0"/>
-              <a:t>Apache </a:t>
-            </a:r>
-            <a:r>
-              <a:rPr lang="en-US" dirty="0" smtClean="0"/>
-              <a:t>Storm</a:t>
+              <a:t>Apache Storm</a:t>
             </a:r>
             <a:endParaRPr lang="en-US" dirty="0"/>
           </a:p>

--- a/pres-source/11-realtime-bigdata.pptx
+++ b/pres-source/11-realtime-bigdata.pptx
@@ -216,7 +216,7 @@
             <a:fld id="{7307762F-A706-E543-A832-3C298AA3103F}" type="datetimeFigureOut">
               <a:rPr lang="en-US" smtClean="0"/>
               <a:pPr/>
-              <a:t>16/11/15</a:t>
+              <a:t>30/11/15</a:t>
             </a:fld>
             <a:endParaRPr lang="en-US" dirty="0"/>
           </a:p>
@@ -783,7 +783,7 @@
           <a:p>
             <a:fld id="{875CF0EB-321F-0749-B37A-89BBA859503C}" type="datetimeFigureOut">
               <a:rPr lang="en-US" smtClean="0"/>
-              <a:t>16/11/15</a:t>
+              <a:t>30/11/15</a:t>
             </a:fld>
             <a:endParaRPr lang="en-US"/>
           </a:p>
@@ -987,7 +987,7 @@
           <a:p>
             <a:fld id="{875CF0EB-321F-0749-B37A-89BBA859503C}" type="datetimeFigureOut">
               <a:rPr lang="en-US" smtClean="0"/>
-              <a:t>16/11/15</a:t>
+              <a:t>30/11/15</a:t>
             </a:fld>
             <a:endParaRPr lang="en-US"/>
           </a:p>
@@ -1325,7 +1325,7 @@
           <a:p>
             <a:fld id="{875CF0EB-321F-0749-B37A-89BBA859503C}" type="datetimeFigureOut">
               <a:rPr lang="en-US" smtClean="0"/>
-              <a:t>16/11/15</a:t>
+              <a:t>30/11/15</a:t>
             </a:fld>
             <a:endParaRPr lang="en-US"/>
           </a:p>
@@ -1595,7 +1595,7 @@
           <a:p>
             <a:fld id="{875CF0EB-321F-0749-B37A-89BBA859503C}" type="datetimeFigureOut">
               <a:rPr lang="en-US" smtClean="0"/>
-              <a:t>16/11/15</a:t>
+              <a:t>30/11/15</a:t>
             </a:fld>
             <a:endParaRPr lang="en-US"/>
           </a:p>
@@ -1907,7 +1907,7 @@
           <a:p>
             <a:fld id="{875CF0EB-321F-0749-B37A-89BBA859503C}" type="datetimeFigureOut">
               <a:rPr lang="en-US" smtClean="0"/>
-              <a:t>16/11/15</a:t>
+              <a:t>30/11/15</a:t>
             </a:fld>
             <a:endParaRPr lang="en-US"/>
           </a:p>
@@ -2353,7 +2353,7 @@
           <a:p>
             <a:fld id="{875CF0EB-321F-0749-B37A-89BBA859503C}" type="datetimeFigureOut">
               <a:rPr lang="en-US" smtClean="0"/>
-              <a:t>16/11/15</a:t>
+              <a:t>30/11/15</a:t>
             </a:fld>
             <a:endParaRPr lang="en-US"/>
           </a:p>
@@ -2495,7 +2495,7 @@
           <a:p>
             <a:fld id="{875CF0EB-321F-0749-B37A-89BBA859503C}" type="datetimeFigureOut">
               <a:rPr lang="en-US" smtClean="0"/>
-              <a:t>16/11/15</a:t>
+              <a:t>30/11/15</a:t>
             </a:fld>
             <a:endParaRPr lang="en-US"/>
           </a:p>
@@ -2614,7 +2614,7 @@
           <a:p>
             <a:fld id="{875CF0EB-321F-0749-B37A-89BBA859503C}" type="datetimeFigureOut">
               <a:rPr lang="en-US" smtClean="0"/>
-              <a:t>16/11/15</a:t>
+              <a:t>30/11/15</a:t>
             </a:fld>
             <a:endParaRPr lang="en-US"/>
           </a:p>
@@ -2915,7 +2915,7 @@
           <a:p>
             <a:fld id="{875CF0EB-321F-0749-B37A-89BBA859503C}" type="datetimeFigureOut">
               <a:rPr lang="en-US" smtClean="0"/>
-              <a:t>16/11/15</a:t>
+              <a:t>30/11/15</a:t>
             </a:fld>
             <a:endParaRPr lang="en-US"/>
           </a:p>
@@ -3192,7 +3192,7 @@
           <a:p>
             <a:fld id="{875CF0EB-321F-0749-B37A-89BBA859503C}" type="datetimeFigureOut">
               <a:rPr lang="en-US" smtClean="0"/>
-              <a:t>16/11/15</a:t>
+              <a:t>30/11/15</a:t>
             </a:fld>
             <a:endParaRPr lang="en-US"/>
           </a:p>
@@ -3388,7 +3388,7 @@
       </p:sp>
       <p:sp>
         <p:nvSpPr>
-          <p:cNvPr id="21" name="TextBox 20"/>
+          <p:cNvPr id="8" name="TextBox 7"/>
           <p:cNvSpPr txBox="1">
             <a:spLocks noChangeArrowheads="1"/>
           </p:cNvSpPr>
@@ -3396,8 +3396,8 @@
         </p:nvSpPr>
         <p:spPr bwMode="auto">
           <a:xfrm>
-            <a:off x="1046163" y="6092834"/>
-            <a:ext cx="6853158" cy="553998"/>
+            <a:off x="1168930" y="6408634"/>
+            <a:ext cx="3429144" cy="415498"/>
           </a:xfrm>
           <a:prstGeom prst="rect">
             <a:avLst/>
@@ -3569,22 +3569,22 @@
               <a:defRPr/>
             </a:pPr>
             <a:r>
-              <a:rPr lang="en-US" sz="1000" dirty="0" smtClean="0">
+              <a:rPr lang="en-US" sz="700" dirty="0" smtClean="0">
                 <a:latin typeface="Montserrat"/>
               </a:rPr>
-              <a:t>© Paul Fremantle 2015.  Licensed under the Creative Commons 4.0 BY-SA (Attribution-</a:t>
-            </a:r>
-            <a:r>
-              <a:rPr lang="en-US" sz="1000" dirty="0" err="1" smtClean="0">
+              <a:t>© Paul Fremantle 2015.  </a:t>
+            </a:r>
+            <a:r>
+              <a:rPr lang="en-US" sz="700" dirty="0" smtClean="0">
                 <a:latin typeface="Montserrat"/>
               </a:rPr>
-              <a:t>Sharealike</a:t>
-            </a:r>
-            <a:r>
-              <a:rPr lang="en-US" sz="1000" dirty="0" smtClean="0">
+              <a:t>This </a:t>
+            </a:r>
+            <a:r>
+              <a:rPr lang="en-US" sz="700" dirty="0" smtClean="0">
                 <a:latin typeface="Montserrat"/>
               </a:rPr>
-              <a:t>) license.</a:t>
+              <a:t>work is licensed under a Creative Commons</a:t>
             </a:r>
           </a:p>
           <a:p>
@@ -3592,87 +3592,84 @@
               <a:defRPr/>
             </a:pPr>
             <a:r>
-              <a:rPr lang="en-US" sz="1000" dirty="0" smtClean="0">
+              <a:rPr lang="en-US" sz="700" dirty="0" smtClean="0">
                 <a:latin typeface="Montserrat"/>
               </a:rPr>
-              <a:t>See </a:t>
-            </a:r>
-            <a:r>
-              <a:rPr lang="en-US" sz="1000" dirty="0" smtClean="0">
+              <a:t> Attribution-</a:t>
+            </a:r>
+            <a:r>
+              <a:rPr lang="en-US" sz="700" dirty="0" err="1" smtClean="0">
+                <a:latin typeface="Montserrat"/>
+              </a:rPr>
+              <a:t>NonCommercial</a:t>
+            </a:r>
+            <a:r>
+              <a:rPr lang="en-US" sz="700" dirty="0" smtClean="0">
+                <a:latin typeface="Montserrat"/>
+              </a:rPr>
+              <a:t>-</a:t>
+            </a:r>
+            <a:r>
+              <a:rPr lang="en-US" sz="700" dirty="0" err="1" smtClean="0">
+                <a:latin typeface="Montserrat"/>
+              </a:rPr>
+              <a:t>ShareAlike</a:t>
+            </a:r>
+            <a:r>
+              <a:rPr lang="en-US" sz="700" dirty="0" smtClean="0">
+                <a:latin typeface="Montserrat"/>
+              </a:rPr>
+              <a:t> 4.0 International License</a:t>
+            </a:r>
+            <a:br>
+              <a:rPr lang="en-US" sz="700" dirty="0" smtClean="0">
+                <a:latin typeface="Montserrat"/>
+              </a:rPr>
+            </a:br>
+            <a:r>
+              <a:rPr lang="en-US" sz="700" dirty="0" smtClean="0">
+                <a:latin typeface="Montserrat"/>
+              </a:rPr>
+              <a:t>See  </a:t>
+            </a:r>
+            <a:r>
+              <a:rPr lang="en-US" sz="700" dirty="0" smtClean="0">
                 <a:latin typeface="Montserrat"/>
                 <a:hlinkClick r:id="rId14"/>
               </a:rPr>
-              <a:t>http://creativecommons.org/licenses/by-sa/4.0/</a:t>
-            </a:r>
-            <a:r>
-              <a:rPr lang="en-US" sz="1000" dirty="0" smtClean="0">
+              <a:t>http://creativecommons.org/licenses/by-nc-sa/4.0/</a:t>
+            </a:r>
+            <a:r>
+              <a:rPr lang="en-US" sz="700" dirty="0" smtClean="0">
                 <a:latin typeface="Montserrat"/>
               </a:rPr>
               <a:t> </a:t>
             </a:r>
           </a:p>
-          <a:p>
-            <a:pPr algn="l" eaLnBrk="1" hangingPunct="1">
-              <a:defRPr/>
-            </a:pPr>
-            <a:endParaRPr lang="en-US" sz="1000" dirty="0" smtClean="0">
-              <a:latin typeface="Montserrat"/>
-            </a:endParaRPr>
-          </a:p>
         </p:txBody>
       </p:sp>
       <p:pic>
         <p:nvPicPr>
-          <p:cNvPr id="24" name="Picture 23"/>
+          <p:cNvPr id="9" name="Picture 8"/>
           <p:cNvPicPr>
-            <a:picLocks noChangeAspect="1" noChangeArrowheads="1"/>
+            <a:picLocks noChangeAspect="1"/>
           </p:cNvPicPr>
           <p:nvPr userDrawn="1"/>
         </p:nvPicPr>
         <p:blipFill>
-          <a:blip r:embed="rId15">
-            <a:extLst>
-              <a:ext uri="{28A0092B-C50C-407E-A947-70E740481C1C}">
-                <a14:useLocalDpi xmlns:a14="http://schemas.microsoft.com/office/drawing/2010/main" val="0"/>
-              </a:ext>
-            </a:extLst>
-          </a:blip>
-          <a:srcRect/>
+          <a:blip r:embed="rId15"/>
           <a:stretch>
             <a:fillRect/>
           </a:stretch>
         </p:blipFill>
-        <p:spPr bwMode="auto">
+        <p:spPr>
           <a:xfrm>
-            <a:off x="320764" y="6254746"/>
-            <a:ext cx="725399" cy="258097"/>
+            <a:off x="375635" y="6492098"/>
+            <a:ext cx="792765" cy="279269"/>
           </a:xfrm>
           <a:prstGeom prst="rect">
             <a:avLst/>
           </a:prstGeom>
-          <a:noFill/>
-          <a:ln>
-            <a:noFill/>
-          </a:ln>
-          <a:extLst>
-            <a:ext uri="{909E8E84-426E-40dd-AFC4-6F175D3DCCD1}">
-              <a14:hiddenFill xmlns:a14="http://schemas.microsoft.com/office/drawing/2010/main">
-                <a:solidFill>
-                  <a:srgbClr val="FFFFFF"/>
-                </a:solidFill>
-              </a14:hiddenFill>
-            </a:ext>
-            <a:ext uri="{91240B29-F687-4f45-9708-019B960494DF}">
-              <a14:hiddenLine xmlns:a14="http://schemas.microsoft.com/office/drawing/2010/main" w="9525">
-                <a:solidFill>
-                  <a:srgbClr val="000000"/>
-                </a:solidFill>
-                <a:miter lim="800000"/>
-                <a:headEnd/>
-                <a:tailEnd/>
-              </a14:hiddenLine>
-            </a:ext>
-          </a:extLst>
         </p:spPr>
       </p:pic>
     </p:spTree>

--- a/pres-source/11-realtime-bigdata.pptx
+++ b/pres-source/11-realtime-bigdata.pptx
@@ -5,7 +5,7 @@
     <p:sldMasterId id="2147483648" r:id="rId1"/>
   </p:sldMasterIdLst>
   <p:notesMasterIdLst>
-    <p:notesMasterId r:id="rId22"/>
+    <p:notesMasterId r:id="rId28"/>
   </p:notesMasterIdLst>
   <p:sldIdLst>
     <p:sldId id="256" r:id="rId2"/>
@@ -16,18 +16,24 @@
     <p:sldId id="289" r:id="rId7"/>
     <p:sldId id="299" r:id="rId8"/>
     <p:sldId id="292" r:id="rId9"/>
-    <p:sldId id="293" r:id="rId10"/>
-    <p:sldId id="294" r:id="rId11"/>
-    <p:sldId id="295" r:id="rId12"/>
-    <p:sldId id="297" r:id="rId13"/>
-    <p:sldId id="298" r:id="rId14"/>
-    <p:sldId id="296" r:id="rId15"/>
-    <p:sldId id="300" r:id="rId16"/>
-    <p:sldId id="301" r:id="rId17"/>
-    <p:sldId id="302" r:id="rId18"/>
-    <p:sldId id="303" r:id="rId19"/>
-    <p:sldId id="304" r:id="rId20"/>
-    <p:sldId id="283" r:id="rId21"/>
+    <p:sldId id="305" r:id="rId10"/>
+    <p:sldId id="306" r:id="rId11"/>
+    <p:sldId id="307" r:id="rId12"/>
+    <p:sldId id="310" r:id="rId13"/>
+    <p:sldId id="308" r:id="rId14"/>
+    <p:sldId id="309" r:id="rId15"/>
+    <p:sldId id="293" r:id="rId16"/>
+    <p:sldId id="294" r:id="rId17"/>
+    <p:sldId id="295" r:id="rId18"/>
+    <p:sldId id="297" r:id="rId19"/>
+    <p:sldId id="298" r:id="rId20"/>
+    <p:sldId id="296" r:id="rId21"/>
+    <p:sldId id="300" r:id="rId22"/>
+    <p:sldId id="301" r:id="rId23"/>
+    <p:sldId id="302" r:id="rId24"/>
+    <p:sldId id="303" r:id="rId25"/>
+    <p:sldId id="304" r:id="rId26"/>
+    <p:sldId id="283" r:id="rId27"/>
   </p:sldIdLst>
   <p:sldSz cx="9144000" cy="6858000" type="screen4x3"/>
   <p:notesSz cx="6858000" cy="9144000"/>
@@ -216,7 +222,7 @@
             <a:fld id="{7307762F-A706-E543-A832-3C298AA3103F}" type="datetimeFigureOut">
               <a:rPr lang="en-US" smtClean="0"/>
               <a:pPr/>
-              <a:t>30/11/15</a:t>
+              <a:t>09/09/16</a:t>
             </a:fld>
             <a:endParaRPr lang="en-US" dirty="0"/>
           </a:p>
@@ -783,7 +789,7 @@
           <a:p>
             <a:fld id="{875CF0EB-321F-0749-B37A-89BBA859503C}" type="datetimeFigureOut">
               <a:rPr lang="en-US" smtClean="0"/>
-              <a:t>30/11/15</a:t>
+              <a:t>09/09/16</a:t>
             </a:fld>
             <a:endParaRPr lang="en-US"/>
           </a:p>
@@ -987,7 +993,7 @@
           <a:p>
             <a:fld id="{875CF0EB-321F-0749-B37A-89BBA859503C}" type="datetimeFigureOut">
               <a:rPr lang="en-US" smtClean="0"/>
-              <a:t>30/11/15</a:t>
+              <a:t>09/09/16</a:t>
             </a:fld>
             <a:endParaRPr lang="en-US"/>
           </a:p>
@@ -1325,7 +1331,7 @@
           <a:p>
             <a:fld id="{875CF0EB-321F-0749-B37A-89BBA859503C}" type="datetimeFigureOut">
               <a:rPr lang="en-US" smtClean="0"/>
-              <a:t>30/11/15</a:t>
+              <a:t>09/09/16</a:t>
             </a:fld>
             <a:endParaRPr lang="en-US"/>
           </a:p>
@@ -1595,7 +1601,7 @@
           <a:p>
             <a:fld id="{875CF0EB-321F-0749-B37A-89BBA859503C}" type="datetimeFigureOut">
               <a:rPr lang="en-US" smtClean="0"/>
-              <a:t>30/11/15</a:t>
+              <a:t>09/09/16</a:t>
             </a:fld>
             <a:endParaRPr lang="en-US"/>
           </a:p>
@@ -1907,7 +1913,7 @@
           <a:p>
             <a:fld id="{875CF0EB-321F-0749-B37A-89BBA859503C}" type="datetimeFigureOut">
               <a:rPr lang="en-US" smtClean="0"/>
-              <a:t>30/11/15</a:t>
+              <a:t>09/09/16</a:t>
             </a:fld>
             <a:endParaRPr lang="en-US"/>
           </a:p>
@@ -2353,7 +2359,7 @@
           <a:p>
             <a:fld id="{875CF0EB-321F-0749-B37A-89BBA859503C}" type="datetimeFigureOut">
               <a:rPr lang="en-US" smtClean="0"/>
-              <a:t>30/11/15</a:t>
+              <a:t>09/09/16</a:t>
             </a:fld>
             <a:endParaRPr lang="en-US"/>
           </a:p>
@@ -2495,7 +2501,7 @@
           <a:p>
             <a:fld id="{875CF0EB-321F-0749-B37A-89BBA859503C}" type="datetimeFigureOut">
               <a:rPr lang="en-US" smtClean="0"/>
-              <a:t>30/11/15</a:t>
+              <a:t>09/09/16</a:t>
             </a:fld>
             <a:endParaRPr lang="en-US"/>
           </a:p>
@@ -2614,7 +2620,7 @@
           <a:p>
             <a:fld id="{875CF0EB-321F-0749-B37A-89BBA859503C}" type="datetimeFigureOut">
               <a:rPr lang="en-US" smtClean="0"/>
-              <a:t>30/11/15</a:t>
+              <a:t>09/09/16</a:t>
             </a:fld>
             <a:endParaRPr lang="en-US"/>
           </a:p>
@@ -2915,7 +2921,7 @@
           <a:p>
             <a:fld id="{875CF0EB-321F-0749-B37A-89BBA859503C}" type="datetimeFigureOut">
               <a:rPr lang="en-US" smtClean="0"/>
-              <a:t>30/11/15</a:t>
+              <a:t>09/09/16</a:t>
             </a:fld>
             <a:endParaRPr lang="en-US"/>
           </a:p>
@@ -3192,7 +3198,7 @@
           <a:p>
             <a:fld id="{875CF0EB-321F-0749-B37A-89BBA859503C}" type="datetimeFigureOut">
               <a:rPr lang="en-US" smtClean="0"/>
-              <a:t>30/11/15</a:t>
+              <a:t>09/09/16</a:t>
             </a:fld>
             <a:endParaRPr lang="en-US"/>
           </a:p>
@@ -3572,19 +3578,7 @@
               <a:rPr lang="en-US" sz="700" dirty="0" smtClean="0">
                 <a:latin typeface="Montserrat"/>
               </a:rPr>
-              <a:t>© Paul Fremantle 2015.  </a:t>
-            </a:r>
-            <a:r>
-              <a:rPr lang="en-US" sz="700" dirty="0" smtClean="0">
-                <a:latin typeface="Montserrat"/>
-              </a:rPr>
-              <a:t>This </a:t>
-            </a:r>
-            <a:r>
-              <a:rPr lang="en-US" sz="700" dirty="0" smtClean="0">
-                <a:latin typeface="Montserrat"/>
-              </a:rPr>
-              <a:t>work is licensed under a Creative Commons</a:t>
+              <a:t>© Paul Fremantle 2015.  This work is licensed under a Creative Commons</a:t>
             </a:r>
           </a:p>
           <a:p>
@@ -4135,11 +4129,11 @@
           <a:p>
             <a:pPr eaLnBrk="1" hangingPunct="1"/>
             <a:r>
-              <a:rPr lang="en-US" dirty="0" smtClean="0">
+              <a:rPr lang="en-US" smtClean="0">
                 <a:ea typeface="ヒラギノ角ゴ ProN W3" charset="0"/>
                 <a:cs typeface="ヒラギノ角ゴ ProN W3" charset="0"/>
               </a:rPr>
-              <a:t>Nov 2015</a:t>
+              <a:t>Sep 2016</a:t>
             </a:r>
             <a:endParaRPr lang="en-US" dirty="0">
               <a:ea typeface="ヒラギノ角ゴ ProN W3" charset="0"/>
@@ -4210,6 +4204,982 @@
           <a:p>
             <a:r>
               <a:rPr lang="en-US" dirty="0" smtClean="0"/>
+              <a:t>MQTT</a:t>
+            </a:r>
+            <a:endParaRPr lang="en-US" dirty="0"/>
+          </a:p>
+        </p:txBody>
+      </p:sp>
+      <p:sp>
+        <p:nvSpPr>
+          <p:cNvPr id="3" name="Content Placeholder 2"/>
+          <p:cNvSpPr>
+            <a:spLocks noGrp="1"/>
+          </p:cNvSpPr>
+          <p:nvPr>
+            <p:ph idx="1"/>
+          </p:nvPr>
+        </p:nvSpPr>
+        <p:spPr/>
+        <p:txBody>
+          <a:bodyPr/>
+          <a:lstStyle/>
+          <a:p>
+            <a:r>
+              <a:rPr lang="en-US" dirty="0" smtClean="0"/>
+              <a:t>Very simple, lightweight, fast</a:t>
+            </a:r>
+          </a:p>
+          <a:p>
+            <a:r>
+              <a:rPr lang="en-US" dirty="0" smtClean="0"/>
+              <a:t>No built in support for clustering / big-data</a:t>
+            </a:r>
+          </a:p>
+          <a:p>
+            <a:pPr lvl="1"/>
+            <a:r>
+              <a:rPr lang="en-US" dirty="0" smtClean="0"/>
+              <a:t>But can make up for it by being very fast</a:t>
+            </a:r>
+          </a:p>
+          <a:p>
+            <a:r>
+              <a:rPr lang="en-US" dirty="0" smtClean="0"/>
+              <a:t>Used a lot in </a:t>
+            </a:r>
+            <a:r>
+              <a:rPr lang="en-US" dirty="0" err="1" smtClean="0"/>
+              <a:t>IoT</a:t>
+            </a:r>
+            <a:endParaRPr lang="en-US" dirty="0"/>
+          </a:p>
+        </p:txBody>
+      </p:sp>
+    </p:spTree>
+    <p:extLst>
+      <p:ext uri="{BB962C8B-B14F-4D97-AF65-F5344CB8AC3E}">
+        <p14:creationId xmlns:p14="http://schemas.microsoft.com/office/powerpoint/2010/main" val="4134660799"/>
+      </p:ext>
+    </p:extLst>
+  </p:cSld>
+  <p:clrMapOvr>
+    <a:masterClrMapping/>
+  </p:clrMapOvr>
+</p:sld>
+</file>
+
+<file path=ppt/slides/slide11.xml><?xml version="1.0" encoding="utf-8"?>
+<p:sld xmlns:a="http://schemas.openxmlformats.org/drawingml/2006/main" xmlns:r="http://schemas.openxmlformats.org/officeDocument/2006/relationships" xmlns:p="http://schemas.openxmlformats.org/presentationml/2006/main">
+  <p:cSld>
+    <p:spTree>
+      <p:nvGrpSpPr>
+        <p:cNvPr id="1" name=""/>
+        <p:cNvGrpSpPr/>
+        <p:nvPr/>
+      </p:nvGrpSpPr>
+      <p:grpSpPr>
+        <a:xfrm>
+          <a:off x="0" y="0"/>
+          <a:ext cx="0" cy="0"/>
+          <a:chOff x="0" y="0"/>
+          <a:chExt cx="0" cy="0"/>
+        </a:xfrm>
+      </p:grpSpPr>
+      <p:sp>
+        <p:nvSpPr>
+          <p:cNvPr id="2" name="Title 1"/>
+          <p:cNvSpPr>
+            <a:spLocks noGrp="1"/>
+          </p:cNvSpPr>
+          <p:nvPr>
+            <p:ph type="title"/>
+          </p:nvPr>
+        </p:nvSpPr>
+        <p:spPr/>
+        <p:txBody>
+          <a:bodyPr/>
+          <a:lstStyle/>
+          <a:p>
+            <a:r>
+              <a:rPr lang="en-US" dirty="0" smtClean="0"/>
+              <a:t>Apache Kafka</a:t>
+            </a:r>
+            <a:endParaRPr lang="en-US" dirty="0"/>
+          </a:p>
+        </p:txBody>
+      </p:sp>
+      <p:pic>
+        <p:nvPicPr>
+          <p:cNvPr id="5" name="Picture 4"/>
+          <p:cNvPicPr>
+            <a:picLocks noChangeAspect="1"/>
+          </p:cNvPicPr>
+          <p:nvPr/>
+        </p:nvPicPr>
+        <p:blipFill>
+          <a:blip r:embed="rId2" cstate="print">
+            <a:extLst>
+              <a:ext uri="{28A0092B-C50C-407E-A947-70E740481C1C}">
+                <a14:useLocalDpi xmlns:a14="http://schemas.microsoft.com/office/drawing/2010/main"/>
+              </a:ext>
+            </a:extLst>
+          </a:blip>
+          <a:stretch>
+            <a:fillRect/>
+          </a:stretch>
+        </p:blipFill>
+        <p:spPr>
+          <a:xfrm>
+            <a:off x="0" y="1104900"/>
+            <a:ext cx="9144000" cy="4643438"/>
+          </a:xfrm>
+          <a:prstGeom prst="rect">
+            <a:avLst/>
+          </a:prstGeom>
+        </p:spPr>
+      </p:pic>
+      <p:sp>
+        <p:nvSpPr>
+          <p:cNvPr id="6" name="TextBox 5"/>
+          <p:cNvSpPr txBox="1"/>
+          <p:nvPr/>
+        </p:nvSpPr>
+        <p:spPr>
+          <a:xfrm>
+            <a:off x="4560905" y="6437793"/>
+            <a:ext cx="4652986" cy="369332"/>
+          </a:xfrm>
+          <a:prstGeom prst="rect">
+            <a:avLst/>
+          </a:prstGeom>
+          <a:noFill/>
+        </p:spPr>
+        <p:txBody>
+          <a:bodyPr wrap="none" rtlCol="0">
+            <a:spAutoFit/>
+          </a:bodyPr>
+          <a:lstStyle/>
+          <a:p>
+            <a:r>
+              <a:rPr lang="en-US" dirty="0"/>
+              <a:t>Source: </a:t>
+            </a:r>
+            <a:r>
+              <a:rPr lang="en-US" dirty="0">
+                <a:hlinkClick r:id="rId3"/>
+              </a:rPr>
+              <a:t>http://www.slideshare.net/charmalloc</a:t>
+            </a:r>
+            <a:r>
+              <a:rPr lang="en-US" dirty="0" smtClean="0">
+                <a:hlinkClick r:id="rId3"/>
+              </a:rPr>
+              <a:t>/</a:t>
+            </a:r>
+            <a:r>
+              <a:rPr lang="en-US" dirty="0" smtClean="0"/>
+              <a:t> </a:t>
+            </a:r>
+            <a:endParaRPr lang="en-US" dirty="0"/>
+          </a:p>
+        </p:txBody>
+      </p:sp>
+    </p:spTree>
+    <p:extLst>
+      <p:ext uri="{BB962C8B-B14F-4D97-AF65-F5344CB8AC3E}">
+        <p14:creationId xmlns:p14="http://schemas.microsoft.com/office/powerpoint/2010/main" val="3071450405"/>
+      </p:ext>
+    </p:extLst>
+  </p:cSld>
+  <p:clrMapOvr>
+    <a:masterClrMapping/>
+  </p:clrMapOvr>
+</p:sld>
+</file>
+
+<file path=ppt/slides/slide12.xml><?xml version="1.0" encoding="utf-8"?>
+<p:sld xmlns:a="http://schemas.openxmlformats.org/drawingml/2006/main" xmlns:r="http://schemas.openxmlformats.org/officeDocument/2006/relationships" xmlns:p="http://schemas.openxmlformats.org/presentationml/2006/main">
+  <p:cSld>
+    <p:spTree>
+      <p:nvGrpSpPr>
+        <p:cNvPr id="1" name=""/>
+        <p:cNvGrpSpPr/>
+        <p:nvPr/>
+      </p:nvGrpSpPr>
+      <p:grpSpPr>
+        <a:xfrm>
+          <a:off x="0" y="0"/>
+          <a:ext cx="0" cy="0"/>
+          <a:chOff x="0" y="0"/>
+          <a:chExt cx="0" cy="0"/>
+        </a:xfrm>
+      </p:grpSpPr>
+      <p:sp>
+        <p:nvSpPr>
+          <p:cNvPr id="2" name="Title 1"/>
+          <p:cNvSpPr>
+            <a:spLocks noGrp="1"/>
+          </p:cNvSpPr>
+          <p:nvPr>
+            <p:ph type="title"/>
+          </p:nvPr>
+        </p:nvSpPr>
+        <p:spPr/>
+        <p:txBody>
+          <a:bodyPr/>
+          <a:lstStyle/>
+          <a:p>
+            <a:r>
+              <a:rPr lang="en-US" dirty="0" smtClean="0"/>
+              <a:t>Kafka</a:t>
+            </a:r>
+            <a:endParaRPr lang="en-US" dirty="0"/>
+          </a:p>
+        </p:txBody>
+      </p:sp>
+      <p:sp>
+        <p:nvSpPr>
+          <p:cNvPr id="3" name="Content Placeholder 2"/>
+          <p:cNvSpPr>
+            <a:spLocks noGrp="1"/>
+          </p:cNvSpPr>
+          <p:nvPr>
+            <p:ph idx="1"/>
+          </p:nvPr>
+        </p:nvSpPr>
+        <p:spPr/>
+        <p:txBody>
+          <a:bodyPr/>
+          <a:lstStyle/>
+          <a:p>
+            <a:r>
+              <a:rPr lang="en-US" dirty="0" smtClean="0"/>
+              <a:t>Many of the approaches we’ve seen:</a:t>
+            </a:r>
+          </a:p>
+          <a:p>
+            <a:pPr lvl="1"/>
+            <a:r>
+              <a:rPr lang="en-US" dirty="0" smtClean="0"/>
+              <a:t>Partitioning</a:t>
+            </a:r>
+          </a:p>
+          <a:p>
+            <a:pPr lvl="1"/>
+            <a:r>
+              <a:rPr lang="en-US" dirty="0" smtClean="0"/>
+              <a:t>Multiple brokers</a:t>
+            </a:r>
+          </a:p>
+          <a:p>
+            <a:pPr lvl="1"/>
+            <a:r>
+              <a:rPr lang="en-US" dirty="0" smtClean="0"/>
+              <a:t>Elastically scalable</a:t>
+            </a:r>
+          </a:p>
+          <a:p>
+            <a:pPr lvl="1"/>
+            <a:r>
+              <a:rPr lang="en-US" dirty="0" smtClean="0"/>
+              <a:t>Supports clusters of </a:t>
+            </a:r>
+            <a:r>
+              <a:rPr lang="en-US" dirty="0" err="1" smtClean="0"/>
+              <a:t>co-ordinated</a:t>
+            </a:r>
+            <a:r>
+              <a:rPr lang="en-US" dirty="0" smtClean="0"/>
+              <a:t> consumers</a:t>
+            </a:r>
+          </a:p>
+          <a:p>
+            <a:pPr lvl="1"/>
+            <a:r>
+              <a:rPr lang="en-US" dirty="0" smtClean="0"/>
+              <a:t>Automatic re-election of leaders</a:t>
+            </a:r>
+            <a:endParaRPr lang="en-US" dirty="0"/>
+          </a:p>
+        </p:txBody>
+      </p:sp>
+    </p:spTree>
+    <p:extLst>
+      <p:ext uri="{BB962C8B-B14F-4D97-AF65-F5344CB8AC3E}">
+        <p14:creationId xmlns:p14="http://schemas.microsoft.com/office/powerpoint/2010/main" val="180127249"/>
+      </p:ext>
+    </p:extLst>
+  </p:cSld>
+  <p:clrMapOvr>
+    <a:masterClrMapping/>
+  </p:clrMapOvr>
+</p:sld>
+</file>
+
+<file path=ppt/slides/slide13.xml><?xml version="1.0" encoding="utf-8"?>
+<p:sld xmlns:a="http://schemas.openxmlformats.org/drawingml/2006/main" xmlns:r="http://schemas.openxmlformats.org/officeDocument/2006/relationships" xmlns:p="http://schemas.openxmlformats.org/presentationml/2006/main">
+  <p:cSld>
+    <p:spTree>
+      <p:nvGrpSpPr>
+        <p:cNvPr id="1" name=""/>
+        <p:cNvGrpSpPr/>
+        <p:nvPr/>
+      </p:nvGrpSpPr>
+      <p:grpSpPr>
+        <a:xfrm>
+          <a:off x="0" y="0"/>
+          <a:ext cx="0" cy="0"/>
+          <a:chOff x="0" y="0"/>
+          <a:chExt cx="0" cy="0"/>
+        </a:xfrm>
+      </p:grpSpPr>
+      <p:sp>
+        <p:nvSpPr>
+          <p:cNvPr id="2" name="Title 1"/>
+          <p:cNvSpPr>
+            <a:spLocks noGrp="1"/>
+          </p:cNvSpPr>
+          <p:nvPr>
+            <p:ph type="title"/>
+          </p:nvPr>
+        </p:nvSpPr>
+        <p:spPr/>
+        <p:txBody>
+          <a:bodyPr/>
+          <a:lstStyle/>
+          <a:p>
+            <a:r>
+              <a:rPr lang="en-US" dirty="0" err="1" smtClean="0"/>
+              <a:t>ZeroMQ</a:t>
+            </a:r>
+            <a:endParaRPr lang="en-US" dirty="0"/>
+          </a:p>
+        </p:txBody>
+      </p:sp>
+      <p:pic>
+        <p:nvPicPr>
+          <p:cNvPr id="4" name="Picture 3"/>
+          <p:cNvPicPr>
+            <a:picLocks noChangeAspect="1"/>
+          </p:cNvPicPr>
+          <p:nvPr/>
+        </p:nvPicPr>
+        <p:blipFill>
+          <a:blip r:embed="rId2"/>
+          <a:stretch>
+            <a:fillRect/>
+          </a:stretch>
+        </p:blipFill>
+        <p:spPr>
+          <a:xfrm>
+            <a:off x="2272940" y="1417638"/>
+            <a:ext cx="4496043" cy="4662563"/>
+          </a:xfrm>
+          <a:prstGeom prst="rect">
+            <a:avLst/>
+          </a:prstGeom>
+        </p:spPr>
+      </p:pic>
+    </p:spTree>
+    <p:extLst>
+      <p:ext uri="{BB962C8B-B14F-4D97-AF65-F5344CB8AC3E}">
+        <p14:creationId xmlns:p14="http://schemas.microsoft.com/office/powerpoint/2010/main" val="1665087071"/>
+      </p:ext>
+    </p:extLst>
+  </p:cSld>
+  <p:clrMapOvr>
+    <a:masterClrMapping/>
+  </p:clrMapOvr>
+</p:sld>
+</file>
+
+<file path=ppt/slides/slide14.xml><?xml version="1.0" encoding="utf-8"?>
+<p:sld xmlns:a="http://schemas.openxmlformats.org/drawingml/2006/main" xmlns:r="http://schemas.openxmlformats.org/officeDocument/2006/relationships" xmlns:p="http://schemas.openxmlformats.org/presentationml/2006/main">
+  <p:cSld>
+    <p:spTree>
+      <p:nvGrpSpPr>
+        <p:cNvPr id="1" name=""/>
+        <p:cNvGrpSpPr/>
+        <p:nvPr/>
+      </p:nvGrpSpPr>
+      <p:grpSpPr>
+        <a:xfrm>
+          <a:off x="0" y="0"/>
+          <a:ext cx="0" cy="0"/>
+          <a:chOff x="0" y="0"/>
+          <a:chExt cx="0" cy="0"/>
+        </a:xfrm>
+      </p:grpSpPr>
+      <p:sp>
+        <p:nvSpPr>
+          <p:cNvPr id="2" name="Title 1"/>
+          <p:cNvSpPr>
+            <a:spLocks noGrp="1"/>
+          </p:cNvSpPr>
+          <p:nvPr>
+            <p:ph type="title"/>
+          </p:nvPr>
+        </p:nvSpPr>
+        <p:spPr/>
+        <p:txBody>
+          <a:bodyPr/>
+          <a:lstStyle/>
+          <a:p>
+            <a:r>
+              <a:rPr lang="en-US" dirty="0" smtClean="0"/>
+              <a:t>Processing the data</a:t>
+            </a:r>
+            <a:endParaRPr lang="en-US" dirty="0"/>
+          </a:p>
+        </p:txBody>
+      </p:sp>
+    </p:spTree>
+    <p:extLst>
+      <p:ext uri="{BB962C8B-B14F-4D97-AF65-F5344CB8AC3E}">
+        <p14:creationId xmlns:p14="http://schemas.microsoft.com/office/powerpoint/2010/main" val="771996372"/>
+      </p:ext>
+    </p:extLst>
+  </p:cSld>
+  <p:clrMapOvr>
+    <a:masterClrMapping/>
+  </p:clrMapOvr>
+</p:sld>
+</file>
+
+<file path=ppt/slides/slide15.xml><?xml version="1.0" encoding="utf-8"?>
+<p:sld xmlns:a="http://schemas.openxmlformats.org/drawingml/2006/main" xmlns:r="http://schemas.openxmlformats.org/officeDocument/2006/relationships" xmlns:p="http://schemas.openxmlformats.org/presentationml/2006/main">
+  <p:cSld>
+    <p:spTree>
+      <p:nvGrpSpPr>
+        <p:cNvPr id="1" name=""/>
+        <p:cNvGrpSpPr/>
+        <p:nvPr/>
+      </p:nvGrpSpPr>
+      <p:grpSpPr>
+        <a:xfrm>
+          <a:off x="0" y="0"/>
+          <a:ext cx="0" cy="0"/>
+          <a:chOff x="0" y="0"/>
+          <a:chExt cx="0" cy="0"/>
+        </a:xfrm>
+      </p:grpSpPr>
+      <p:sp>
+        <p:nvSpPr>
+          <p:cNvPr id="2" name="Title 1"/>
+          <p:cNvSpPr>
+            <a:spLocks noGrp="1"/>
+          </p:cNvSpPr>
+          <p:nvPr>
+            <p:ph type="title"/>
+          </p:nvPr>
+        </p:nvSpPr>
+        <p:spPr/>
+        <p:txBody>
+          <a:bodyPr>
+            <a:normAutofit/>
+          </a:bodyPr>
+          <a:lstStyle/>
+          <a:p>
+            <a:pPr algn="l"/>
+            <a:r>
+              <a:rPr lang="en-US" dirty="0" smtClean="0"/>
+              <a:t>Apache Storm</a:t>
+            </a:r>
+            <a:endParaRPr lang="en-US" dirty="0"/>
+          </a:p>
+        </p:txBody>
+      </p:sp>
+      <p:sp>
+        <p:nvSpPr>
+          <p:cNvPr id="4" name="Oval 3"/>
+          <p:cNvSpPr/>
+          <p:nvPr/>
+        </p:nvSpPr>
+        <p:spPr>
+          <a:xfrm>
+            <a:off x="759268" y="2167501"/>
+            <a:ext cx="1780828" cy="952596"/>
+          </a:xfrm>
+          <a:prstGeom prst="ellipse">
+            <a:avLst/>
+          </a:prstGeom>
+        </p:spPr>
+        <p:style>
+          <a:lnRef idx="1">
+            <a:schemeClr val="accent1"/>
+          </a:lnRef>
+          <a:fillRef idx="3">
+            <a:schemeClr val="accent1"/>
+          </a:fillRef>
+          <a:effectRef idx="2">
+            <a:schemeClr val="accent1"/>
+          </a:effectRef>
+          <a:fontRef idx="minor">
+            <a:schemeClr val="lt1"/>
+          </a:fontRef>
+        </p:style>
+        <p:txBody>
+          <a:bodyPr rtlCol="0" anchor="ctr"/>
+          <a:lstStyle/>
+          <a:p>
+            <a:pPr algn="ctr"/>
+            <a:r>
+              <a:rPr lang="en-US" dirty="0" smtClean="0"/>
+              <a:t>Spout</a:t>
+            </a:r>
+            <a:endParaRPr lang="en-US" dirty="0"/>
+          </a:p>
+        </p:txBody>
+      </p:sp>
+      <p:sp>
+        <p:nvSpPr>
+          <p:cNvPr id="5" name="Oval 4"/>
+          <p:cNvSpPr/>
+          <p:nvPr/>
+        </p:nvSpPr>
+        <p:spPr>
+          <a:xfrm>
+            <a:off x="759268" y="4087035"/>
+            <a:ext cx="1780828" cy="952596"/>
+          </a:xfrm>
+          <a:prstGeom prst="ellipse">
+            <a:avLst/>
+          </a:prstGeom>
+        </p:spPr>
+        <p:style>
+          <a:lnRef idx="1">
+            <a:schemeClr val="accent1"/>
+          </a:lnRef>
+          <a:fillRef idx="3">
+            <a:schemeClr val="accent1"/>
+          </a:fillRef>
+          <a:effectRef idx="2">
+            <a:schemeClr val="accent1"/>
+          </a:effectRef>
+          <a:fontRef idx="minor">
+            <a:schemeClr val="lt1"/>
+          </a:fontRef>
+        </p:style>
+        <p:txBody>
+          <a:bodyPr rtlCol="0" anchor="ctr"/>
+          <a:lstStyle/>
+          <a:p>
+            <a:pPr algn="ctr"/>
+            <a:r>
+              <a:rPr lang="en-US" dirty="0" smtClean="0"/>
+              <a:t>Spout</a:t>
+            </a:r>
+            <a:endParaRPr lang="en-US" dirty="0"/>
+          </a:p>
+        </p:txBody>
+      </p:sp>
+      <p:sp>
+        <p:nvSpPr>
+          <p:cNvPr id="6" name="Rounded Rectangle 5"/>
+          <p:cNvSpPr/>
+          <p:nvPr/>
+        </p:nvSpPr>
+        <p:spPr>
+          <a:xfrm>
+            <a:off x="3534047" y="2126083"/>
+            <a:ext cx="2222584" cy="1049236"/>
+          </a:xfrm>
+          <a:prstGeom prst="roundRect">
+            <a:avLst/>
+          </a:prstGeom>
+        </p:spPr>
+        <p:style>
+          <a:lnRef idx="1">
+            <a:schemeClr val="accent1"/>
+          </a:lnRef>
+          <a:fillRef idx="3">
+            <a:schemeClr val="accent1"/>
+          </a:fillRef>
+          <a:effectRef idx="2">
+            <a:schemeClr val="accent1"/>
+          </a:effectRef>
+          <a:fontRef idx="minor">
+            <a:schemeClr val="lt1"/>
+          </a:fontRef>
+        </p:style>
+        <p:txBody>
+          <a:bodyPr rtlCol="0" anchor="ctr"/>
+          <a:lstStyle/>
+          <a:p>
+            <a:pPr algn="ctr"/>
+            <a:r>
+              <a:rPr lang="en-US" dirty="0" smtClean="0"/>
+              <a:t>Bolt</a:t>
+            </a:r>
+            <a:endParaRPr lang="en-US" dirty="0"/>
+          </a:p>
+        </p:txBody>
+      </p:sp>
+      <p:cxnSp>
+        <p:nvCxnSpPr>
+          <p:cNvPr id="8" name="Straight Arrow Connector 7"/>
+          <p:cNvCxnSpPr>
+            <a:stCxn id="4" idx="6"/>
+            <a:endCxn id="6" idx="1"/>
+          </p:cNvCxnSpPr>
+          <p:nvPr/>
+        </p:nvCxnSpPr>
+        <p:spPr>
+          <a:xfrm>
+            <a:off x="2540096" y="2643799"/>
+            <a:ext cx="993951" cy="6902"/>
+          </a:xfrm>
+          <a:prstGeom prst="straightConnector1">
+            <a:avLst/>
+          </a:prstGeom>
+          <a:ln>
+            <a:tailEnd type="arrow"/>
+          </a:ln>
+        </p:spPr>
+        <p:style>
+          <a:lnRef idx="2">
+            <a:schemeClr val="accent1"/>
+          </a:lnRef>
+          <a:fillRef idx="0">
+            <a:schemeClr val="accent1"/>
+          </a:fillRef>
+          <a:effectRef idx="1">
+            <a:schemeClr val="accent1"/>
+          </a:effectRef>
+          <a:fontRef idx="minor">
+            <a:schemeClr val="tx1"/>
+          </a:fontRef>
+        </p:style>
+      </p:cxnSp>
+      <p:sp>
+        <p:nvSpPr>
+          <p:cNvPr id="11" name="Rounded Rectangle 10"/>
+          <p:cNvSpPr/>
+          <p:nvPr/>
+        </p:nvSpPr>
+        <p:spPr>
+          <a:xfrm>
+            <a:off x="6616070" y="3037799"/>
+            <a:ext cx="2222584" cy="1049236"/>
+          </a:xfrm>
+          <a:prstGeom prst="roundRect">
+            <a:avLst/>
+          </a:prstGeom>
+        </p:spPr>
+        <p:style>
+          <a:lnRef idx="1">
+            <a:schemeClr val="accent1"/>
+          </a:lnRef>
+          <a:fillRef idx="3">
+            <a:schemeClr val="accent1"/>
+          </a:fillRef>
+          <a:effectRef idx="2">
+            <a:schemeClr val="accent1"/>
+          </a:effectRef>
+          <a:fontRef idx="minor">
+            <a:schemeClr val="lt1"/>
+          </a:fontRef>
+        </p:style>
+        <p:txBody>
+          <a:bodyPr rtlCol="0" anchor="ctr"/>
+          <a:lstStyle/>
+          <a:p>
+            <a:pPr algn="ctr"/>
+            <a:r>
+              <a:rPr lang="en-US" dirty="0" smtClean="0"/>
+              <a:t>Bolt</a:t>
+            </a:r>
+            <a:endParaRPr lang="en-US" dirty="0"/>
+          </a:p>
+        </p:txBody>
+      </p:sp>
+      <p:cxnSp>
+        <p:nvCxnSpPr>
+          <p:cNvPr id="13" name="Straight Arrow Connector 12"/>
+          <p:cNvCxnSpPr>
+            <a:stCxn id="5" idx="7"/>
+            <a:endCxn id="6" idx="1"/>
+          </p:cNvCxnSpPr>
+          <p:nvPr/>
+        </p:nvCxnSpPr>
+        <p:spPr>
+          <a:xfrm flipV="1">
+            <a:off x="2279300" y="2650701"/>
+            <a:ext cx="1254747" cy="1575838"/>
+          </a:xfrm>
+          <a:prstGeom prst="straightConnector1">
+            <a:avLst/>
+          </a:prstGeom>
+          <a:ln>
+            <a:tailEnd type="arrow"/>
+          </a:ln>
+        </p:spPr>
+        <p:style>
+          <a:lnRef idx="2">
+            <a:schemeClr val="accent1"/>
+          </a:lnRef>
+          <a:fillRef idx="0">
+            <a:schemeClr val="accent1"/>
+          </a:fillRef>
+          <a:effectRef idx="1">
+            <a:schemeClr val="accent1"/>
+          </a:effectRef>
+          <a:fontRef idx="minor">
+            <a:schemeClr val="tx1"/>
+          </a:fontRef>
+        </p:style>
+      </p:cxnSp>
+      <p:sp>
+        <p:nvSpPr>
+          <p:cNvPr id="14" name="Rounded Rectangle 13"/>
+          <p:cNvSpPr/>
+          <p:nvPr/>
+        </p:nvSpPr>
+        <p:spPr>
+          <a:xfrm>
+            <a:off x="3534047" y="4031811"/>
+            <a:ext cx="2222584" cy="1049236"/>
+          </a:xfrm>
+          <a:prstGeom prst="roundRect">
+            <a:avLst/>
+          </a:prstGeom>
+        </p:spPr>
+        <p:style>
+          <a:lnRef idx="1">
+            <a:schemeClr val="accent1"/>
+          </a:lnRef>
+          <a:fillRef idx="3">
+            <a:schemeClr val="accent1"/>
+          </a:fillRef>
+          <a:effectRef idx="2">
+            <a:schemeClr val="accent1"/>
+          </a:effectRef>
+          <a:fontRef idx="minor">
+            <a:schemeClr val="lt1"/>
+          </a:fontRef>
+        </p:style>
+        <p:txBody>
+          <a:bodyPr rtlCol="0" anchor="ctr"/>
+          <a:lstStyle/>
+          <a:p>
+            <a:pPr algn="ctr"/>
+            <a:r>
+              <a:rPr lang="en-US" dirty="0" smtClean="0"/>
+              <a:t>Bolt</a:t>
+            </a:r>
+            <a:endParaRPr lang="en-US" dirty="0"/>
+          </a:p>
+        </p:txBody>
+      </p:sp>
+      <p:cxnSp>
+        <p:nvCxnSpPr>
+          <p:cNvPr id="15" name="Straight Arrow Connector 14"/>
+          <p:cNvCxnSpPr>
+            <a:stCxn id="5" idx="6"/>
+            <a:endCxn id="14" idx="1"/>
+          </p:cNvCxnSpPr>
+          <p:nvPr/>
+        </p:nvCxnSpPr>
+        <p:spPr>
+          <a:xfrm flipV="1">
+            <a:off x="2540096" y="4556429"/>
+            <a:ext cx="993951" cy="6904"/>
+          </a:xfrm>
+          <a:prstGeom prst="straightConnector1">
+            <a:avLst/>
+          </a:prstGeom>
+          <a:ln>
+            <a:tailEnd type="arrow"/>
+          </a:ln>
+        </p:spPr>
+        <p:style>
+          <a:lnRef idx="2">
+            <a:schemeClr val="accent1"/>
+          </a:lnRef>
+          <a:fillRef idx="0">
+            <a:schemeClr val="accent1"/>
+          </a:fillRef>
+          <a:effectRef idx="1">
+            <a:schemeClr val="accent1"/>
+          </a:effectRef>
+          <a:fontRef idx="minor">
+            <a:schemeClr val="tx1"/>
+          </a:fontRef>
+        </p:style>
+      </p:cxnSp>
+      <p:cxnSp>
+        <p:nvCxnSpPr>
+          <p:cNvPr id="18" name="Straight Arrow Connector 17"/>
+          <p:cNvCxnSpPr>
+            <a:stCxn id="6" idx="3"/>
+            <a:endCxn id="11" idx="1"/>
+          </p:cNvCxnSpPr>
+          <p:nvPr/>
+        </p:nvCxnSpPr>
+        <p:spPr>
+          <a:xfrm>
+            <a:off x="5756631" y="2650701"/>
+            <a:ext cx="859439" cy="911716"/>
+          </a:xfrm>
+          <a:prstGeom prst="straightConnector1">
+            <a:avLst/>
+          </a:prstGeom>
+          <a:ln>
+            <a:tailEnd type="arrow"/>
+          </a:ln>
+        </p:spPr>
+        <p:style>
+          <a:lnRef idx="2">
+            <a:schemeClr val="accent1"/>
+          </a:lnRef>
+          <a:fillRef idx="0">
+            <a:schemeClr val="accent1"/>
+          </a:fillRef>
+          <a:effectRef idx="1">
+            <a:schemeClr val="accent1"/>
+          </a:effectRef>
+          <a:fontRef idx="minor">
+            <a:schemeClr val="tx1"/>
+          </a:fontRef>
+        </p:style>
+      </p:cxnSp>
+      <p:cxnSp>
+        <p:nvCxnSpPr>
+          <p:cNvPr id="21" name="Straight Arrow Connector 20"/>
+          <p:cNvCxnSpPr>
+            <a:endCxn id="11" idx="1"/>
+          </p:cNvCxnSpPr>
+          <p:nvPr/>
+        </p:nvCxnSpPr>
+        <p:spPr>
+          <a:xfrm flipV="1">
+            <a:off x="5756631" y="3562417"/>
+            <a:ext cx="859439" cy="994012"/>
+          </a:xfrm>
+          <a:prstGeom prst="straightConnector1">
+            <a:avLst/>
+          </a:prstGeom>
+          <a:ln>
+            <a:tailEnd type="arrow"/>
+          </a:ln>
+        </p:spPr>
+        <p:style>
+          <a:lnRef idx="2">
+            <a:schemeClr val="accent1"/>
+          </a:lnRef>
+          <a:fillRef idx="0">
+            <a:schemeClr val="accent1"/>
+          </a:fillRef>
+          <a:effectRef idx="1">
+            <a:schemeClr val="accent1"/>
+          </a:effectRef>
+          <a:fontRef idx="minor">
+            <a:schemeClr val="tx1"/>
+          </a:fontRef>
+        </p:style>
+      </p:cxnSp>
+      <p:pic>
+        <p:nvPicPr>
+          <p:cNvPr id="3" name="Picture 2"/>
+          <p:cNvPicPr>
+            <a:picLocks noChangeAspect="1"/>
+          </p:cNvPicPr>
+          <p:nvPr/>
+        </p:nvPicPr>
+        <p:blipFill>
+          <a:blip r:embed="rId2"/>
+          <a:stretch>
+            <a:fillRect/>
+          </a:stretch>
+        </p:blipFill>
+        <p:spPr>
+          <a:xfrm>
+            <a:off x="5206112" y="274638"/>
+            <a:ext cx="3238500" cy="1016000"/>
+          </a:xfrm>
+          <a:prstGeom prst="rect">
+            <a:avLst/>
+          </a:prstGeom>
+        </p:spPr>
+      </p:pic>
+      <p:sp>
+        <p:nvSpPr>
+          <p:cNvPr id="7" name="TextBox 6"/>
+          <p:cNvSpPr txBox="1"/>
+          <p:nvPr/>
+        </p:nvSpPr>
+        <p:spPr>
+          <a:xfrm>
+            <a:off x="1111550" y="5453576"/>
+            <a:ext cx="2581656" cy="461665"/>
+          </a:xfrm>
+          <a:prstGeom prst="rect">
+            <a:avLst/>
+          </a:prstGeom>
+          <a:noFill/>
+        </p:spPr>
+        <p:txBody>
+          <a:bodyPr wrap="none" rtlCol="0">
+            <a:spAutoFit/>
+          </a:bodyPr>
+          <a:lstStyle/>
+          <a:p>
+            <a:r>
+              <a:rPr lang="en-US" sz="2400" dirty="0" smtClean="0"/>
+              <a:t>Note: another DAG</a:t>
+            </a:r>
+            <a:endParaRPr lang="en-US" sz="2400" dirty="0"/>
+          </a:p>
+        </p:txBody>
+      </p:sp>
+    </p:spTree>
+    <p:extLst>
+      <p:ext uri="{BB962C8B-B14F-4D97-AF65-F5344CB8AC3E}">
+        <p14:creationId xmlns:p14="http://schemas.microsoft.com/office/powerpoint/2010/main" val="1116221911"/>
+      </p:ext>
+    </p:extLst>
+  </p:cSld>
+  <p:clrMapOvr>
+    <a:masterClrMapping/>
+  </p:clrMapOvr>
+</p:sld>
+</file>
+
+<file path=ppt/slides/slide16.xml><?xml version="1.0" encoding="utf-8"?>
+<p:sld xmlns:a="http://schemas.openxmlformats.org/drawingml/2006/main" xmlns:r="http://schemas.openxmlformats.org/officeDocument/2006/relationships" xmlns:p="http://schemas.openxmlformats.org/presentationml/2006/main">
+  <p:cSld>
+    <p:spTree>
+      <p:nvGrpSpPr>
+        <p:cNvPr id="1" name=""/>
+        <p:cNvGrpSpPr/>
+        <p:nvPr/>
+      </p:nvGrpSpPr>
+      <p:grpSpPr>
+        <a:xfrm>
+          <a:off x="0" y="0"/>
+          <a:ext cx="0" cy="0"/>
+          <a:chOff x="0" y="0"/>
+          <a:chExt cx="0" cy="0"/>
+        </a:xfrm>
+      </p:grpSpPr>
+      <p:sp>
+        <p:nvSpPr>
+          <p:cNvPr id="2" name="Title 1"/>
+          <p:cNvSpPr>
+            <a:spLocks noGrp="1"/>
+          </p:cNvSpPr>
+          <p:nvPr>
+            <p:ph type="title"/>
+          </p:nvPr>
+        </p:nvSpPr>
+        <p:spPr/>
+        <p:txBody>
+          <a:bodyPr/>
+          <a:lstStyle/>
+          <a:p>
+            <a:r>
+              <a:rPr lang="en-US" dirty="0" smtClean="0"/>
               <a:t>Apache Storm</a:t>
             </a:r>
             <a:endParaRPr lang="en-US" dirty="0"/>
@@ -4303,7 +5273,7 @@
 </p:sld>
 </file>
 
-<file path=ppt/slides/slide11.xml><?xml version="1.0" encoding="utf-8"?>
+<file path=ppt/slides/slide17.xml><?xml version="1.0" encoding="utf-8"?>
 <p:sld xmlns:a="http://schemas.openxmlformats.org/drawingml/2006/main" xmlns:r="http://schemas.openxmlformats.org/officeDocument/2006/relationships" xmlns:p="http://schemas.openxmlformats.org/presentationml/2006/main">
   <p:cSld>
     <p:spTree>
@@ -4389,7 +5359,7 @@
 </p:sld>
 </file>
 
-<file path=ppt/slides/slide12.xml><?xml version="1.0" encoding="utf-8"?>
+<file path=ppt/slides/slide18.xml><?xml version="1.0" encoding="utf-8"?>
 <p:sld xmlns:a="http://schemas.openxmlformats.org/drawingml/2006/main" xmlns:r="http://schemas.openxmlformats.org/officeDocument/2006/relationships" xmlns:p="http://schemas.openxmlformats.org/presentationml/2006/main">
   <p:cSld>
     <p:spTree>
@@ -4538,7 +5508,7 @@
 </p:sld>
 </file>
 
-<file path=ppt/slides/slide13.xml><?xml version="1.0" encoding="utf-8"?>
+<file path=ppt/slides/slide19.xml><?xml version="1.0" encoding="utf-8"?>
 <p:sld xmlns:a="http://schemas.openxmlformats.org/drawingml/2006/main" xmlns:r="http://schemas.openxmlformats.org/officeDocument/2006/relationships" xmlns:p="http://schemas.openxmlformats.org/presentationml/2006/main">
   <p:cSld>
     <p:spTree>
@@ -4738,7 +5708,86 @@
 </p:sld>
 </file>
 
-<file path=ppt/slides/slide14.xml><?xml version="1.0" encoding="utf-8"?>
+<file path=ppt/slides/slide2.xml><?xml version="1.0" encoding="utf-8"?>
+<p:sld xmlns:a="http://schemas.openxmlformats.org/drawingml/2006/main" xmlns:r="http://schemas.openxmlformats.org/officeDocument/2006/relationships" xmlns:p="http://schemas.openxmlformats.org/presentationml/2006/main">
+  <p:cSld>
+    <p:spTree>
+      <p:nvGrpSpPr>
+        <p:cNvPr id="1" name=""/>
+        <p:cNvGrpSpPr/>
+        <p:nvPr/>
+      </p:nvGrpSpPr>
+      <p:grpSpPr>
+        <a:xfrm>
+          <a:off x="0" y="0"/>
+          <a:ext cx="0" cy="0"/>
+          <a:chOff x="0" y="0"/>
+          <a:chExt cx="0" cy="0"/>
+        </a:xfrm>
+      </p:grpSpPr>
+      <p:sp>
+        <p:nvSpPr>
+          <p:cNvPr id="2" name="Title 1"/>
+          <p:cNvSpPr>
+            <a:spLocks noGrp="1"/>
+          </p:cNvSpPr>
+          <p:nvPr>
+            <p:ph type="title"/>
+          </p:nvPr>
+        </p:nvSpPr>
+        <p:spPr/>
+        <p:txBody>
+          <a:bodyPr>
+            <a:normAutofit/>
+          </a:bodyPr>
+          <a:lstStyle/>
+          <a:p>
+            <a:r>
+              <a:rPr lang="en-US" sz="3600" dirty="0" smtClean="0"/>
+              <a:t>Recap on the Lambda Architecture</a:t>
+            </a:r>
+            <a:endParaRPr lang="en-US" sz="3600" dirty="0"/>
+          </a:p>
+        </p:txBody>
+      </p:sp>
+      <p:pic>
+        <p:nvPicPr>
+          <p:cNvPr id="4" name="Picture 3"/>
+          <p:cNvPicPr>
+            <a:picLocks noChangeAspect="1"/>
+          </p:cNvPicPr>
+          <p:nvPr/>
+        </p:nvPicPr>
+        <p:blipFill>
+          <a:blip r:embed="rId2"/>
+          <a:stretch>
+            <a:fillRect/>
+          </a:stretch>
+        </p:blipFill>
+        <p:spPr>
+          <a:xfrm>
+            <a:off x="293064" y="1417638"/>
+            <a:ext cx="8561154" cy="4231563"/>
+          </a:xfrm>
+          <a:prstGeom prst="rect">
+            <a:avLst/>
+          </a:prstGeom>
+        </p:spPr>
+      </p:pic>
+    </p:spTree>
+    <p:extLst>
+      <p:ext uri="{BB962C8B-B14F-4D97-AF65-F5344CB8AC3E}">
+        <p14:creationId xmlns:p14="http://schemas.microsoft.com/office/powerpoint/2010/main" val="3950129757"/>
+      </p:ext>
+    </p:extLst>
+  </p:cSld>
+  <p:clrMapOvr>
+    <a:masterClrMapping/>
+  </p:clrMapOvr>
+</p:sld>
+</file>
+
+<file path=ppt/slides/slide20.xml><?xml version="1.0" encoding="utf-8"?>
 <p:sld xmlns:a="http://schemas.openxmlformats.org/drawingml/2006/main" xmlns:r="http://schemas.openxmlformats.org/officeDocument/2006/relationships" xmlns:p="http://schemas.openxmlformats.org/presentationml/2006/main">
   <p:cSld>
     <p:spTree>
@@ -4839,7 +5888,7 @@
 </p:sld>
 </file>
 
-<file path=ppt/slides/slide15.xml><?xml version="1.0" encoding="utf-8"?>
+<file path=ppt/slides/slide21.xml><?xml version="1.0" encoding="utf-8"?>
 <p:sld xmlns:a="http://schemas.openxmlformats.org/drawingml/2006/main" xmlns:r="http://schemas.openxmlformats.org/officeDocument/2006/relationships" xmlns:p="http://schemas.openxmlformats.org/presentationml/2006/main">
   <p:cSld>
     <p:spTree>
@@ -4929,7 +5978,7 @@
 </p:sld>
 </file>
 
-<file path=ppt/slides/slide16.xml><?xml version="1.0" encoding="utf-8"?>
+<file path=ppt/slides/slide22.xml><?xml version="1.0" encoding="utf-8"?>
 <p:sld xmlns:a="http://schemas.openxmlformats.org/drawingml/2006/main" xmlns:r="http://schemas.openxmlformats.org/officeDocument/2006/relationships" xmlns:p="http://schemas.openxmlformats.org/presentationml/2006/main">
   <p:cSld>
     <p:spTree>
@@ -5010,7 +6059,7 @@
 </p:sld>
 </file>
 
-<file path=ppt/slides/slide17.xml><?xml version="1.0" encoding="utf-8"?>
+<file path=ppt/slides/slide23.xml><?xml version="1.0" encoding="utf-8"?>
 <p:sld xmlns:a="http://schemas.openxmlformats.org/drawingml/2006/main" xmlns:r="http://schemas.openxmlformats.org/officeDocument/2006/relationships" xmlns:p="http://schemas.openxmlformats.org/presentationml/2006/main">
   <p:cSld>
     <p:spTree>
@@ -5148,7 +6197,7 @@
 </p:sld>
 </file>
 
-<file path=ppt/slides/slide18.xml><?xml version="1.0" encoding="utf-8"?>
+<file path=ppt/slides/slide24.xml><?xml version="1.0" encoding="utf-8"?>
 <p:sld xmlns:a="http://schemas.openxmlformats.org/drawingml/2006/main" xmlns:r="http://schemas.openxmlformats.org/officeDocument/2006/relationships" xmlns:p="http://schemas.openxmlformats.org/presentationml/2006/main">
   <p:cSld>
     <p:spTree>
@@ -5280,7 +6329,7 @@
 </p:sld>
 </file>
 
-<file path=ppt/slides/slide19.xml><?xml version="1.0" encoding="utf-8"?>
+<file path=ppt/slides/slide25.xml><?xml version="1.0" encoding="utf-8"?>
 <p:sld xmlns:a="http://schemas.openxmlformats.org/drawingml/2006/main" xmlns:r="http://schemas.openxmlformats.org/officeDocument/2006/relationships" xmlns:p="http://schemas.openxmlformats.org/presentationml/2006/main">
   <p:cSld>
     <p:spTree>
@@ -5416,86 +6465,7 @@
 </p:sld>
 </file>
 
-<file path=ppt/slides/slide2.xml><?xml version="1.0" encoding="utf-8"?>
-<p:sld xmlns:a="http://schemas.openxmlformats.org/drawingml/2006/main" xmlns:r="http://schemas.openxmlformats.org/officeDocument/2006/relationships" xmlns:p="http://schemas.openxmlformats.org/presentationml/2006/main">
-  <p:cSld>
-    <p:spTree>
-      <p:nvGrpSpPr>
-        <p:cNvPr id="1" name=""/>
-        <p:cNvGrpSpPr/>
-        <p:nvPr/>
-      </p:nvGrpSpPr>
-      <p:grpSpPr>
-        <a:xfrm>
-          <a:off x="0" y="0"/>
-          <a:ext cx="0" cy="0"/>
-          <a:chOff x="0" y="0"/>
-          <a:chExt cx="0" cy="0"/>
-        </a:xfrm>
-      </p:grpSpPr>
-      <p:sp>
-        <p:nvSpPr>
-          <p:cNvPr id="2" name="Title 1"/>
-          <p:cNvSpPr>
-            <a:spLocks noGrp="1"/>
-          </p:cNvSpPr>
-          <p:nvPr>
-            <p:ph type="title"/>
-          </p:nvPr>
-        </p:nvSpPr>
-        <p:spPr/>
-        <p:txBody>
-          <a:bodyPr>
-            <a:normAutofit/>
-          </a:bodyPr>
-          <a:lstStyle/>
-          <a:p>
-            <a:r>
-              <a:rPr lang="en-US" sz="3600" dirty="0" smtClean="0"/>
-              <a:t>Recap on the Lambda Architecture</a:t>
-            </a:r>
-            <a:endParaRPr lang="en-US" sz="3600" dirty="0"/>
-          </a:p>
-        </p:txBody>
-      </p:sp>
-      <p:pic>
-        <p:nvPicPr>
-          <p:cNvPr id="4" name="Picture 3"/>
-          <p:cNvPicPr>
-            <a:picLocks noChangeAspect="1"/>
-          </p:cNvPicPr>
-          <p:nvPr/>
-        </p:nvPicPr>
-        <p:blipFill>
-          <a:blip r:embed="rId2"/>
-          <a:stretch>
-            <a:fillRect/>
-          </a:stretch>
-        </p:blipFill>
-        <p:spPr>
-          <a:xfrm>
-            <a:off x="293064" y="1417638"/>
-            <a:ext cx="8561154" cy="4231563"/>
-          </a:xfrm>
-          <a:prstGeom prst="rect">
-            <a:avLst/>
-          </a:prstGeom>
-        </p:spPr>
-      </p:pic>
-    </p:spTree>
-    <p:extLst>
-      <p:ext uri="{BB962C8B-B14F-4D97-AF65-F5344CB8AC3E}">
-        <p14:creationId xmlns:p14="http://schemas.microsoft.com/office/powerpoint/2010/main" val="3950129757"/>
-      </p:ext>
-    </p:extLst>
-  </p:cSld>
-  <p:clrMapOvr>
-    <a:masterClrMapping/>
-  </p:clrMapOvr>
-</p:sld>
-</file>
-
-<file path=ppt/slides/slide20.xml><?xml version="1.0" encoding="utf-8"?>
+<file path=ppt/slides/slide26.xml><?xml version="1.0" encoding="utf-8"?>
 <p:sld xmlns:a="http://schemas.openxmlformats.org/drawingml/2006/main" xmlns:r="http://schemas.openxmlformats.org/officeDocument/2006/relationships" xmlns:p="http://schemas.openxmlformats.org/presentationml/2006/main">
   <p:cSld>
     <p:spTree>
@@ -8169,15 +9139,12 @@
         </p:nvSpPr>
         <p:spPr/>
         <p:txBody>
-          <a:bodyPr>
-            <a:normAutofit/>
-          </a:bodyPr>
+          <a:bodyPr/>
           <a:lstStyle/>
           <a:p>
-            <a:pPr algn="l"/>
-            <a:r>
-              <a:rPr lang="en-US" dirty="0" smtClean="0"/>
-              <a:t>Apache Storm</a:t>
+            <a:r>
+              <a:rPr lang="en-US" dirty="0" smtClean="0"/>
+              <a:t>Data distribution</a:t>
             </a:r>
             <a:endParaRPr lang="en-US" dirty="0"/>
           </a:p>
@@ -8185,451 +9152,31 @@
       </p:sp>
       <p:sp>
         <p:nvSpPr>
-          <p:cNvPr id="4" name="Oval 3"/>
-          <p:cNvSpPr/>
-          <p:nvPr/>
-        </p:nvSpPr>
-        <p:spPr>
-          <a:xfrm>
-            <a:off x="759268" y="2167501"/>
-            <a:ext cx="1780828" cy="952596"/>
-          </a:xfrm>
-          <a:prstGeom prst="ellipse">
-            <a:avLst/>
-          </a:prstGeom>
-        </p:spPr>
-        <p:style>
-          <a:lnRef idx="1">
-            <a:schemeClr val="accent1"/>
-          </a:lnRef>
-          <a:fillRef idx="3">
-            <a:schemeClr val="accent1"/>
-          </a:fillRef>
-          <a:effectRef idx="2">
-            <a:schemeClr val="accent1"/>
-          </a:effectRef>
-          <a:fontRef idx="minor">
-            <a:schemeClr val="lt1"/>
-          </a:fontRef>
-        </p:style>
-        <p:txBody>
-          <a:bodyPr rtlCol="0" anchor="ctr"/>
+          <p:cNvPr id="3" name="Content Placeholder 2"/>
+          <p:cNvSpPr>
+            <a:spLocks noGrp="1"/>
+          </p:cNvSpPr>
+          <p:nvPr>
+            <p:ph idx="1"/>
+          </p:nvPr>
+        </p:nvSpPr>
+        <p:spPr/>
+        <p:txBody>
+          <a:bodyPr/>
           <a:lstStyle/>
           <a:p>
-            <a:pPr algn="ctr"/>
-            <a:r>
-              <a:rPr lang="en-US" dirty="0" smtClean="0"/>
-              <a:t>Spout</a:t>
+            <a:r>
+              <a:rPr lang="en-US" dirty="0" smtClean="0"/>
+              <a:t>You need to get the events to the processing systems</a:t>
             </a:r>
             <a:endParaRPr lang="en-US" dirty="0"/>
-          </a:p>
-        </p:txBody>
-      </p:sp>
-      <p:sp>
-        <p:nvSpPr>
-          <p:cNvPr id="5" name="Oval 4"/>
-          <p:cNvSpPr/>
-          <p:nvPr/>
-        </p:nvSpPr>
-        <p:spPr>
-          <a:xfrm>
-            <a:off x="759268" y="4087035"/>
-            <a:ext cx="1780828" cy="952596"/>
-          </a:xfrm>
-          <a:prstGeom prst="ellipse">
-            <a:avLst/>
-          </a:prstGeom>
-        </p:spPr>
-        <p:style>
-          <a:lnRef idx="1">
-            <a:schemeClr val="accent1"/>
-          </a:lnRef>
-          <a:fillRef idx="3">
-            <a:schemeClr val="accent1"/>
-          </a:fillRef>
-          <a:effectRef idx="2">
-            <a:schemeClr val="accent1"/>
-          </a:effectRef>
-          <a:fontRef idx="minor">
-            <a:schemeClr val="lt1"/>
-          </a:fontRef>
-        </p:style>
-        <p:txBody>
-          <a:bodyPr rtlCol="0" anchor="ctr"/>
-          <a:lstStyle/>
-          <a:p>
-            <a:pPr algn="ctr"/>
-            <a:r>
-              <a:rPr lang="en-US" dirty="0" smtClean="0"/>
-              <a:t>Spout</a:t>
-            </a:r>
-            <a:endParaRPr lang="en-US" dirty="0"/>
-          </a:p>
-        </p:txBody>
-      </p:sp>
-      <p:sp>
-        <p:nvSpPr>
-          <p:cNvPr id="6" name="Rounded Rectangle 5"/>
-          <p:cNvSpPr/>
-          <p:nvPr/>
-        </p:nvSpPr>
-        <p:spPr>
-          <a:xfrm>
-            <a:off x="3534047" y="2126083"/>
-            <a:ext cx="2222584" cy="1049236"/>
-          </a:xfrm>
-          <a:prstGeom prst="roundRect">
-            <a:avLst/>
-          </a:prstGeom>
-        </p:spPr>
-        <p:style>
-          <a:lnRef idx="1">
-            <a:schemeClr val="accent1"/>
-          </a:lnRef>
-          <a:fillRef idx="3">
-            <a:schemeClr val="accent1"/>
-          </a:fillRef>
-          <a:effectRef idx="2">
-            <a:schemeClr val="accent1"/>
-          </a:effectRef>
-          <a:fontRef idx="minor">
-            <a:schemeClr val="lt1"/>
-          </a:fontRef>
-        </p:style>
-        <p:txBody>
-          <a:bodyPr rtlCol="0" anchor="ctr"/>
-          <a:lstStyle/>
-          <a:p>
-            <a:pPr algn="ctr"/>
-            <a:r>
-              <a:rPr lang="en-US" dirty="0" smtClean="0"/>
-              <a:t>Bolt</a:t>
-            </a:r>
-            <a:endParaRPr lang="en-US" dirty="0"/>
-          </a:p>
-        </p:txBody>
-      </p:sp>
-      <p:cxnSp>
-        <p:nvCxnSpPr>
-          <p:cNvPr id="8" name="Straight Arrow Connector 7"/>
-          <p:cNvCxnSpPr>
-            <a:stCxn id="4" idx="6"/>
-            <a:endCxn id="6" idx="1"/>
-          </p:cNvCxnSpPr>
-          <p:nvPr/>
-        </p:nvCxnSpPr>
-        <p:spPr>
-          <a:xfrm>
-            <a:off x="2540096" y="2643799"/>
-            <a:ext cx="993951" cy="6902"/>
-          </a:xfrm>
-          <a:prstGeom prst="straightConnector1">
-            <a:avLst/>
-          </a:prstGeom>
-          <a:ln>
-            <a:tailEnd type="arrow"/>
-          </a:ln>
-        </p:spPr>
-        <p:style>
-          <a:lnRef idx="2">
-            <a:schemeClr val="accent1"/>
-          </a:lnRef>
-          <a:fillRef idx="0">
-            <a:schemeClr val="accent1"/>
-          </a:fillRef>
-          <a:effectRef idx="1">
-            <a:schemeClr val="accent1"/>
-          </a:effectRef>
-          <a:fontRef idx="minor">
-            <a:schemeClr val="tx1"/>
-          </a:fontRef>
-        </p:style>
-      </p:cxnSp>
-      <p:sp>
-        <p:nvSpPr>
-          <p:cNvPr id="11" name="Rounded Rectangle 10"/>
-          <p:cNvSpPr/>
-          <p:nvPr/>
-        </p:nvSpPr>
-        <p:spPr>
-          <a:xfrm>
-            <a:off x="6616070" y="3037799"/>
-            <a:ext cx="2222584" cy="1049236"/>
-          </a:xfrm>
-          <a:prstGeom prst="roundRect">
-            <a:avLst/>
-          </a:prstGeom>
-        </p:spPr>
-        <p:style>
-          <a:lnRef idx="1">
-            <a:schemeClr val="accent1"/>
-          </a:lnRef>
-          <a:fillRef idx="3">
-            <a:schemeClr val="accent1"/>
-          </a:fillRef>
-          <a:effectRef idx="2">
-            <a:schemeClr val="accent1"/>
-          </a:effectRef>
-          <a:fontRef idx="minor">
-            <a:schemeClr val="lt1"/>
-          </a:fontRef>
-        </p:style>
-        <p:txBody>
-          <a:bodyPr rtlCol="0" anchor="ctr"/>
-          <a:lstStyle/>
-          <a:p>
-            <a:pPr algn="ctr"/>
-            <a:r>
-              <a:rPr lang="en-US" dirty="0" smtClean="0"/>
-              <a:t>Bolt</a:t>
-            </a:r>
-            <a:endParaRPr lang="en-US" dirty="0"/>
-          </a:p>
-        </p:txBody>
-      </p:sp>
-      <p:cxnSp>
-        <p:nvCxnSpPr>
-          <p:cNvPr id="13" name="Straight Arrow Connector 12"/>
-          <p:cNvCxnSpPr>
-            <a:stCxn id="5" idx="7"/>
-            <a:endCxn id="6" idx="1"/>
-          </p:cNvCxnSpPr>
-          <p:nvPr/>
-        </p:nvCxnSpPr>
-        <p:spPr>
-          <a:xfrm flipV="1">
-            <a:off x="2279300" y="2650701"/>
-            <a:ext cx="1254747" cy="1575838"/>
-          </a:xfrm>
-          <a:prstGeom prst="straightConnector1">
-            <a:avLst/>
-          </a:prstGeom>
-          <a:ln>
-            <a:tailEnd type="arrow"/>
-          </a:ln>
-        </p:spPr>
-        <p:style>
-          <a:lnRef idx="2">
-            <a:schemeClr val="accent1"/>
-          </a:lnRef>
-          <a:fillRef idx="0">
-            <a:schemeClr val="accent1"/>
-          </a:fillRef>
-          <a:effectRef idx="1">
-            <a:schemeClr val="accent1"/>
-          </a:effectRef>
-          <a:fontRef idx="minor">
-            <a:schemeClr val="tx1"/>
-          </a:fontRef>
-        </p:style>
-      </p:cxnSp>
-      <p:sp>
-        <p:nvSpPr>
-          <p:cNvPr id="14" name="Rounded Rectangle 13"/>
-          <p:cNvSpPr/>
-          <p:nvPr/>
-        </p:nvSpPr>
-        <p:spPr>
-          <a:xfrm>
-            <a:off x="3534047" y="4031811"/>
-            <a:ext cx="2222584" cy="1049236"/>
-          </a:xfrm>
-          <a:prstGeom prst="roundRect">
-            <a:avLst/>
-          </a:prstGeom>
-        </p:spPr>
-        <p:style>
-          <a:lnRef idx="1">
-            <a:schemeClr val="accent1"/>
-          </a:lnRef>
-          <a:fillRef idx="3">
-            <a:schemeClr val="accent1"/>
-          </a:fillRef>
-          <a:effectRef idx="2">
-            <a:schemeClr val="accent1"/>
-          </a:effectRef>
-          <a:fontRef idx="minor">
-            <a:schemeClr val="lt1"/>
-          </a:fontRef>
-        </p:style>
-        <p:txBody>
-          <a:bodyPr rtlCol="0" anchor="ctr"/>
-          <a:lstStyle/>
-          <a:p>
-            <a:pPr algn="ctr"/>
-            <a:r>
-              <a:rPr lang="en-US" dirty="0" smtClean="0"/>
-              <a:t>Bolt</a:t>
-            </a:r>
-            <a:endParaRPr lang="en-US" dirty="0"/>
-          </a:p>
-        </p:txBody>
-      </p:sp>
-      <p:cxnSp>
-        <p:nvCxnSpPr>
-          <p:cNvPr id="15" name="Straight Arrow Connector 14"/>
-          <p:cNvCxnSpPr>
-            <a:stCxn id="5" idx="6"/>
-            <a:endCxn id="14" idx="1"/>
-          </p:cNvCxnSpPr>
-          <p:nvPr/>
-        </p:nvCxnSpPr>
-        <p:spPr>
-          <a:xfrm flipV="1">
-            <a:off x="2540096" y="4556429"/>
-            <a:ext cx="993951" cy="6904"/>
-          </a:xfrm>
-          <a:prstGeom prst="straightConnector1">
-            <a:avLst/>
-          </a:prstGeom>
-          <a:ln>
-            <a:tailEnd type="arrow"/>
-          </a:ln>
-        </p:spPr>
-        <p:style>
-          <a:lnRef idx="2">
-            <a:schemeClr val="accent1"/>
-          </a:lnRef>
-          <a:fillRef idx="0">
-            <a:schemeClr val="accent1"/>
-          </a:fillRef>
-          <a:effectRef idx="1">
-            <a:schemeClr val="accent1"/>
-          </a:effectRef>
-          <a:fontRef idx="minor">
-            <a:schemeClr val="tx1"/>
-          </a:fontRef>
-        </p:style>
-      </p:cxnSp>
-      <p:cxnSp>
-        <p:nvCxnSpPr>
-          <p:cNvPr id="18" name="Straight Arrow Connector 17"/>
-          <p:cNvCxnSpPr>
-            <a:stCxn id="6" idx="3"/>
-            <a:endCxn id="11" idx="1"/>
-          </p:cNvCxnSpPr>
-          <p:nvPr/>
-        </p:nvCxnSpPr>
-        <p:spPr>
-          <a:xfrm>
-            <a:off x="5756631" y="2650701"/>
-            <a:ext cx="859439" cy="911716"/>
-          </a:xfrm>
-          <a:prstGeom prst="straightConnector1">
-            <a:avLst/>
-          </a:prstGeom>
-          <a:ln>
-            <a:tailEnd type="arrow"/>
-          </a:ln>
-        </p:spPr>
-        <p:style>
-          <a:lnRef idx="2">
-            <a:schemeClr val="accent1"/>
-          </a:lnRef>
-          <a:fillRef idx="0">
-            <a:schemeClr val="accent1"/>
-          </a:fillRef>
-          <a:effectRef idx="1">
-            <a:schemeClr val="accent1"/>
-          </a:effectRef>
-          <a:fontRef idx="minor">
-            <a:schemeClr val="tx1"/>
-          </a:fontRef>
-        </p:style>
-      </p:cxnSp>
-      <p:cxnSp>
-        <p:nvCxnSpPr>
-          <p:cNvPr id="21" name="Straight Arrow Connector 20"/>
-          <p:cNvCxnSpPr>
-            <a:endCxn id="11" idx="1"/>
-          </p:cNvCxnSpPr>
-          <p:nvPr/>
-        </p:nvCxnSpPr>
-        <p:spPr>
-          <a:xfrm flipV="1">
-            <a:off x="5756631" y="3562417"/>
-            <a:ext cx="859439" cy="994012"/>
-          </a:xfrm>
-          <a:prstGeom prst="straightConnector1">
-            <a:avLst/>
-          </a:prstGeom>
-          <a:ln>
-            <a:tailEnd type="arrow"/>
-          </a:ln>
-        </p:spPr>
-        <p:style>
-          <a:lnRef idx="2">
-            <a:schemeClr val="accent1"/>
-          </a:lnRef>
-          <a:fillRef idx="0">
-            <a:schemeClr val="accent1"/>
-          </a:fillRef>
-          <a:effectRef idx="1">
-            <a:schemeClr val="accent1"/>
-          </a:effectRef>
-          <a:fontRef idx="minor">
-            <a:schemeClr val="tx1"/>
-          </a:fontRef>
-        </p:style>
-      </p:cxnSp>
-      <p:pic>
-        <p:nvPicPr>
-          <p:cNvPr id="3" name="Picture 2"/>
-          <p:cNvPicPr>
-            <a:picLocks noChangeAspect="1"/>
-          </p:cNvPicPr>
-          <p:nvPr/>
-        </p:nvPicPr>
-        <p:blipFill>
-          <a:blip r:embed="rId2"/>
-          <a:stretch>
-            <a:fillRect/>
-          </a:stretch>
-        </p:blipFill>
-        <p:spPr>
-          <a:xfrm>
-            <a:off x="5206112" y="274638"/>
-            <a:ext cx="3238500" cy="1016000"/>
-          </a:xfrm>
-          <a:prstGeom prst="rect">
-            <a:avLst/>
-          </a:prstGeom>
-        </p:spPr>
-      </p:pic>
-      <p:sp>
-        <p:nvSpPr>
-          <p:cNvPr id="7" name="TextBox 6"/>
-          <p:cNvSpPr txBox="1"/>
-          <p:nvPr/>
-        </p:nvSpPr>
-        <p:spPr>
-          <a:xfrm>
-            <a:off x="1111550" y="5453576"/>
-            <a:ext cx="2581656" cy="461665"/>
-          </a:xfrm>
-          <a:prstGeom prst="rect">
-            <a:avLst/>
-          </a:prstGeom>
-          <a:noFill/>
-        </p:spPr>
-        <p:txBody>
-          <a:bodyPr wrap="none" rtlCol="0">
-            <a:spAutoFit/>
-          </a:bodyPr>
-          <a:lstStyle/>
-          <a:p>
-            <a:r>
-              <a:rPr lang="en-US" sz="2400" dirty="0" smtClean="0"/>
-              <a:t>Note: another DAG</a:t>
-            </a:r>
-            <a:endParaRPr lang="en-US" sz="2400" dirty="0"/>
           </a:p>
         </p:txBody>
       </p:sp>
     </p:spTree>
     <p:extLst>
       <p:ext uri="{BB962C8B-B14F-4D97-AF65-F5344CB8AC3E}">
-        <p14:creationId xmlns:p14="http://schemas.microsoft.com/office/powerpoint/2010/main" val="1116221911"/>
+        <p14:creationId xmlns:p14="http://schemas.microsoft.com/office/powerpoint/2010/main" val="3666660509"/>
       </p:ext>
     </p:extLst>
   </p:cSld>

--- a/pres-source/11-realtime-bigdata.pptx
+++ b/pres-source/11-realtime-bigdata.pptx
@@ -5,7 +5,7 @@
     <p:sldMasterId id="2147483648" r:id="rId1"/>
   </p:sldMasterIdLst>
   <p:notesMasterIdLst>
-    <p:notesMasterId r:id="rId28"/>
+    <p:notesMasterId r:id="rId30"/>
   </p:notesMasterIdLst>
   <p:sldIdLst>
     <p:sldId id="256" r:id="rId2"/>
@@ -25,15 +25,17 @@
     <p:sldId id="293" r:id="rId16"/>
     <p:sldId id="294" r:id="rId17"/>
     <p:sldId id="295" r:id="rId18"/>
-    <p:sldId id="297" r:id="rId19"/>
-    <p:sldId id="298" r:id="rId20"/>
-    <p:sldId id="296" r:id="rId21"/>
-    <p:sldId id="300" r:id="rId22"/>
-    <p:sldId id="301" r:id="rId23"/>
-    <p:sldId id="302" r:id="rId24"/>
-    <p:sldId id="303" r:id="rId25"/>
-    <p:sldId id="304" r:id="rId26"/>
-    <p:sldId id="283" r:id="rId27"/>
+    <p:sldId id="311" r:id="rId19"/>
+    <p:sldId id="312" r:id="rId20"/>
+    <p:sldId id="297" r:id="rId21"/>
+    <p:sldId id="298" r:id="rId22"/>
+    <p:sldId id="296" r:id="rId23"/>
+    <p:sldId id="300" r:id="rId24"/>
+    <p:sldId id="301" r:id="rId25"/>
+    <p:sldId id="302" r:id="rId26"/>
+    <p:sldId id="303" r:id="rId27"/>
+    <p:sldId id="304" r:id="rId28"/>
+    <p:sldId id="283" r:id="rId29"/>
   </p:sldIdLst>
   <p:sldSz cx="9144000" cy="6858000" type="screen4x3"/>
   <p:notesSz cx="6858000" cy="9144000"/>
@@ -222,7 +224,7 @@
             <a:fld id="{7307762F-A706-E543-A832-3C298AA3103F}" type="datetimeFigureOut">
               <a:rPr lang="en-US" smtClean="0"/>
               <a:pPr/>
-              <a:t>09/09/16</a:t>
+              <a:t>07/07/17</a:t>
             </a:fld>
             <a:endParaRPr lang="en-US" dirty="0"/>
           </a:p>
@@ -789,7 +791,7 @@
           <a:p>
             <a:fld id="{875CF0EB-321F-0749-B37A-89BBA859503C}" type="datetimeFigureOut">
               <a:rPr lang="en-US" smtClean="0"/>
-              <a:t>09/09/16</a:t>
+              <a:t>07/07/17</a:t>
             </a:fld>
             <a:endParaRPr lang="en-US"/>
           </a:p>
@@ -993,7 +995,7 @@
           <a:p>
             <a:fld id="{875CF0EB-321F-0749-B37A-89BBA859503C}" type="datetimeFigureOut">
               <a:rPr lang="en-US" smtClean="0"/>
-              <a:t>09/09/16</a:t>
+              <a:t>07/07/17</a:t>
             </a:fld>
             <a:endParaRPr lang="en-US"/>
           </a:p>
@@ -1331,7 +1333,7 @@
           <a:p>
             <a:fld id="{875CF0EB-321F-0749-B37A-89BBA859503C}" type="datetimeFigureOut">
               <a:rPr lang="en-US" smtClean="0"/>
-              <a:t>09/09/16</a:t>
+              <a:t>07/07/17</a:t>
             </a:fld>
             <a:endParaRPr lang="en-US"/>
           </a:p>
@@ -1601,7 +1603,7 @@
           <a:p>
             <a:fld id="{875CF0EB-321F-0749-B37A-89BBA859503C}" type="datetimeFigureOut">
               <a:rPr lang="en-US" smtClean="0"/>
-              <a:t>09/09/16</a:t>
+              <a:t>07/07/17</a:t>
             </a:fld>
             <a:endParaRPr lang="en-US"/>
           </a:p>
@@ -1913,7 +1915,7 @@
           <a:p>
             <a:fld id="{875CF0EB-321F-0749-B37A-89BBA859503C}" type="datetimeFigureOut">
               <a:rPr lang="en-US" smtClean="0"/>
-              <a:t>09/09/16</a:t>
+              <a:t>07/07/17</a:t>
             </a:fld>
             <a:endParaRPr lang="en-US"/>
           </a:p>
@@ -2359,7 +2361,7 @@
           <a:p>
             <a:fld id="{875CF0EB-321F-0749-B37A-89BBA859503C}" type="datetimeFigureOut">
               <a:rPr lang="en-US" smtClean="0"/>
-              <a:t>09/09/16</a:t>
+              <a:t>07/07/17</a:t>
             </a:fld>
             <a:endParaRPr lang="en-US"/>
           </a:p>
@@ -2501,7 +2503,7 @@
           <a:p>
             <a:fld id="{875CF0EB-321F-0749-B37A-89BBA859503C}" type="datetimeFigureOut">
               <a:rPr lang="en-US" smtClean="0"/>
-              <a:t>09/09/16</a:t>
+              <a:t>07/07/17</a:t>
             </a:fld>
             <a:endParaRPr lang="en-US"/>
           </a:p>
@@ -2620,7 +2622,7 @@
           <a:p>
             <a:fld id="{875CF0EB-321F-0749-B37A-89BBA859503C}" type="datetimeFigureOut">
               <a:rPr lang="en-US" smtClean="0"/>
-              <a:t>09/09/16</a:t>
+              <a:t>07/07/17</a:t>
             </a:fld>
             <a:endParaRPr lang="en-US"/>
           </a:p>
@@ -2921,7 +2923,7 @@
           <a:p>
             <a:fld id="{875CF0EB-321F-0749-B37A-89BBA859503C}" type="datetimeFigureOut">
               <a:rPr lang="en-US" smtClean="0"/>
-              <a:t>09/09/16</a:t>
+              <a:t>07/07/17</a:t>
             </a:fld>
             <a:endParaRPr lang="en-US"/>
           </a:p>
@@ -3198,7 +3200,7 @@
           <a:p>
             <a:fld id="{875CF0EB-321F-0749-B37A-89BBA859503C}" type="datetimeFigureOut">
               <a:rPr lang="en-US" smtClean="0"/>
-              <a:t>09/09/16</a:t>
+              <a:t>07/07/17</a:t>
             </a:fld>
             <a:endParaRPr lang="en-US"/>
           </a:p>
@@ -5393,104 +5395,8 @@
           <a:p>
             <a:r>
               <a:rPr lang="en-US" dirty="0" smtClean="0"/>
-              <a:t>Siddhi</a:t>
-            </a:r>
-            <a:endParaRPr lang="en-US" dirty="0"/>
-          </a:p>
-        </p:txBody>
-      </p:sp>
-      <p:sp>
-        <p:nvSpPr>
-          <p:cNvPr id="3" name="Content Placeholder 2"/>
-          <p:cNvSpPr>
-            <a:spLocks noGrp="1"/>
-          </p:cNvSpPr>
-          <p:nvPr>
-            <p:ph idx="1"/>
-          </p:nvPr>
-        </p:nvSpPr>
-        <p:spPr/>
-        <p:txBody>
-          <a:bodyPr/>
-          <a:lstStyle/>
-          <a:p>
-            <a:r>
-              <a:rPr lang="en-US" dirty="0" smtClean="0"/>
-              <a:t>A </a:t>
-            </a:r>
-            <a:r>
-              <a:rPr lang="en-US" dirty="0" err="1" smtClean="0"/>
-              <a:t>stateful</a:t>
-            </a:r>
-            <a:r>
-              <a:rPr lang="en-US" dirty="0" smtClean="0"/>
-              <a:t> query model</a:t>
-            </a:r>
-          </a:p>
-          <a:p>
-            <a:r>
-              <a:rPr lang="en-US" dirty="0" smtClean="0"/>
-              <a:t>SQL-like language for querying streams of data</a:t>
-            </a:r>
-          </a:p>
-          <a:p>
-            <a:pPr lvl="1"/>
-            <a:r>
-              <a:rPr lang="en-US" dirty="0" smtClean="0"/>
-              <a:t>Extended with </a:t>
-            </a:r>
-            <a:r>
-              <a:rPr lang="en-US" b="1" dirty="0" smtClean="0"/>
-              <a:t>windows</a:t>
-            </a:r>
-          </a:p>
-          <a:p>
-            <a:pPr lvl="2"/>
-            <a:r>
-              <a:rPr lang="en-US" dirty="0" smtClean="0"/>
-              <a:t>Time, Event count, batches</a:t>
-            </a:r>
-          </a:p>
-          <a:p>
-            <a:pPr lvl="1"/>
-            <a:r>
-              <a:rPr lang="en-US" dirty="0" smtClean="0"/>
-              <a:t>Partitioned</a:t>
-            </a:r>
-          </a:p>
-          <a:p>
-            <a:pPr lvl="2"/>
-            <a:r>
-              <a:rPr lang="en-US" dirty="0" smtClean="0"/>
-              <a:t>Based on data in the events</a:t>
-            </a:r>
-          </a:p>
-          <a:p>
-            <a:pPr lvl="1"/>
-            <a:r>
-              <a:rPr lang="en-US" dirty="0" smtClean="0"/>
-              <a:t>Pattern matching</a:t>
-            </a:r>
-          </a:p>
-          <a:p>
-            <a:pPr lvl="2"/>
-            <a:r>
-              <a:rPr lang="en-US" dirty="0" smtClean="0"/>
-              <a:t>A then B then C within window </a:t>
-            </a:r>
-          </a:p>
-          <a:p>
-            <a:pPr marL="914400" lvl="2" indent="0">
-              <a:buNone/>
-            </a:pPr>
-            <a:endParaRPr lang="en-US" dirty="0" smtClean="0"/>
-          </a:p>
-          <a:p>
-            <a:pPr lvl="1"/>
-            <a:endParaRPr lang="en-US" dirty="0" smtClean="0"/>
-          </a:p>
-          <a:p>
-            <a:pPr lvl="2"/>
+              <a:t>Twitter Heron</a:t>
+            </a:r>
             <a:endParaRPr lang="en-US" dirty="0"/>
           </a:p>
         </p:txBody>
@@ -5498,7 +5404,7 @@
     </p:spTree>
     <p:extLst>
       <p:ext uri="{BB962C8B-B14F-4D97-AF65-F5344CB8AC3E}">
-        <p14:creationId xmlns:p14="http://schemas.microsoft.com/office/powerpoint/2010/main" val="904284903"/>
+        <p14:creationId xmlns:p14="http://schemas.microsoft.com/office/powerpoint/2010/main" val="1466311562"/>
       </p:ext>
     </p:extLst>
   </p:cSld>
@@ -5541,10 +5447,10 @@
           <a:lstStyle/>
           <a:p>
             <a:r>
-              <a:rPr lang="en-US" dirty="0" smtClean="0"/>
-              <a:t>Siddhi</a:t>
-            </a:r>
-            <a:endParaRPr lang="en-US" dirty="0"/>
+              <a:rPr lang="en-US" smtClean="0"/>
+              <a:t>Kafka Streams</a:t>
+            </a:r>
+            <a:endParaRPr lang="en-US"/>
           </a:p>
         </p:txBody>
       </p:sp>
@@ -5560,145 +5466,17 @@
         </p:nvSpPr>
         <p:spPr/>
         <p:txBody>
-          <a:bodyPr>
-            <a:normAutofit/>
-          </a:bodyPr>
+          <a:bodyPr/>
           <a:lstStyle/>
           <a:p>
-            <a:r>
-              <a:rPr lang="en-US" sz="2400" dirty="0" smtClean="0"/>
-              <a:t>Apache Licensed Open Source on </a:t>
-            </a:r>
-            <a:r>
-              <a:rPr lang="en-US" sz="2400" dirty="0" err="1" smtClean="0"/>
-              <a:t>Github</a:t>
-            </a:r>
-            <a:endParaRPr lang="en-US" sz="2400" dirty="0" smtClean="0"/>
-          </a:p>
-          <a:p>
-            <a:pPr lvl="1"/>
-            <a:r>
-              <a:rPr lang="en-US" sz="2000" dirty="0">
-                <a:hlinkClick r:id="rId2"/>
-              </a:rPr>
-              <a:t>https://github.com/wso2/siddhi</a:t>
-            </a:r>
-            <a:r>
-              <a:rPr lang="en-US" sz="2000" dirty="0" smtClean="0">
-                <a:hlinkClick r:id="rId2"/>
-              </a:rPr>
-              <a:t>/</a:t>
-            </a:r>
-            <a:r>
-              <a:rPr lang="en-US" sz="2000" dirty="0" smtClean="0"/>
-              <a:t> </a:t>
-            </a:r>
-          </a:p>
-          <a:p>
-            <a:r>
-              <a:rPr lang="en-US" sz="2400" dirty="0" smtClean="0"/>
-              <a:t>Pluggable into Storm and Spark</a:t>
-            </a:r>
-          </a:p>
-          <a:p>
-            <a:r>
-              <a:rPr lang="en-US" sz="2400" dirty="0" smtClean="0"/>
-              <a:t>Supports millions of events/sec</a:t>
-            </a:r>
-          </a:p>
-          <a:p>
-            <a:r>
-              <a:rPr lang="en-US" sz="2400" dirty="0">
-                <a:hlinkClick r:id="rId3"/>
-              </a:rPr>
-              <a:t>http://freo.me/</a:t>
-            </a:r>
-            <a:r>
-              <a:rPr lang="en-US" sz="2400" dirty="0" smtClean="0">
-                <a:hlinkClick r:id="rId3"/>
-              </a:rPr>
-              <a:t>DEBS_Siddhi</a:t>
-            </a:r>
-            <a:r>
-              <a:rPr lang="en-US" sz="2400" dirty="0" smtClean="0"/>
-              <a:t> </a:t>
-            </a:r>
-            <a:br>
-              <a:rPr lang="en-US" sz="2400" dirty="0" smtClean="0"/>
-            </a:br>
-            <a:r>
-              <a:rPr lang="en-US" sz="2400" dirty="0" smtClean="0"/>
-              <a:t/>
-            </a:r>
-            <a:br>
-              <a:rPr lang="en-US" sz="2400" dirty="0" smtClean="0"/>
-            </a:br>
-            <a:r>
-              <a:rPr lang="en-US" sz="2400" dirty="0" smtClean="0"/>
-              <a:t/>
-            </a:r>
-            <a:br>
-              <a:rPr lang="en-US" sz="2400" dirty="0" smtClean="0"/>
-            </a:br>
-            <a:r>
-              <a:rPr lang="en-US" sz="2400" dirty="0" smtClean="0"/>
-              <a:t/>
-            </a:r>
-            <a:br>
-              <a:rPr lang="en-US" sz="2400" dirty="0" smtClean="0"/>
-            </a:br>
-            <a:r>
-              <a:rPr lang="en-US" sz="2400" dirty="0" smtClean="0"/>
-              <a:t/>
-            </a:r>
-            <a:br>
-              <a:rPr lang="en-US" sz="2400" dirty="0" smtClean="0"/>
-            </a:br>
-            <a:r>
-              <a:rPr lang="en-US" sz="2400" dirty="0" smtClean="0"/>
-              <a:t/>
-            </a:r>
-            <a:br>
-              <a:rPr lang="en-US" sz="2400" dirty="0" smtClean="0"/>
-            </a:br>
-            <a:endParaRPr lang="en-US" sz="2400" dirty="0" smtClean="0"/>
-          </a:p>
-          <a:p>
-            <a:pPr marL="0" indent="0">
-              <a:buNone/>
-            </a:pPr>
-            <a:endParaRPr lang="en-US" sz="2400" dirty="0"/>
-          </a:p>
-        </p:txBody>
-      </p:sp>
-      <p:pic>
-        <p:nvPicPr>
-          <p:cNvPr id="4" name="Picture 3"/>
-          <p:cNvPicPr>
-            <a:picLocks noChangeAspect="1"/>
-          </p:cNvPicPr>
-          <p:nvPr/>
-        </p:nvPicPr>
-        <p:blipFill>
-          <a:blip r:embed="rId4"/>
-          <a:stretch>
-            <a:fillRect/>
-          </a:stretch>
-        </p:blipFill>
-        <p:spPr>
-          <a:xfrm>
-            <a:off x="375635" y="3888329"/>
-            <a:ext cx="4440366" cy="2969671"/>
-          </a:xfrm>
-          <a:prstGeom prst="rect">
-            <a:avLst/>
-          </a:prstGeom>
-        </p:spPr>
-      </p:pic>
+            <a:endParaRPr lang="en-US"/>
+          </a:p>
+        </p:txBody>
+      </p:sp>
     </p:spTree>
     <p:extLst>
       <p:ext uri="{BB962C8B-B14F-4D97-AF65-F5344CB8AC3E}">
-        <p14:creationId xmlns:p14="http://schemas.microsoft.com/office/powerpoint/2010/main" val="3618492775"/>
+        <p14:creationId xmlns:p14="http://schemas.microsoft.com/office/powerpoint/2010/main" val="3352304163"/>
       </p:ext>
     </p:extLst>
   </p:cSld>
@@ -5788,6 +5566,355 @@
 </file>
 
 <file path=ppt/slides/slide20.xml><?xml version="1.0" encoding="utf-8"?>
+<p:sld xmlns:a="http://schemas.openxmlformats.org/drawingml/2006/main" xmlns:r="http://schemas.openxmlformats.org/officeDocument/2006/relationships" xmlns:p="http://schemas.openxmlformats.org/presentationml/2006/main">
+  <p:cSld>
+    <p:spTree>
+      <p:nvGrpSpPr>
+        <p:cNvPr id="1" name=""/>
+        <p:cNvGrpSpPr/>
+        <p:nvPr/>
+      </p:nvGrpSpPr>
+      <p:grpSpPr>
+        <a:xfrm>
+          <a:off x="0" y="0"/>
+          <a:ext cx="0" cy="0"/>
+          <a:chOff x="0" y="0"/>
+          <a:chExt cx="0" cy="0"/>
+        </a:xfrm>
+      </p:grpSpPr>
+      <p:sp>
+        <p:nvSpPr>
+          <p:cNvPr id="2" name="Title 1"/>
+          <p:cNvSpPr>
+            <a:spLocks noGrp="1"/>
+          </p:cNvSpPr>
+          <p:nvPr>
+            <p:ph type="title"/>
+          </p:nvPr>
+        </p:nvSpPr>
+        <p:spPr/>
+        <p:txBody>
+          <a:bodyPr/>
+          <a:lstStyle/>
+          <a:p>
+            <a:r>
+              <a:rPr lang="en-US" dirty="0" smtClean="0"/>
+              <a:t>Siddhi</a:t>
+            </a:r>
+            <a:endParaRPr lang="en-US" dirty="0"/>
+          </a:p>
+        </p:txBody>
+      </p:sp>
+      <p:sp>
+        <p:nvSpPr>
+          <p:cNvPr id="3" name="Content Placeholder 2"/>
+          <p:cNvSpPr>
+            <a:spLocks noGrp="1"/>
+          </p:cNvSpPr>
+          <p:nvPr>
+            <p:ph idx="1"/>
+          </p:nvPr>
+        </p:nvSpPr>
+        <p:spPr/>
+        <p:txBody>
+          <a:bodyPr/>
+          <a:lstStyle/>
+          <a:p>
+            <a:r>
+              <a:rPr lang="en-US" dirty="0" smtClean="0"/>
+              <a:t>A </a:t>
+            </a:r>
+            <a:r>
+              <a:rPr lang="en-US" dirty="0" err="1" smtClean="0"/>
+              <a:t>stateful</a:t>
+            </a:r>
+            <a:r>
+              <a:rPr lang="en-US" dirty="0" smtClean="0"/>
+              <a:t> query model</a:t>
+            </a:r>
+          </a:p>
+          <a:p>
+            <a:r>
+              <a:rPr lang="en-US" dirty="0" smtClean="0"/>
+              <a:t>SQL-like language for querying streams of data</a:t>
+            </a:r>
+          </a:p>
+          <a:p>
+            <a:pPr lvl="1"/>
+            <a:r>
+              <a:rPr lang="en-US" dirty="0" smtClean="0"/>
+              <a:t>Extended with </a:t>
+            </a:r>
+            <a:r>
+              <a:rPr lang="en-US" b="1" dirty="0" smtClean="0"/>
+              <a:t>windows</a:t>
+            </a:r>
+          </a:p>
+          <a:p>
+            <a:pPr lvl="2"/>
+            <a:r>
+              <a:rPr lang="en-US" dirty="0" smtClean="0"/>
+              <a:t>Time, Event count, batches</a:t>
+            </a:r>
+          </a:p>
+          <a:p>
+            <a:pPr lvl="1"/>
+            <a:r>
+              <a:rPr lang="en-US" dirty="0" smtClean="0"/>
+              <a:t>Partitioned</a:t>
+            </a:r>
+          </a:p>
+          <a:p>
+            <a:pPr lvl="2"/>
+            <a:r>
+              <a:rPr lang="en-US" dirty="0" smtClean="0"/>
+              <a:t>Based on data in the events</a:t>
+            </a:r>
+          </a:p>
+          <a:p>
+            <a:pPr lvl="1"/>
+            <a:r>
+              <a:rPr lang="en-US" dirty="0" smtClean="0"/>
+              <a:t>Pattern matching</a:t>
+            </a:r>
+          </a:p>
+          <a:p>
+            <a:pPr lvl="2"/>
+            <a:r>
+              <a:rPr lang="en-US" dirty="0" smtClean="0"/>
+              <a:t>A then B then C within window </a:t>
+            </a:r>
+          </a:p>
+          <a:p>
+            <a:pPr marL="914400" lvl="2" indent="0">
+              <a:buNone/>
+            </a:pPr>
+            <a:endParaRPr lang="en-US" dirty="0" smtClean="0"/>
+          </a:p>
+          <a:p>
+            <a:pPr lvl="1"/>
+            <a:endParaRPr lang="en-US" dirty="0" smtClean="0"/>
+          </a:p>
+          <a:p>
+            <a:pPr lvl="2"/>
+            <a:endParaRPr lang="en-US" dirty="0"/>
+          </a:p>
+        </p:txBody>
+      </p:sp>
+    </p:spTree>
+    <p:extLst>
+      <p:ext uri="{BB962C8B-B14F-4D97-AF65-F5344CB8AC3E}">
+        <p14:creationId xmlns:p14="http://schemas.microsoft.com/office/powerpoint/2010/main" val="904284903"/>
+      </p:ext>
+    </p:extLst>
+  </p:cSld>
+  <p:clrMapOvr>
+    <a:masterClrMapping/>
+  </p:clrMapOvr>
+</p:sld>
+</file>
+
+<file path=ppt/slides/slide21.xml><?xml version="1.0" encoding="utf-8"?>
+<p:sld xmlns:a="http://schemas.openxmlformats.org/drawingml/2006/main" xmlns:r="http://schemas.openxmlformats.org/officeDocument/2006/relationships" xmlns:p="http://schemas.openxmlformats.org/presentationml/2006/main">
+  <p:cSld>
+    <p:spTree>
+      <p:nvGrpSpPr>
+        <p:cNvPr id="1" name=""/>
+        <p:cNvGrpSpPr/>
+        <p:nvPr/>
+      </p:nvGrpSpPr>
+      <p:grpSpPr>
+        <a:xfrm>
+          <a:off x="0" y="0"/>
+          <a:ext cx="0" cy="0"/>
+          <a:chOff x="0" y="0"/>
+          <a:chExt cx="0" cy="0"/>
+        </a:xfrm>
+      </p:grpSpPr>
+      <p:sp>
+        <p:nvSpPr>
+          <p:cNvPr id="2" name="Title 1"/>
+          <p:cNvSpPr>
+            <a:spLocks noGrp="1"/>
+          </p:cNvSpPr>
+          <p:nvPr>
+            <p:ph type="title"/>
+          </p:nvPr>
+        </p:nvSpPr>
+        <p:spPr/>
+        <p:txBody>
+          <a:bodyPr/>
+          <a:lstStyle/>
+          <a:p>
+            <a:r>
+              <a:rPr lang="en-US" dirty="0" smtClean="0"/>
+              <a:t>Siddhi</a:t>
+            </a:r>
+            <a:endParaRPr lang="en-US" dirty="0"/>
+          </a:p>
+        </p:txBody>
+      </p:sp>
+      <p:sp>
+        <p:nvSpPr>
+          <p:cNvPr id="3" name="Content Placeholder 2"/>
+          <p:cNvSpPr>
+            <a:spLocks noGrp="1"/>
+          </p:cNvSpPr>
+          <p:nvPr>
+            <p:ph idx="1"/>
+          </p:nvPr>
+        </p:nvSpPr>
+        <p:spPr/>
+        <p:txBody>
+          <a:bodyPr>
+            <a:normAutofit/>
+          </a:bodyPr>
+          <a:lstStyle/>
+          <a:p>
+            <a:r>
+              <a:rPr lang="en-US" sz="2400" dirty="0" smtClean="0"/>
+              <a:t>Apache Licensed Open Source on </a:t>
+            </a:r>
+            <a:r>
+              <a:rPr lang="en-US" sz="2400" dirty="0" err="1" smtClean="0"/>
+              <a:t>Github</a:t>
+            </a:r>
+            <a:endParaRPr lang="en-US" sz="2400" dirty="0" smtClean="0"/>
+          </a:p>
+          <a:p>
+            <a:pPr lvl="1"/>
+            <a:r>
+              <a:rPr lang="en-US" sz="2000" dirty="0">
+                <a:hlinkClick r:id="rId2"/>
+              </a:rPr>
+              <a:t>https://github.com/wso2/siddhi</a:t>
+            </a:r>
+            <a:r>
+              <a:rPr lang="en-US" sz="2000" dirty="0" smtClean="0">
+                <a:hlinkClick r:id="rId2"/>
+              </a:rPr>
+              <a:t>/</a:t>
+            </a:r>
+            <a:r>
+              <a:rPr lang="en-US" sz="2000" dirty="0" smtClean="0"/>
+              <a:t> </a:t>
+            </a:r>
+          </a:p>
+          <a:p>
+            <a:r>
+              <a:rPr lang="en-US" sz="2400" dirty="0" smtClean="0"/>
+              <a:t>Pluggable into Storm and Spark</a:t>
+            </a:r>
+          </a:p>
+          <a:p>
+            <a:r>
+              <a:rPr lang="en-US" sz="2400" dirty="0" smtClean="0"/>
+              <a:t>Supports millions of events/sec</a:t>
+            </a:r>
+          </a:p>
+          <a:p>
+            <a:r>
+              <a:rPr lang="en-US" sz="2400" dirty="0">
+                <a:hlinkClick r:id="rId3"/>
+              </a:rPr>
+              <a:t>http://freo.me/</a:t>
+            </a:r>
+            <a:r>
+              <a:rPr lang="en-US" sz="2400" dirty="0" smtClean="0">
+                <a:hlinkClick r:id="rId3"/>
+              </a:rPr>
+              <a:t>DEBS_Siddhi</a:t>
+            </a:r>
+            <a:r>
+              <a:rPr lang="en-US" sz="2400" dirty="0" smtClean="0"/>
+              <a:t> </a:t>
+            </a:r>
+            <a:br>
+              <a:rPr lang="en-US" sz="2400" dirty="0" smtClean="0"/>
+            </a:br>
+            <a:r>
+              <a:rPr lang="en-US" sz="2400" dirty="0" smtClean="0"/>
+              <a:t/>
+            </a:r>
+            <a:br>
+              <a:rPr lang="en-US" sz="2400" dirty="0" smtClean="0"/>
+            </a:br>
+            <a:r>
+              <a:rPr lang="en-US" sz="2400" dirty="0" smtClean="0"/>
+              <a:t/>
+            </a:r>
+            <a:br>
+              <a:rPr lang="en-US" sz="2400" dirty="0" smtClean="0"/>
+            </a:br>
+            <a:r>
+              <a:rPr lang="en-US" sz="2400" dirty="0" smtClean="0"/>
+              <a:t/>
+            </a:r>
+            <a:br>
+              <a:rPr lang="en-US" sz="2400" dirty="0" smtClean="0"/>
+            </a:br>
+            <a:r>
+              <a:rPr lang="en-US" sz="2400" dirty="0" smtClean="0"/>
+              <a:t/>
+            </a:r>
+            <a:br>
+              <a:rPr lang="en-US" sz="2400" dirty="0" smtClean="0"/>
+            </a:br>
+            <a:r>
+              <a:rPr lang="en-US" sz="2400" dirty="0" smtClean="0"/>
+              <a:t/>
+            </a:r>
+            <a:br>
+              <a:rPr lang="en-US" sz="2400" dirty="0" smtClean="0"/>
+            </a:br>
+            <a:endParaRPr lang="en-US" sz="2400" dirty="0" smtClean="0"/>
+          </a:p>
+          <a:p>
+            <a:pPr marL="0" indent="0">
+              <a:buNone/>
+            </a:pPr>
+            <a:endParaRPr lang="en-US" sz="2400" dirty="0"/>
+          </a:p>
+        </p:txBody>
+      </p:sp>
+      <p:pic>
+        <p:nvPicPr>
+          <p:cNvPr id="4" name="Picture 3"/>
+          <p:cNvPicPr>
+            <a:picLocks noChangeAspect="1"/>
+          </p:cNvPicPr>
+          <p:nvPr/>
+        </p:nvPicPr>
+        <p:blipFill>
+          <a:blip r:embed="rId4"/>
+          <a:stretch>
+            <a:fillRect/>
+          </a:stretch>
+        </p:blipFill>
+        <p:spPr>
+          <a:xfrm>
+            <a:off x="375635" y="3888329"/>
+            <a:ext cx="4440366" cy="2969671"/>
+          </a:xfrm>
+          <a:prstGeom prst="rect">
+            <a:avLst/>
+          </a:prstGeom>
+        </p:spPr>
+      </p:pic>
+    </p:spTree>
+    <p:extLst>
+      <p:ext uri="{BB962C8B-B14F-4D97-AF65-F5344CB8AC3E}">
+        <p14:creationId xmlns:p14="http://schemas.microsoft.com/office/powerpoint/2010/main" val="3618492775"/>
+      </p:ext>
+    </p:extLst>
+  </p:cSld>
+  <p:clrMapOvr>
+    <a:masterClrMapping/>
+  </p:clrMapOvr>
+</p:sld>
+</file>
+
+<file path=ppt/slides/slide22.xml><?xml version="1.0" encoding="utf-8"?>
 <p:sld xmlns:a="http://schemas.openxmlformats.org/drawingml/2006/main" xmlns:r="http://schemas.openxmlformats.org/officeDocument/2006/relationships" xmlns:p="http://schemas.openxmlformats.org/presentationml/2006/main">
   <p:cSld>
     <p:spTree>
@@ -5888,7 +6015,7 @@
 </p:sld>
 </file>
 
-<file path=ppt/slides/slide21.xml><?xml version="1.0" encoding="utf-8"?>
+<file path=ppt/slides/slide23.xml><?xml version="1.0" encoding="utf-8"?>
 <p:sld xmlns:a="http://schemas.openxmlformats.org/drawingml/2006/main" xmlns:r="http://schemas.openxmlformats.org/officeDocument/2006/relationships" xmlns:p="http://schemas.openxmlformats.org/presentationml/2006/main">
   <p:cSld>
     <p:spTree>
@@ -5978,7 +6105,7 @@
 </p:sld>
 </file>
 
-<file path=ppt/slides/slide22.xml><?xml version="1.0" encoding="utf-8"?>
+<file path=ppt/slides/slide24.xml><?xml version="1.0" encoding="utf-8"?>
 <p:sld xmlns:a="http://schemas.openxmlformats.org/drawingml/2006/main" xmlns:r="http://schemas.openxmlformats.org/officeDocument/2006/relationships" xmlns:p="http://schemas.openxmlformats.org/presentationml/2006/main">
   <p:cSld>
     <p:spTree>
@@ -6059,7 +6186,7 @@
 </p:sld>
 </file>
 
-<file path=ppt/slides/slide23.xml><?xml version="1.0" encoding="utf-8"?>
+<file path=ppt/slides/slide25.xml><?xml version="1.0" encoding="utf-8"?>
 <p:sld xmlns:a="http://schemas.openxmlformats.org/drawingml/2006/main" xmlns:r="http://schemas.openxmlformats.org/officeDocument/2006/relationships" xmlns:p="http://schemas.openxmlformats.org/presentationml/2006/main">
   <p:cSld>
     <p:spTree>
@@ -6197,7 +6324,7 @@
 </p:sld>
 </file>
 
-<file path=ppt/slides/slide24.xml><?xml version="1.0" encoding="utf-8"?>
+<file path=ppt/slides/slide26.xml><?xml version="1.0" encoding="utf-8"?>
 <p:sld xmlns:a="http://schemas.openxmlformats.org/drawingml/2006/main" xmlns:r="http://schemas.openxmlformats.org/officeDocument/2006/relationships" xmlns:p="http://schemas.openxmlformats.org/presentationml/2006/main">
   <p:cSld>
     <p:spTree>
@@ -6329,7 +6456,7 @@
 </p:sld>
 </file>
 
-<file path=ppt/slides/slide25.xml><?xml version="1.0" encoding="utf-8"?>
+<file path=ppt/slides/slide27.xml><?xml version="1.0" encoding="utf-8"?>
 <p:sld xmlns:a="http://schemas.openxmlformats.org/drawingml/2006/main" xmlns:r="http://schemas.openxmlformats.org/officeDocument/2006/relationships" xmlns:p="http://schemas.openxmlformats.org/presentationml/2006/main">
   <p:cSld>
     <p:spTree>
@@ -6465,7 +6592,7 @@
 </p:sld>
 </file>
 
-<file path=ppt/slides/slide26.xml><?xml version="1.0" encoding="utf-8"?>
+<file path=ppt/slides/slide28.xml><?xml version="1.0" encoding="utf-8"?>
 <p:sld xmlns:a="http://schemas.openxmlformats.org/drawingml/2006/main" xmlns:r="http://schemas.openxmlformats.org/officeDocument/2006/relationships" xmlns:p="http://schemas.openxmlformats.org/presentationml/2006/main">
   <p:cSld>
     <p:spTree>

--- a/pres-source/11-realtime-bigdata.pptx
+++ b/pres-source/11-realtime-bigdata.pptx
@@ -5,7 +5,7 @@
     <p:sldMasterId id="2147483648" r:id="rId1"/>
   </p:sldMasterIdLst>
   <p:notesMasterIdLst>
-    <p:notesMasterId r:id="rId30"/>
+    <p:notesMasterId r:id="rId34"/>
   </p:notesMasterIdLst>
   <p:sldIdLst>
     <p:sldId id="256" r:id="rId2"/>
@@ -20,22 +20,26 @@
     <p:sldId id="306" r:id="rId11"/>
     <p:sldId id="307" r:id="rId12"/>
     <p:sldId id="310" r:id="rId13"/>
-    <p:sldId id="308" r:id="rId14"/>
-    <p:sldId id="309" r:id="rId15"/>
-    <p:sldId id="293" r:id="rId16"/>
-    <p:sldId id="294" r:id="rId17"/>
-    <p:sldId id="295" r:id="rId18"/>
-    <p:sldId id="311" r:id="rId19"/>
-    <p:sldId id="312" r:id="rId20"/>
-    <p:sldId id="297" r:id="rId21"/>
-    <p:sldId id="298" r:id="rId22"/>
-    <p:sldId id="296" r:id="rId23"/>
-    <p:sldId id="300" r:id="rId24"/>
-    <p:sldId id="301" r:id="rId25"/>
-    <p:sldId id="302" r:id="rId26"/>
-    <p:sldId id="303" r:id="rId27"/>
-    <p:sldId id="304" r:id="rId28"/>
-    <p:sldId id="283" r:id="rId29"/>
+    <p:sldId id="316" r:id="rId14"/>
+    <p:sldId id="308" r:id="rId15"/>
+    <p:sldId id="309" r:id="rId16"/>
+    <p:sldId id="293" r:id="rId17"/>
+    <p:sldId id="294" r:id="rId18"/>
+    <p:sldId id="295" r:id="rId19"/>
+    <p:sldId id="311" r:id="rId20"/>
+    <p:sldId id="313" r:id="rId21"/>
+    <p:sldId id="314" r:id="rId22"/>
+    <p:sldId id="315" r:id="rId23"/>
+    <p:sldId id="312" r:id="rId24"/>
+    <p:sldId id="297" r:id="rId25"/>
+    <p:sldId id="298" r:id="rId26"/>
+    <p:sldId id="296" r:id="rId27"/>
+    <p:sldId id="300" r:id="rId28"/>
+    <p:sldId id="301" r:id="rId29"/>
+    <p:sldId id="302" r:id="rId30"/>
+    <p:sldId id="303" r:id="rId31"/>
+    <p:sldId id="304" r:id="rId32"/>
+    <p:sldId id="283" r:id="rId33"/>
   </p:sldIdLst>
   <p:sldSz cx="9144000" cy="6858000" type="screen4x3"/>
   <p:notesSz cx="6858000" cy="9144000"/>
@@ -224,7 +228,7 @@
             <a:fld id="{7307762F-A706-E543-A832-3C298AA3103F}" type="datetimeFigureOut">
               <a:rPr lang="en-US" smtClean="0"/>
               <a:pPr/>
-              <a:t>07/07/17</a:t>
+              <a:t>09/07/17</a:t>
             </a:fld>
             <a:endParaRPr lang="en-US" dirty="0"/>
           </a:p>
@@ -497,6 +501,151 @@
 </p:notesMaster>
 </file>
 
+<file path=ppt/notesSlides/notesSlide1.xml><?xml version="1.0" encoding="utf-8"?>
+<p:notes xmlns:a="http://schemas.openxmlformats.org/drawingml/2006/main" xmlns:r="http://schemas.openxmlformats.org/officeDocument/2006/relationships" xmlns:p="http://schemas.openxmlformats.org/presentationml/2006/main" showMasterSp="0" showMasterPhAnim="0">
+  <p:cSld>
+    <p:spTree>
+      <p:nvGrpSpPr>
+        <p:cNvPr id="1" name="Shape 201"/>
+        <p:cNvGrpSpPr/>
+        <p:nvPr/>
+      </p:nvGrpSpPr>
+      <p:grpSpPr>
+        <a:xfrm>
+          <a:off x="0" y="0"/>
+          <a:ext cx="0" cy="0"/>
+          <a:chOff x="0" y="0"/>
+          <a:chExt cx="0" cy="0"/>
+        </a:xfrm>
+      </p:grpSpPr>
+      <p:sp>
+        <p:nvSpPr>
+          <p:cNvPr id="202" name="Shape 202"/>
+          <p:cNvSpPr>
+            <a:spLocks noGrp="1" noRot="1" noChangeAspect="1"/>
+          </p:cNvSpPr>
+          <p:nvPr>
+            <p:ph type="sldImg" idx="2"/>
+          </p:nvPr>
+        </p:nvSpPr>
+        <p:spPr>
+          <a:xfrm>
+            <a:off x="1143000" y="685800"/>
+            <a:ext cx="4572000" cy="3429000"/>
+          </a:xfrm>
+          <a:custGeom>
+            <a:avLst/>
+            <a:gdLst/>
+            <a:ahLst/>
+            <a:cxnLst/>
+            <a:rect l="0" t="0" r="0" b="0"/>
+            <a:pathLst>
+              <a:path w="120000" h="120000" extrusionOk="0">
+                <a:moveTo>
+                  <a:pt x="0" y="0"/>
+                </a:moveTo>
+                <a:lnTo>
+                  <a:pt x="120000" y="0"/>
+                </a:lnTo>
+                <a:lnTo>
+                  <a:pt x="120000" y="120000"/>
+                </a:lnTo>
+                <a:lnTo>
+                  <a:pt x="0" y="120000"/>
+                </a:lnTo>
+                <a:close/>
+              </a:path>
+            </a:pathLst>
+          </a:custGeom>
+        </p:spPr>
+      </p:sp>
+      <p:sp>
+        <p:nvSpPr>
+          <p:cNvPr id="203" name="Shape 203"/>
+          <p:cNvSpPr txBox="1">
+            <a:spLocks noGrp="1"/>
+          </p:cNvSpPr>
+          <p:nvPr>
+            <p:ph type="body" idx="1"/>
+          </p:nvPr>
+        </p:nvSpPr>
+        <p:spPr>
+          <a:xfrm>
+            <a:off x="685800" y="4343400"/>
+            <a:ext cx="5486400" cy="4114800"/>
+          </a:xfrm>
+          <a:prstGeom prst="rect">
+            <a:avLst/>
+          </a:prstGeom>
+        </p:spPr>
+        <p:txBody>
+          <a:bodyPr lIns="91425" tIns="91425" rIns="91425" bIns="91425" anchor="ctr" anchorCtr="0">
+            <a:noAutofit/>
+          </a:bodyPr>
+          <a:lstStyle/>
+          <a:p>
+            <a:pPr lvl="0" rtl="0">
+              <a:spcBef>
+                <a:spcPts val="0"/>
+              </a:spcBef>
+              <a:buNone/>
+            </a:pPr>
+            <a:endParaRPr/>
+          </a:p>
+        </p:txBody>
+      </p:sp>
+      <p:sp>
+        <p:nvSpPr>
+          <p:cNvPr id="204" name="Shape 204"/>
+          <p:cNvSpPr txBox="1">
+            <a:spLocks noGrp="1"/>
+          </p:cNvSpPr>
+          <p:nvPr>
+            <p:ph type="sldNum" idx="12"/>
+          </p:nvPr>
+        </p:nvSpPr>
+        <p:spPr>
+          <a:xfrm>
+            <a:off x="3884612" y="8685211"/>
+            <a:ext cx="2971799" cy="457200"/>
+          </a:xfrm>
+          <a:prstGeom prst="rect">
+            <a:avLst/>
+          </a:prstGeom>
+        </p:spPr>
+        <p:txBody>
+          <a:bodyPr lIns="91425" tIns="45700" rIns="91425" bIns="45700" anchor="b" anchorCtr="0">
+            <a:noAutofit/>
+          </a:bodyPr>
+          <a:lstStyle/>
+          <a:p>
+            <a:pPr lvl="0" rtl="0">
+              <a:spcBef>
+                <a:spcPts val="0"/>
+              </a:spcBef>
+              <a:buClr>
+                <a:srgbClr val="000000"/>
+              </a:buClr>
+              <a:buSzPct val="25000"/>
+              <a:buFont typeface="Calibri"/>
+              <a:buNone/>
+            </a:pPr>
+            <a:fld id="{00000000-1234-1234-1234-123412341234}" type="slidenum">
+              <a:rPr lang="en-US"/>
+              <a:t>20</a:t>
+            </a:fld>
+            <a:endParaRPr lang="en-US"/>
+          </a:p>
+        </p:txBody>
+      </p:sp>
+    </p:spTree>
+  </p:cSld>
+  <p:clrMapOvr>
+    <a:masterClrMapping/>
+  </p:clrMapOvr>
+</p:notes>
+</file>
+
 <file path=ppt/slideLayouts/slideLayout1.xml><?xml version="1.0" encoding="utf-8"?>
 <p:sldLayout xmlns:a="http://schemas.openxmlformats.org/drawingml/2006/main" xmlns:r="http://schemas.openxmlformats.org/officeDocument/2006/relationships" xmlns:p="http://schemas.openxmlformats.org/presentationml/2006/main" type="title" preserve="1">
   <p:cSld name="Title Slide">
@@ -791,7 +940,7 @@
           <a:p>
             <a:fld id="{875CF0EB-321F-0749-B37A-89BBA859503C}" type="datetimeFigureOut">
               <a:rPr lang="en-US" smtClean="0"/>
-              <a:t>07/07/17</a:t>
+              <a:t>09/07/17</a:t>
             </a:fld>
             <a:endParaRPr lang="en-US"/>
           </a:p>
@@ -995,7 +1144,7 @@
           <a:p>
             <a:fld id="{875CF0EB-321F-0749-B37A-89BBA859503C}" type="datetimeFigureOut">
               <a:rPr lang="en-US" smtClean="0"/>
-              <a:t>07/07/17</a:t>
+              <a:t>09/07/17</a:t>
             </a:fld>
             <a:endParaRPr lang="en-US"/>
           </a:p>
@@ -1333,7 +1482,7 @@
           <a:p>
             <a:fld id="{875CF0EB-321F-0749-B37A-89BBA859503C}" type="datetimeFigureOut">
               <a:rPr lang="en-US" smtClean="0"/>
-              <a:t>07/07/17</a:t>
+              <a:t>09/07/17</a:t>
             </a:fld>
             <a:endParaRPr lang="en-US"/>
           </a:p>
@@ -1603,7 +1752,7 @@
           <a:p>
             <a:fld id="{875CF0EB-321F-0749-B37A-89BBA859503C}" type="datetimeFigureOut">
               <a:rPr lang="en-US" smtClean="0"/>
-              <a:t>07/07/17</a:t>
+              <a:t>09/07/17</a:t>
             </a:fld>
             <a:endParaRPr lang="en-US"/>
           </a:p>
@@ -1915,7 +2064,7 @@
           <a:p>
             <a:fld id="{875CF0EB-321F-0749-B37A-89BBA859503C}" type="datetimeFigureOut">
               <a:rPr lang="en-US" smtClean="0"/>
-              <a:t>07/07/17</a:t>
+              <a:t>09/07/17</a:t>
             </a:fld>
             <a:endParaRPr lang="en-US"/>
           </a:p>
@@ -2361,7 +2510,7 @@
           <a:p>
             <a:fld id="{875CF0EB-321F-0749-B37A-89BBA859503C}" type="datetimeFigureOut">
               <a:rPr lang="en-US" smtClean="0"/>
-              <a:t>07/07/17</a:t>
+              <a:t>09/07/17</a:t>
             </a:fld>
             <a:endParaRPr lang="en-US"/>
           </a:p>
@@ -2503,7 +2652,7 @@
           <a:p>
             <a:fld id="{875CF0EB-321F-0749-B37A-89BBA859503C}" type="datetimeFigureOut">
               <a:rPr lang="en-US" smtClean="0"/>
-              <a:t>07/07/17</a:t>
+              <a:t>09/07/17</a:t>
             </a:fld>
             <a:endParaRPr lang="en-US"/>
           </a:p>
@@ -2622,7 +2771,7 @@
           <a:p>
             <a:fld id="{875CF0EB-321F-0749-B37A-89BBA859503C}" type="datetimeFigureOut">
               <a:rPr lang="en-US" smtClean="0"/>
-              <a:t>07/07/17</a:t>
+              <a:t>09/07/17</a:t>
             </a:fld>
             <a:endParaRPr lang="en-US"/>
           </a:p>
@@ -2923,7 +3072,7 @@
           <a:p>
             <a:fld id="{875CF0EB-321F-0749-B37A-89BBA859503C}" type="datetimeFigureOut">
               <a:rPr lang="en-US" smtClean="0"/>
-              <a:t>07/07/17</a:t>
+              <a:t>09/07/17</a:t>
             </a:fld>
             <a:endParaRPr lang="en-US"/>
           </a:p>
@@ -3200,7 +3349,7 @@
           <a:p>
             <a:fld id="{875CF0EB-321F-0749-B37A-89BBA859503C}" type="datetimeFigureOut">
               <a:rPr lang="en-US" smtClean="0"/>
-              <a:t>07/07/17</a:t>
+              <a:t>09/07/17</a:t>
             </a:fld>
             <a:endParaRPr lang="en-US"/>
           </a:p>
@@ -4548,6 +4697,80 @@
         </p:nvSpPr>
         <p:spPr/>
         <p:txBody>
+          <a:bodyPr>
+            <a:normAutofit fontScale="90000"/>
+          </a:bodyPr>
+          <a:lstStyle/>
+          <a:p>
+            <a:r>
+              <a:rPr lang="en-US" dirty="0" smtClean="0"/>
+              <a:t>Kafka exactly-once semantics</a:t>
+            </a:r>
+            <a:endParaRPr lang="en-US" dirty="0"/>
+          </a:p>
+        </p:txBody>
+      </p:sp>
+      <p:sp>
+        <p:nvSpPr>
+          <p:cNvPr id="3" name="Content Placeholder 2"/>
+          <p:cNvSpPr>
+            <a:spLocks noGrp="1"/>
+          </p:cNvSpPr>
+          <p:nvPr>
+            <p:ph idx="1"/>
+          </p:nvPr>
+        </p:nvSpPr>
+        <p:spPr/>
+        <p:txBody>
+          <a:bodyPr/>
+          <a:lstStyle/>
+          <a:p>
+            <a:endParaRPr lang="en-US"/>
+          </a:p>
+        </p:txBody>
+      </p:sp>
+    </p:spTree>
+    <p:extLst>
+      <p:ext uri="{BB962C8B-B14F-4D97-AF65-F5344CB8AC3E}">
+        <p14:creationId xmlns:p14="http://schemas.microsoft.com/office/powerpoint/2010/main" val="1306447500"/>
+      </p:ext>
+    </p:extLst>
+  </p:cSld>
+  <p:clrMapOvr>
+    <a:masterClrMapping/>
+  </p:clrMapOvr>
+</p:sld>
+</file>
+
+<file path=ppt/slides/slide14.xml><?xml version="1.0" encoding="utf-8"?>
+<p:sld xmlns:a="http://schemas.openxmlformats.org/drawingml/2006/main" xmlns:r="http://schemas.openxmlformats.org/officeDocument/2006/relationships" xmlns:p="http://schemas.openxmlformats.org/presentationml/2006/main">
+  <p:cSld>
+    <p:spTree>
+      <p:nvGrpSpPr>
+        <p:cNvPr id="1" name=""/>
+        <p:cNvGrpSpPr/>
+        <p:nvPr/>
+      </p:nvGrpSpPr>
+      <p:grpSpPr>
+        <a:xfrm>
+          <a:off x="0" y="0"/>
+          <a:ext cx="0" cy="0"/>
+          <a:chOff x="0" y="0"/>
+          <a:chExt cx="0" cy="0"/>
+        </a:xfrm>
+      </p:grpSpPr>
+      <p:sp>
+        <p:nvSpPr>
+          <p:cNvPr id="2" name="Title 1"/>
+          <p:cNvSpPr>
+            <a:spLocks noGrp="1"/>
+          </p:cNvSpPr>
+          <p:nvPr>
+            <p:ph type="title"/>
+          </p:nvPr>
+        </p:nvSpPr>
+        <p:spPr/>
+        <p:txBody>
           <a:bodyPr/>
           <a:lstStyle/>
           <a:p>
@@ -4596,7 +4819,7 @@
 </p:sld>
 </file>
 
-<file path=ppt/slides/slide14.xml><?xml version="1.0" encoding="utf-8"?>
+<file path=ppt/slides/slide15.xml><?xml version="1.0" encoding="utf-8"?>
 <p:sld xmlns:a="http://schemas.openxmlformats.org/drawingml/2006/main" xmlns:r="http://schemas.openxmlformats.org/officeDocument/2006/relationships" xmlns:p="http://schemas.openxmlformats.org/presentationml/2006/main">
   <p:cSld>
     <p:spTree>
@@ -4649,7 +4872,7 @@
 </p:sld>
 </file>
 
-<file path=ppt/slides/slide15.xml><?xml version="1.0" encoding="utf-8"?>
+<file path=ppt/slides/slide16.xml><?xml version="1.0" encoding="utf-8"?>
 <p:sld xmlns:a="http://schemas.openxmlformats.org/drawingml/2006/main" xmlns:r="http://schemas.openxmlformats.org/officeDocument/2006/relationships" xmlns:p="http://schemas.openxmlformats.org/presentationml/2006/main">
   <p:cSld>
     <p:spTree>
@@ -5148,7 +5371,7 @@
 </p:sld>
 </file>
 
-<file path=ppt/slides/slide16.xml><?xml version="1.0" encoding="utf-8"?>
+<file path=ppt/slides/slide17.xml><?xml version="1.0" encoding="utf-8"?>
 <p:sld xmlns:a="http://schemas.openxmlformats.org/drawingml/2006/main" xmlns:r="http://schemas.openxmlformats.org/officeDocument/2006/relationships" xmlns:p="http://schemas.openxmlformats.org/presentationml/2006/main">
   <p:cSld>
     <p:spTree>
@@ -5275,7 +5498,7 @@
 </p:sld>
 </file>
 
-<file path=ppt/slides/slide17.xml><?xml version="1.0" encoding="utf-8"?>
+<file path=ppt/slides/slide18.xml><?xml version="1.0" encoding="utf-8"?>
 <p:sld xmlns:a="http://schemas.openxmlformats.org/drawingml/2006/main" xmlns:r="http://schemas.openxmlformats.org/officeDocument/2006/relationships" xmlns:p="http://schemas.openxmlformats.org/presentationml/2006/main">
   <p:cSld>
     <p:spTree>
@@ -5361,59 +5584,6 @@
 </p:sld>
 </file>
 
-<file path=ppt/slides/slide18.xml><?xml version="1.0" encoding="utf-8"?>
-<p:sld xmlns:a="http://schemas.openxmlformats.org/drawingml/2006/main" xmlns:r="http://schemas.openxmlformats.org/officeDocument/2006/relationships" xmlns:p="http://schemas.openxmlformats.org/presentationml/2006/main">
-  <p:cSld>
-    <p:spTree>
-      <p:nvGrpSpPr>
-        <p:cNvPr id="1" name=""/>
-        <p:cNvGrpSpPr/>
-        <p:nvPr/>
-      </p:nvGrpSpPr>
-      <p:grpSpPr>
-        <a:xfrm>
-          <a:off x="0" y="0"/>
-          <a:ext cx="0" cy="0"/>
-          <a:chOff x="0" y="0"/>
-          <a:chExt cx="0" cy="0"/>
-        </a:xfrm>
-      </p:grpSpPr>
-      <p:sp>
-        <p:nvSpPr>
-          <p:cNvPr id="2" name="Title 1"/>
-          <p:cNvSpPr>
-            <a:spLocks noGrp="1"/>
-          </p:cNvSpPr>
-          <p:nvPr>
-            <p:ph type="title"/>
-          </p:nvPr>
-        </p:nvSpPr>
-        <p:spPr/>
-        <p:txBody>
-          <a:bodyPr/>
-          <a:lstStyle/>
-          <a:p>
-            <a:r>
-              <a:rPr lang="en-US" dirty="0" smtClean="0"/>
-              <a:t>Twitter Heron</a:t>
-            </a:r>
-            <a:endParaRPr lang="en-US" dirty="0"/>
-          </a:p>
-        </p:txBody>
-      </p:sp>
-    </p:spTree>
-    <p:extLst>
-      <p:ext uri="{BB962C8B-B14F-4D97-AF65-F5344CB8AC3E}">
-        <p14:creationId xmlns:p14="http://schemas.microsoft.com/office/powerpoint/2010/main" val="1466311562"/>
-      </p:ext>
-    </p:extLst>
-  </p:cSld>
-  <p:clrMapOvr>
-    <a:masterClrMapping/>
-  </p:clrMapOvr>
-</p:sld>
-</file>
-
 <file path=ppt/slides/slide19.xml><?xml version="1.0" encoding="utf-8"?>
 <p:sld xmlns:a="http://schemas.openxmlformats.org/drawingml/2006/main" xmlns:r="http://schemas.openxmlformats.org/officeDocument/2006/relationships" xmlns:p="http://schemas.openxmlformats.org/presentationml/2006/main">
   <p:cSld>
@@ -5447,36 +5617,45 @@
           <a:lstStyle/>
           <a:p>
             <a:r>
-              <a:rPr lang="en-US" smtClean="0"/>
-              <a:t>Kafka Streams</a:t>
-            </a:r>
-            <a:endParaRPr lang="en-US"/>
-          </a:p>
-        </p:txBody>
-      </p:sp>
-      <p:sp>
-        <p:nvSpPr>
-          <p:cNvPr id="3" name="Content Placeholder 2"/>
-          <p:cNvSpPr>
-            <a:spLocks noGrp="1"/>
-          </p:cNvSpPr>
-          <p:nvPr>
-            <p:ph idx="1"/>
-          </p:nvPr>
-        </p:nvSpPr>
-        <p:spPr/>
-        <p:txBody>
-          <a:bodyPr/>
-          <a:lstStyle/>
-          <a:p>
-            <a:endParaRPr lang="en-US"/>
-          </a:p>
-        </p:txBody>
-      </p:sp>
+              <a:rPr lang="en-US" dirty="0" smtClean="0"/>
+              <a:t>Heron</a:t>
+            </a:r>
+            <a:endParaRPr lang="en-US" dirty="0"/>
+          </a:p>
+        </p:txBody>
+      </p:sp>
+      <p:pic>
+        <p:nvPicPr>
+          <p:cNvPr id="3" name="Shape 216"/>
+          <p:cNvPicPr preferRelativeResize="0"/>
+          <p:nvPr/>
+        </p:nvPicPr>
+        <p:blipFill>
+          <a:blip r:embed="rId2">
+            <a:alphaModFix/>
+          </a:blip>
+          <a:stretch>
+            <a:fillRect/>
+          </a:stretch>
+        </p:blipFill>
+        <p:spPr>
+          <a:xfrm>
+            <a:off x="903262" y="1198363"/>
+            <a:ext cx="7650301" cy="5192450"/>
+          </a:xfrm>
+          <a:prstGeom prst="rect">
+            <a:avLst/>
+          </a:prstGeom>
+          <a:noFill/>
+          <a:ln>
+            <a:noFill/>
+          </a:ln>
+        </p:spPr>
+      </p:pic>
     </p:spTree>
     <p:extLst>
       <p:ext uri="{BB962C8B-B14F-4D97-AF65-F5344CB8AC3E}">
-        <p14:creationId xmlns:p14="http://schemas.microsoft.com/office/powerpoint/2010/main" val="3352304163"/>
+        <p14:creationId xmlns:p14="http://schemas.microsoft.com/office/powerpoint/2010/main" val="1466311562"/>
       </p:ext>
     </p:extLst>
   </p:cSld>
@@ -5570,6 +5749,604 @@
   <p:cSld>
     <p:spTree>
       <p:nvGrpSpPr>
+        <p:cNvPr id="1" name="Shape 205"/>
+        <p:cNvGrpSpPr/>
+        <p:nvPr/>
+      </p:nvGrpSpPr>
+      <p:grpSpPr>
+        <a:xfrm>
+          <a:off x="0" y="0"/>
+          <a:ext cx="0" cy="0"/>
+          <a:chOff x="0" y="0"/>
+          <a:chExt cx="0" cy="0"/>
+        </a:xfrm>
+      </p:grpSpPr>
+      <p:sp>
+        <p:nvSpPr>
+          <p:cNvPr id="206" name="Shape 206"/>
+          <p:cNvSpPr txBox="1">
+            <a:spLocks noGrp="1"/>
+          </p:cNvSpPr>
+          <p:nvPr>
+            <p:ph type="title"/>
+          </p:nvPr>
+        </p:nvSpPr>
+        <p:spPr>
+          <a:xfrm>
+            <a:off x="164470" y="128462"/>
+            <a:ext cx="7620300" cy="899100"/>
+          </a:xfrm>
+          <a:prstGeom prst="rect">
+            <a:avLst/>
+          </a:prstGeom>
+        </p:spPr>
+        <p:txBody>
+          <a:bodyPr lIns="121900" tIns="121900" rIns="121900" bIns="121900" anchor="ctr" anchorCtr="0">
+            <a:noAutofit/>
+          </a:bodyPr>
+          <a:lstStyle/>
+          <a:p>
+            <a:pPr lvl="0" rtl="0">
+              <a:spcBef>
+                <a:spcPts val="0"/>
+              </a:spcBef>
+              <a:buNone/>
+            </a:pPr>
+            <a:r>
+              <a:rPr lang="en-US"/>
+              <a:t>Heron: Key Features</a:t>
+            </a:r>
+          </a:p>
+        </p:txBody>
+      </p:sp>
+      <p:sp>
+        <p:nvSpPr>
+          <p:cNvPr id="207" name="Shape 207"/>
+          <p:cNvSpPr txBox="1">
+            <a:spLocks noGrp="1"/>
+          </p:cNvSpPr>
+          <p:nvPr>
+            <p:ph type="body" idx="1"/>
+          </p:nvPr>
+        </p:nvSpPr>
+        <p:spPr>
+          <a:xfrm>
+            <a:off x="237566" y="1705364"/>
+            <a:ext cx="8449200" cy="4420800"/>
+          </a:xfrm>
+          <a:prstGeom prst="rect">
+            <a:avLst/>
+          </a:prstGeom>
+        </p:spPr>
+        <p:txBody>
+          <a:bodyPr lIns="121900" tIns="121900" rIns="121900" bIns="121900" anchor="t" anchorCtr="0">
+            <a:noAutofit/>
+          </a:bodyPr>
+          <a:lstStyle/>
+          <a:p>
+            <a:pPr marL="685800" indent="-457200">
+              <a:spcBef>
+                <a:spcPts val="0"/>
+              </a:spcBef>
+            </a:pPr>
+            <a:r>
+              <a:rPr lang="en-US" dirty="0"/>
+              <a:t>Fully API compatible with Apache </a:t>
+            </a:r>
+            <a:r>
+              <a:rPr lang="en-US" dirty="0" smtClean="0"/>
+              <a:t>Storm</a:t>
+            </a:r>
+          </a:p>
+          <a:p>
+            <a:pPr marL="685800" indent="-457200">
+              <a:spcBef>
+                <a:spcPts val="0"/>
+              </a:spcBef>
+            </a:pPr>
+            <a:r>
+              <a:rPr lang="en-US" dirty="0" smtClean="0"/>
+              <a:t>Task </a:t>
+            </a:r>
+            <a:r>
+              <a:rPr lang="en-US" dirty="0"/>
+              <a:t>isolation</a:t>
+            </a:r>
+          </a:p>
+          <a:p>
+            <a:pPr marL="685800" indent="-457200">
+              <a:spcBef>
+                <a:spcPts val="0"/>
+              </a:spcBef>
+            </a:pPr>
+            <a:r>
+              <a:rPr lang="en-US" dirty="0"/>
+              <a:t>Developer </a:t>
+            </a:r>
+            <a:r>
+              <a:rPr lang="en-US" dirty="0" smtClean="0"/>
+              <a:t>productivity</a:t>
+            </a:r>
+          </a:p>
+          <a:p>
+            <a:pPr marL="685800" indent="-457200">
+              <a:spcBef>
+                <a:spcPts val="0"/>
+              </a:spcBef>
+            </a:pPr>
+            <a:r>
+              <a:rPr lang="en-US" dirty="0" smtClean="0"/>
+              <a:t>Ease </a:t>
+            </a:r>
+            <a:r>
+              <a:rPr lang="en-US" dirty="0"/>
+              <a:t>of </a:t>
+            </a:r>
+            <a:r>
+              <a:rPr lang="en-US" dirty="0" smtClean="0"/>
+              <a:t>manageability</a:t>
+            </a:r>
+          </a:p>
+          <a:p>
+            <a:pPr marL="685800" indent="-457200">
+              <a:spcBef>
+                <a:spcPts val="0"/>
+              </a:spcBef>
+            </a:pPr>
+            <a:r>
+              <a:rPr lang="en-US" dirty="0" smtClean="0"/>
+              <a:t>Use </a:t>
+            </a:r>
+            <a:r>
+              <a:rPr lang="en-US" dirty="0"/>
+              <a:t>of mainstream languages C++/Java/Python</a:t>
+            </a:r>
+          </a:p>
+          <a:p>
+            <a:pPr marL="457200" indent="0">
+              <a:spcBef>
+                <a:spcPts val="700"/>
+              </a:spcBef>
+              <a:buNone/>
+            </a:pPr>
+            <a:endParaRPr sz="3000" dirty="0"/>
+          </a:p>
+        </p:txBody>
+      </p:sp>
+      <p:sp>
+        <p:nvSpPr>
+          <p:cNvPr id="208" name="Shape 208"/>
+          <p:cNvSpPr txBox="1">
+            <a:spLocks noGrp="1"/>
+          </p:cNvSpPr>
+          <p:nvPr>
+            <p:ph type="sldNum" idx="12"/>
+          </p:nvPr>
+        </p:nvSpPr>
+        <p:spPr>
+          <a:xfrm>
+            <a:off x="5975695" y="6429438"/>
+            <a:ext cx="1480275" cy="365100"/>
+          </a:xfrm>
+          <a:prstGeom prst="rect">
+            <a:avLst/>
+          </a:prstGeom>
+        </p:spPr>
+        <p:txBody>
+          <a:bodyPr lIns="121900" tIns="60925" rIns="121900" bIns="60925" anchor="ctr" anchorCtr="0">
+            <a:noAutofit/>
+          </a:bodyPr>
+          <a:lstStyle/>
+          <a:p>
+            <a:pPr lvl="0" rtl="0">
+              <a:spcBef>
+                <a:spcPts val="0"/>
+              </a:spcBef>
+              <a:buClr>
+                <a:srgbClr val="000000"/>
+              </a:buClr>
+              <a:buSzPct val="25000"/>
+              <a:buFont typeface="Arial"/>
+              <a:buNone/>
+            </a:pPr>
+            <a:fld id="{00000000-1234-1234-1234-123412341234}" type="slidenum">
+              <a:rPr lang="en-US"/>
+              <a:t>20</a:t>
+            </a:fld>
+            <a:endParaRPr lang="en-US"/>
+          </a:p>
+        </p:txBody>
+      </p:sp>
+    </p:spTree>
+    <p:extLst>
+      <p:ext uri="{BB962C8B-B14F-4D97-AF65-F5344CB8AC3E}">
+        <p14:creationId xmlns:p14="http://schemas.microsoft.com/office/powerpoint/2010/main" val="3665623530"/>
+      </p:ext>
+    </p:extLst>
+  </p:cSld>
+  <p:clrMapOvr>
+    <a:masterClrMapping/>
+  </p:clrMapOvr>
+  <p:timing>
+    <p:tnLst>
+      <p:par>
+        <p:cTn xmlns:p14="http://schemas.microsoft.com/office/powerpoint/2010/main" id="1" dur="indefinite" restart="never" nodeType="tmRoot"/>
+      </p:par>
+    </p:tnLst>
+  </p:timing>
+</p:sld>
+</file>
+
+<file path=ppt/slides/slide21.xml><?xml version="1.0" encoding="utf-8"?>
+<p:sld xmlns:a="http://schemas.openxmlformats.org/drawingml/2006/main" xmlns:r="http://schemas.openxmlformats.org/officeDocument/2006/relationships" xmlns:p="http://schemas.openxmlformats.org/presentationml/2006/main">
+  <p:cSld>
+    <p:spTree>
+      <p:nvGrpSpPr>
+        <p:cNvPr id="1" name=""/>
+        <p:cNvGrpSpPr/>
+        <p:nvPr/>
+      </p:nvGrpSpPr>
+      <p:grpSpPr>
+        <a:xfrm>
+          <a:off x="0" y="0"/>
+          <a:ext cx="0" cy="0"/>
+          <a:chOff x="0" y="0"/>
+          <a:chExt cx="0" cy="0"/>
+        </a:xfrm>
+      </p:grpSpPr>
+      <p:sp>
+        <p:nvSpPr>
+          <p:cNvPr id="2" name="Title 1"/>
+          <p:cNvSpPr>
+            <a:spLocks noGrp="1"/>
+          </p:cNvSpPr>
+          <p:nvPr>
+            <p:ph type="title"/>
+          </p:nvPr>
+        </p:nvSpPr>
+        <p:spPr/>
+        <p:txBody>
+          <a:bodyPr/>
+          <a:lstStyle/>
+          <a:p>
+            <a:r>
+              <a:rPr lang="en-US" dirty="0" smtClean="0"/>
+              <a:t>Heron</a:t>
+            </a:r>
+            <a:endParaRPr lang="en-US" dirty="0"/>
+          </a:p>
+        </p:txBody>
+      </p:sp>
+      <p:sp>
+        <p:nvSpPr>
+          <p:cNvPr id="3" name="Content Placeholder 2"/>
+          <p:cNvSpPr>
+            <a:spLocks noGrp="1"/>
+          </p:cNvSpPr>
+          <p:nvPr>
+            <p:ph idx="1"/>
+          </p:nvPr>
+        </p:nvSpPr>
+        <p:spPr/>
+        <p:txBody>
+          <a:bodyPr>
+            <a:normAutofit/>
+          </a:bodyPr>
+          <a:lstStyle/>
+          <a:p>
+            <a:r>
+              <a:rPr lang="en-US" sz="2400" dirty="0" smtClean="0"/>
+              <a:t>In production at Twitter for &gt;2 years</a:t>
+            </a:r>
+          </a:p>
+          <a:p>
+            <a:r>
+              <a:rPr lang="en-US" sz="2400" dirty="0" smtClean="0"/>
+              <a:t>Going into production at Microsoft, </a:t>
+            </a:r>
+            <a:r>
+              <a:rPr lang="en-US" sz="2400" dirty="0" err="1" smtClean="0"/>
+              <a:t>WeChat</a:t>
+            </a:r>
+            <a:endParaRPr lang="en-US" sz="2400" dirty="0" smtClean="0"/>
+          </a:p>
+          <a:p>
+            <a:r>
+              <a:rPr lang="en-US" sz="2400" dirty="0" smtClean="0"/>
+              <a:t>Donation to CNCF</a:t>
+            </a:r>
+          </a:p>
+          <a:p>
+            <a:endParaRPr lang="en-US" sz="2400" dirty="0"/>
+          </a:p>
+        </p:txBody>
+      </p:sp>
+      <p:pic>
+        <p:nvPicPr>
+          <p:cNvPr id="5" name="Picture 4"/>
+          <p:cNvPicPr>
+            <a:picLocks noChangeAspect="1"/>
+          </p:cNvPicPr>
+          <p:nvPr/>
+        </p:nvPicPr>
+        <p:blipFill>
+          <a:blip r:embed="rId2"/>
+          <a:stretch>
+            <a:fillRect/>
+          </a:stretch>
+        </p:blipFill>
+        <p:spPr>
+          <a:xfrm>
+            <a:off x="0" y="3233767"/>
+            <a:ext cx="9144000" cy="2892396"/>
+          </a:xfrm>
+          <a:prstGeom prst="rect">
+            <a:avLst/>
+          </a:prstGeom>
+        </p:spPr>
+      </p:pic>
+    </p:spTree>
+    <p:extLst>
+      <p:ext uri="{BB962C8B-B14F-4D97-AF65-F5344CB8AC3E}">
+        <p14:creationId xmlns:p14="http://schemas.microsoft.com/office/powerpoint/2010/main" val="1526067125"/>
+      </p:ext>
+    </p:extLst>
+  </p:cSld>
+  <p:clrMapOvr>
+    <a:masterClrMapping/>
+  </p:clrMapOvr>
+  <p:timing>
+    <p:tnLst>
+      <p:par>
+        <p:cTn xmlns:p14="http://schemas.microsoft.com/office/powerpoint/2010/main" id="1" dur="indefinite" restart="never" nodeType="tmRoot"/>
+      </p:par>
+    </p:tnLst>
+  </p:timing>
+</p:sld>
+</file>
+
+<file path=ppt/slides/slide22.xml><?xml version="1.0" encoding="utf-8"?>
+<p:sld xmlns:a="http://schemas.openxmlformats.org/drawingml/2006/main" xmlns:r="http://schemas.openxmlformats.org/officeDocument/2006/relationships" xmlns:p="http://schemas.openxmlformats.org/presentationml/2006/main">
+  <p:cSld>
+    <p:spTree>
+      <p:nvGrpSpPr>
+        <p:cNvPr id="1" name=""/>
+        <p:cNvGrpSpPr/>
+        <p:nvPr/>
+      </p:nvGrpSpPr>
+      <p:grpSpPr>
+        <a:xfrm>
+          <a:off x="0" y="0"/>
+          <a:ext cx="0" cy="0"/>
+          <a:chOff x="0" y="0"/>
+          <a:chExt cx="0" cy="0"/>
+        </a:xfrm>
+      </p:grpSpPr>
+      <p:sp>
+        <p:nvSpPr>
+          <p:cNvPr id="2" name="Title 1"/>
+          <p:cNvSpPr>
+            <a:spLocks noGrp="1"/>
+          </p:cNvSpPr>
+          <p:nvPr>
+            <p:ph type="title"/>
+          </p:nvPr>
+        </p:nvSpPr>
+        <p:spPr/>
+        <p:txBody>
+          <a:bodyPr>
+            <a:noAutofit/>
+          </a:bodyPr>
+          <a:lstStyle/>
+          <a:p>
+            <a:r>
+              <a:rPr lang="en-US" sz="3200" dirty="0" smtClean="0"/>
+              <a:t>Kafka Streams</a:t>
+            </a:r>
+            <a:br>
+              <a:rPr lang="en-US" sz="3200" dirty="0" smtClean="0"/>
+            </a:br>
+            <a:r>
+              <a:rPr lang="en-US" sz="3200" dirty="0"/>
+              <a:t/>
+            </a:r>
+            <a:br>
+              <a:rPr lang="en-US" sz="3200" dirty="0"/>
+            </a:br>
+            <a:endParaRPr lang="en-US" sz="3200" dirty="0"/>
+          </a:p>
+        </p:txBody>
+      </p:sp>
+      <p:pic>
+        <p:nvPicPr>
+          <p:cNvPr id="6" name="Picture 5"/>
+          <p:cNvPicPr>
+            <a:picLocks noChangeAspect="1"/>
+          </p:cNvPicPr>
+          <p:nvPr/>
+        </p:nvPicPr>
+        <p:blipFill>
+          <a:blip r:embed="rId2"/>
+          <a:stretch>
+            <a:fillRect/>
+          </a:stretch>
+        </p:blipFill>
+        <p:spPr>
+          <a:xfrm>
+            <a:off x="0" y="747234"/>
+            <a:ext cx="7487278" cy="6110765"/>
+          </a:xfrm>
+          <a:prstGeom prst="rect">
+            <a:avLst/>
+          </a:prstGeom>
+        </p:spPr>
+      </p:pic>
+    </p:spTree>
+    <p:extLst>
+      <p:ext uri="{BB962C8B-B14F-4D97-AF65-F5344CB8AC3E}">
+        <p14:creationId xmlns:p14="http://schemas.microsoft.com/office/powerpoint/2010/main" val="142131772"/>
+      </p:ext>
+    </p:extLst>
+  </p:cSld>
+  <p:clrMapOvr>
+    <a:masterClrMapping/>
+  </p:clrMapOvr>
+  <p:timing>
+    <p:tnLst>
+      <p:par>
+        <p:cTn xmlns:p14="http://schemas.microsoft.com/office/powerpoint/2010/main" id="1" dur="indefinite" restart="never" nodeType="tmRoot"/>
+      </p:par>
+    </p:tnLst>
+  </p:timing>
+</p:sld>
+</file>
+
+<file path=ppt/slides/slide23.xml><?xml version="1.0" encoding="utf-8"?>
+<p:sld xmlns:a="http://schemas.openxmlformats.org/drawingml/2006/main" xmlns:r="http://schemas.openxmlformats.org/officeDocument/2006/relationships" xmlns:p="http://schemas.openxmlformats.org/presentationml/2006/main">
+  <p:cSld>
+    <p:spTree>
+      <p:nvGrpSpPr>
+        <p:cNvPr id="1" name=""/>
+        <p:cNvGrpSpPr/>
+        <p:nvPr/>
+      </p:nvGrpSpPr>
+      <p:grpSpPr>
+        <a:xfrm>
+          <a:off x="0" y="0"/>
+          <a:ext cx="0" cy="0"/>
+          <a:chOff x="0" y="0"/>
+          <a:chExt cx="0" cy="0"/>
+        </a:xfrm>
+      </p:grpSpPr>
+      <p:sp>
+        <p:nvSpPr>
+          <p:cNvPr id="2" name="Title 1"/>
+          <p:cNvSpPr>
+            <a:spLocks noGrp="1"/>
+          </p:cNvSpPr>
+          <p:nvPr>
+            <p:ph type="title"/>
+          </p:nvPr>
+        </p:nvSpPr>
+        <p:spPr/>
+        <p:txBody>
+          <a:bodyPr/>
+          <a:lstStyle/>
+          <a:p>
+            <a:r>
+              <a:rPr lang="en-US" smtClean="0"/>
+              <a:t>Kafka Streams</a:t>
+            </a:r>
+            <a:endParaRPr lang="en-US"/>
+          </a:p>
+        </p:txBody>
+      </p:sp>
+      <p:sp>
+        <p:nvSpPr>
+          <p:cNvPr id="3" name="Content Placeholder 2"/>
+          <p:cNvSpPr>
+            <a:spLocks noGrp="1"/>
+          </p:cNvSpPr>
+          <p:nvPr>
+            <p:ph idx="1"/>
+          </p:nvPr>
+        </p:nvSpPr>
+        <p:spPr/>
+        <p:txBody>
+          <a:bodyPr>
+            <a:normAutofit fontScale="77500" lnSpcReduction="20000"/>
+          </a:bodyPr>
+          <a:lstStyle/>
+          <a:p>
+            <a:r>
+              <a:rPr lang="en-US" dirty="0"/>
+              <a:t>Event-at-a-time processing (not </a:t>
+            </a:r>
+            <a:r>
+              <a:rPr lang="en-US" dirty="0" err="1"/>
+              <a:t>microbatch</a:t>
+            </a:r>
+            <a:r>
+              <a:rPr lang="en-US" dirty="0"/>
+              <a:t>) with millisecond latency</a:t>
+            </a:r>
+          </a:p>
+          <a:p>
+            <a:r>
+              <a:rPr lang="en-US" dirty="0" err="1"/>
+              <a:t>Stateful</a:t>
+            </a:r>
+            <a:r>
+              <a:rPr lang="en-US" dirty="0"/>
+              <a:t> processing including distributed joins and aggregations</a:t>
+            </a:r>
+          </a:p>
+          <a:p>
+            <a:r>
+              <a:rPr lang="en-US" dirty="0"/>
+              <a:t>A convenient DSL</a:t>
+            </a:r>
+          </a:p>
+          <a:p>
+            <a:r>
+              <a:rPr lang="en-US" dirty="0"/>
+              <a:t>Windowing with out-of-order data using a </a:t>
+            </a:r>
+            <a:r>
+              <a:rPr lang="en-US" dirty="0" err="1"/>
+              <a:t>DataFlow</a:t>
+            </a:r>
+            <a:r>
+              <a:rPr lang="en-US" dirty="0"/>
+              <a:t>-like model</a:t>
+            </a:r>
+          </a:p>
+          <a:p>
+            <a:r>
+              <a:rPr lang="en-US" dirty="0"/>
+              <a:t>Distributed processing and fault-tolerance with fast failover</a:t>
+            </a:r>
+          </a:p>
+          <a:p>
+            <a:r>
+              <a:rPr lang="en-US" dirty="0"/>
+              <a:t>Reprocessing capabilities so you can recalculate output when your code changes</a:t>
+            </a:r>
+          </a:p>
+          <a:p>
+            <a:r>
+              <a:rPr lang="en-US" dirty="0"/>
+              <a:t>No-downtime rolling deployments</a:t>
+            </a:r>
+            <a:endParaRPr lang="en-US" dirty="0"/>
+          </a:p>
+        </p:txBody>
+      </p:sp>
+    </p:spTree>
+    <p:extLst>
+      <p:ext uri="{BB962C8B-B14F-4D97-AF65-F5344CB8AC3E}">
+        <p14:creationId xmlns:p14="http://schemas.microsoft.com/office/powerpoint/2010/main" val="3352304163"/>
+      </p:ext>
+    </p:extLst>
+  </p:cSld>
+  <p:clrMapOvr>
+    <a:masterClrMapping/>
+  </p:clrMapOvr>
+  <p:timing>
+    <p:tnLst>
+      <p:par>
+        <p:cTn xmlns:p14="http://schemas.microsoft.com/office/powerpoint/2010/main" id="1" dur="indefinite" restart="never" nodeType="tmRoot"/>
+      </p:par>
+    </p:tnLst>
+  </p:timing>
+</p:sld>
+</file>
+
+<file path=ppt/slides/slide24.xml><?xml version="1.0" encoding="utf-8"?>
+<p:sld xmlns:a="http://schemas.openxmlformats.org/drawingml/2006/main" xmlns:r="http://schemas.openxmlformats.org/officeDocument/2006/relationships" xmlns:p="http://schemas.openxmlformats.org/presentationml/2006/main">
+  <p:cSld>
+    <p:spTree>
+      <p:nvGrpSpPr>
         <p:cNvPr id="1" name=""/>
         <p:cNvGrpSpPr/>
         <p:nvPr/>
@@ -5714,7 +6491,7 @@
 </p:sld>
 </file>
 
-<file path=ppt/slides/slide21.xml><?xml version="1.0" encoding="utf-8"?>
+<file path=ppt/slides/slide25.xml><?xml version="1.0" encoding="utf-8"?>
 <p:sld xmlns:a="http://schemas.openxmlformats.org/drawingml/2006/main" xmlns:r="http://schemas.openxmlformats.org/officeDocument/2006/relationships" xmlns:p="http://schemas.openxmlformats.org/presentationml/2006/main">
   <p:cSld>
     <p:spTree>
@@ -5914,7 +6691,7 @@
 </p:sld>
 </file>
 
-<file path=ppt/slides/slide22.xml><?xml version="1.0" encoding="utf-8"?>
+<file path=ppt/slides/slide26.xml><?xml version="1.0" encoding="utf-8"?>
 <p:sld xmlns:a="http://schemas.openxmlformats.org/drawingml/2006/main" xmlns:r="http://schemas.openxmlformats.org/officeDocument/2006/relationships" xmlns:p="http://schemas.openxmlformats.org/presentationml/2006/main">
   <p:cSld>
     <p:spTree>
@@ -6015,7 +6792,7 @@
 </p:sld>
 </file>
 
-<file path=ppt/slides/slide23.xml><?xml version="1.0" encoding="utf-8"?>
+<file path=ppt/slides/slide27.xml><?xml version="1.0" encoding="utf-8"?>
 <p:sld xmlns:a="http://schemas.openxmlformats.org/drawingml/2006/main" xmlns:r="http://schemas.openxmlformats.org/officeDocument/2006/relationships" xmlns:p="http://schemas.openxmlformats.org/presentationml/2006/main">
   <p:cSld>
     <p:spTree>
@@ -6105,7 +6882,7 @@
 </p:sld>
 </file>
 
-<file path=ppt/slides/slide24.xml><?xml version="1.0" encoding="utf-8"?>
+<file path=ppt/slides/slide28.xml><?xml version="1.0" encoding="utf-8"?>
 <p:sld xmlns:a="http://schemas.openxmlformats.org/drawingml/2006/main" xmlns:r="http://schemas.openxmlformats.org/officeDocument/2006/relationships" xmlns:p="http://schemas.openxmlformats.org/presentationml/2006/main">
   <p:cSld>
     <p:spTree>
@@ -6186,7 +6963,7 @@
 </p:sld>
 </file>
 
-<file path=ppt/slides/slide25.xml><?xml version="1.0" encoding="utf-8"?>
+<file path=ppt/slides/slide29.xml><?xml version="1.0" encoding="utf-8"?>
 <p:sld xmlns:a="http://schemas.openxmlformats.org/drawingml/2006/main" xmlns:r="http://schemas.openxmlformats.org/officeDocument/2006/relationships" xmlns:p="http://schemas.openxmlformats.org/presentationml/2006/main">
   <p:cSld>
     <p:spTree>
@@ -6324,327 +7101,6 @@
 </p:sld>
 </file>
 
-<file path=ppt/slides/slide26.xml><?xml version="1.0" encoding="utf-8"?>
-<p:sld xmlns:a="http://schemas.openxmlformats.org/drawingml/2006/main" xmlns:r="http://schemas.openxmlformats.org/officeDocument/2006/relationships" xmlns:p="http://schemas.openxmlformats.org/presentationml/2006/main">
-  <p:cSld>
-    <p:spTree>
-      <p:nvGrpSpPr>
-        <p:cNvPr id="1" name=""/>
-        <p:cNvGrpSpPr/>
-        <p:nvPr/>
-      </p:nvGrpSpPr>
-      <p:grpSpPr>
-        <a:xfrm>
-          <a:off x="0" y="0"/>
-          <a:ext cx="0" cy="0"/>
-          <a:chOff x="0" y="0"/>
-          <a:chExt cx="0" cy="0"/>
-        </a:xfrm>
-      </p:grpSpPr>
-      <p:sp>
-        <p:nvSpPr>
-          <p:cNvPr id="2" name="Title 1"/>
-          <p:cNvSpPr>
-            <a:spLocks noGrp="1"/>
-          </p:cNvSpPr>
-          <p:nvPr>
-            <p:ph type="title"/>
-          </p:nvPr>
-        </p:nvSpPr>
-        <p:spPr/>
-        <p:txBody>
-          <a:bodyPr/>
-          <a:lstStyle/>
-          <a:p>
-            <a:r>
-              <a:rPr lang="en-US" dirty="0" smtClean="0"/>
-              <a:t>Storm </a:t>
-            </a:r>
-            <a:r>
-              <a:rPr lang="en-US" dirty="0" err="1" smtClean="0"/>
-              <a:t>vs</a:t>
-            </a:r>
-            <a:r>
-              <a:rPr lang="en-US" dirty="0" smtClean="0"/>
-              <a:t> Spark Streaming</a:t>
-            </a:r>
-            <a:endParaRPr lang="en-US" dirty="0"/>
-          </a:p>
-        </p:txBody>
-      </p:sp>
-      <p:sp>
-        <p:nvSpPr>
-          <p:cNvPr id="3" name="Content Placeholder 2"/>
-          <p:cNvSpPr>
-            <a:spLocks noGrp="1"/>
-          </p:cNvSpPr>
-          <p:nvPr>
-            <p:ph idx="1"/>
-          </p:nvPr>
-        </p:nvSpPr>
-        <p:spPr/>
-        <p:txBody>
-          <a:bodyPr>
-            <a:normAutofit fontScale="85000" lnSpcReduction="10000"/>
-          </a:bodyPr>
-          <a:lstStyle/>
-          <a:p>
-            <a:r>
-              <a:rPr lang="en-US" dirty="0" smtClean="0"/>
-              <a:t>“Classic” Storm has no counterpart in Spark </a:t>
-            </a:r>
-          </a:p>
-          <a:p>
-            <a:pPr lvl="1"/>
-            <a:r>
-              <a:rPr lang="en-US" dirty="0" smtClean="0"/>
-              <a:t>Spouts and Bolts</a:t>
-            </a:r>
-          </a:p>
-          <a:p>
-            <a:pPr lvl="1"/>
-            <a:r>
-              <a:rPr lang="en-US" dirty="0" smtClean="0"/>
-              <a:t>Event by event processing</a:t>
-            </a:r>
-          </a:p>
-          <a:p>
-            <a:r>
-              <a:rPr lang="en-US" dirty="0" smtClean="0"/>
-              <a:t>Trident and Streaming both offer micro-batch models </a:t>
-            </a:r>
-          </a:p>
-          <a:p>
-            <a:pPr lvl="1"/>
-            <a:r>
-              <a:rPr lang="en-US" dirty="0" smtClean="0"/>
-              <a:t>More </a:t>
-            </a:r>
-            <a:r>
-              <a:rPr lang="en-US" dirty="0" err="1" smtClean="0"/>
-              <a:t>performant</a:t>
-            </a:r>
-            <a:r>
-              <a:rPr lang="en-US" dirty="0" smtClean="0"/>
-              <a:t> but less flexible</a:t>
-            </a:r>
-          </a:p>
-          <a:p>
-            <a:r>
-              <a:rPr lang="en-US" dirty="0" smtClean="0"/>
-              <a:t>Storm is more flexible for pure streaming systems</a:t>
-            </a:r>
-          </a:p>
-          <a:p>
-            <a:r>
-              <a:rPr lang="en-US" dirty="0" smtClean="0"/>
-              <a:t>Spark offers a much more unified programming model for Batch and Streaming</a:t>
-            </a:r>
-          </a:p>
-        </p:txBody>
-      </p:sp>
-    </p:spTree>
-    <p:extLst>
-      <p:ext uri="{BB962C8B-B14F-4D97-AF65-F5344CB8AC3E}">
-        <p14:creationId xmlns:p14="http://schemas.microsoft.com/office/powerpoint/2010/main" val="122685410"/>
-      </p:ext>
-    </p:extLst>
-  </p:cSld>
-  <p:clrMapOvr>
-    <a:masterClrMapping/>
-  </p:clrMapOvr>
-</p:sld>
-</file>
-
-<file path=ppt/slides/slide27.xml><?xml version="1.0" encoding="utf-8"?>
-<p:sld xmlns:a="http://schemas.openxmlformats.org/drawingml/2006/main" xmlns:r="http://schemas.openxmlformats.org/officeDocument/2006/relationships" xmlns:p="http://schemas.openxmlformats.org/presentationml/2006/main">
-  <p:cSld>
-    <p:spTree>
-      <p:nvGrpSpPr>
-        <p:cNvPr id="1" name=""/>
-        <p:cNvGrpSpPr/>
-        <p:nvPr/>
-      </p:nvGrpSpPr>
-      <p:grpSpPr>
-        <a:xfrm>
-          <a:off x="0" y="0"/>
-          <a:ext cx="0" cy="0"/>
-          <a:chOff x="0" y="0"/>
-          <a:chExt cx="0" cy="0"/>
-        </a:xfrm>
-      </p:grpSpPr>
-      <p:sp>
-        <p:nvSpPr>
-          <p:cNvPr id="2" name="Title 1"/>
-          <p:cNvSpPr>
-            <a:spLocks noGrp="1"/>
-          </p:cNvSpPr>
-          <p:nvPr>
-            <p:ph type="title"/>
-          </p:nvPr>
-        </p:nvSpPr>
-        <p:spPr/>
-        <p:txBody>
-          <a:bodyPr/>
-          <a:lstStyle/>
-          <a:p>
-            <a:r>
-              <a:rPr lang="en-US" dirty="0" smtClean="0"/>
-              <a:t>Summary</a:t>
-            </a:r>
-            <a:endParaRPr lang="en-US" dirty="0"/>
-          </a:p>
-        </p:txBody>
-      </p:sp>
-      <p:sp>
-        <p:nvSpPr>
-          <p:cNvPr id="3" name="Content Placeholder 2"/>
-          <p:cNvSpPr>
-            <a:spLocks noGrp="1"/>
-          </p:cNvSpPr>
-          <p:nvPr>
-            <p:ph idx="1"/>
-          </p:nvPr>
-        </p:nvSpPr>
-        <p:spPr/>
-        <p:txBody>
-          <a:bodyPr>
-            <a:normAutofit lnSpcReduction="10000"/>
-          </a:bodyPr>
-          <a:lstStyle/>
-          <a:p>
-            <a:r>
-              <a:rPr lang="en-US" dirty="0" err="1" smtClean="0"/>
-              <a:t>Realtime</a:t>
-            </a:r>
-            <a:r>
-              <a:rPr lang="en-US" dirty="0" smtClean="0"/>
-              <a:t> processing is hard</a:t>
-            </a:r>
-          </a:p>
-          <a:p>
-            <a:pPr lvl="1"/>
-            <a:r>
-              <a:rPr lang="en-US" dirty="0" smtClean="0"/>
-              <a:t>Requires large memory and state</a:t>
-            </a:r>
-          </a:p>
-          <a:p>
-            <a:pPr lvl="1"/>
-            <a:r>
-              <a:rPr lang="en-US" dirty="0" smtClean="0"/>
-              <a:t>The lambda architecture splits the problem into batch and </a:t>
-            </a:r>
-            <a:r>
-              <a:rPr lang="en-US" dirty="0" err="1" smtClean="0"/>
-              <a:t>realtime</a:t>
-            </a:r>
-            <a:r>
-              <a:rPr lang="en-US" dirty="0" smtClean="0"/>
-              <a:t> challenges</a:t>
-            </a:r>
-          </a:p>
-          <a:p>
-            <a:r>
-              <a:rPr lang="en-US" dirty="0" smtClean="0"/>
-              <a:t>Multiple approaches:</a:t>
-            </a:r>
-          </a:p>
-          <a:p>
-            <a:pPr lvl="1"/>
-            <a:r>
-              <a:rPr lang="en-US" dirty="0" smtClean="0"/>
-              <a:t>Pure Streaming</a:t>
-            </a:r>
-          </a:p>
-          <a:p>
-            <a:pPr lvl="1"/>
-            <a:r>
-              <a:rPr lang="en-US" dirty="0" smtClean="0"/>
-              <a:t>Micro-batch</a:t>
-            </a:r>
-          </a:p>
-          <a:p>
-            <a:pPr lvl="1"/>
-            <a:r>
-              <a:rPr lang="en-US" smtClean="0"/>
-              <a:t>CEP</a:t>
-            </a:r>
-          </a:p>
-          <a:p>
-            <a:pPr marL="0" indent="0">
-              <a:buNone/>
-            </a:pPr>
-            <a:endParaRPr lang="en-US" dirty="0"/>
-          </a:p>
-        </p:txBody>
-      </p:sp>
-    </p:spTree>
-    <p:extLst>
-      <p:ext uri="{BB962C8B-B14F-4D97-AF65-F5344CB8AC3E}">
-        <p14:creationId xmlns:p14="http://schemas.microsoft.com/office/powerpoint/2010/main" val="3488167718"/>
-      </p:ext>
-    </p:extLst>
-  </p:cSld>
-  <p:clrMapOvr>
-    <a:masterClrMapping/>
-  </p:clrMapOvr>
-</p:sld>
-</file>
-
-<file path=ppt/slides/slide28.xml><?xml version="1.0" encoding="utf-8"?>
-<p:sld xmlns:a="http://schemas.openxmlformats.org/drawingml/2006/main" xmlns:r="http://schemas.openxmlformats.org/officeDocument/2006/relationships" xmlns:p="http://schemas.openxmlformats.org/presentationml/2006/main">
-  <p:cSld>
-    <p:spTree>
-      <p:nvGrpSpPr>
-        <p:cNvPr id="1" name=""/>
-        <p:cNvGrpSpPr/>
-        <p:nvPr/>
-      </p:nvGrpSpPr>
-      <p:grpSpPr>
-        <a:xfrm>
-          <a:off x="0" y="0"/>
-          <a:ext cx="0" cy="0"/>
-          <a:chOff x="0" y="0"/>
-          <a:chExt cx="0" cy="0"/>
-        </a:xfrm>
-      </p:grpSpPr>
-      <p:sp>
-        <p:nvSpPr>
-          <p:cNvPr id="2" name="Title 1"/>
-          <p:cNvSpPr>
-            <a:spLocks noGrp="1"/>
-          </p:cNvSpPr>
-          <p:nvPr>
-            <p:ph type="title"/>
-          </p:nvPr>
-        </p:nvSpPr>
-        <p:spPr/>
-        <p:txBody>
-          <a:bodyPr/>
-          <a:lstStyle/>
-          <a:p>
-            <a:r>
-              <a:rPr lang="en-US" dirty="0" smtClean="0"/>
-              <a:t>Questions?</a:t>
-            </a:r>
-            <a:endParaRPr lang="en-US" dirty="0"/>
-          </a:p>
-        </p:txBody>
-      </p:sp>
-    </p:spTree>
-    <p:extLst>
-      <p:ext uri="{BB962C8B-B14F-4D97-AF65-F5344CB8AC3E}">
-        <p14:creationId xmlns:p14="http://schemas.microsoft.com/office/powerpoint/2010/main" val="398042910"/>
-      </p:ext>
-    </p:extLst>
-  </p:cSld>
-  <p:clrMapOvr>
-    <a:masterClrMapping/>
-  </p:clrMapOvr>
-</p:sld>
-</file>
-
 <file path=ppt/slides/slide3.xml><?xml version="1.0" encoding="utf-8"?>
 <p:sld xmlns:a="http://schemas.openxmlformats.org/drawingml/2006/main" xmlns:r="http://schemas.openxmlformats.org/officeDocument/2006/relationships" xmlns:p="http://schemas.openxmlformats.org/presentationml/2006/main">
   <p:cSld>
@@ -6779,6 +7235,327 @@
     <p:extLst>
       <p:ext uri="{BB962C8B-B14F-4D97-AF65-F5344CB8AC3E}">
         <p14:creationId xmlns:p14="http://schemas.microsoft.com/office/powerpoint/2010/main" val="3028677410"/>
+      </p:ext>
+    </p:extLst>
+  </p:cSld>
+  <p:clrMapOvr>
+    <a:masterClrMapping/>
+  </p:clrMapOvr>
+</p:sld>
+</file>
+
+<file path=ppt/slides/slide30.xml><?xml version="1.0" encoding="utf-8"?>
+<p:sld xmlns:a="http://schemas.openxmlformats.org/drawingml/2006/main" xmlns:r="http://schemas.openxmlformats.org/officeDocument/2006/relationships" xmlns:p="http://schemas.openxmlformats.org/presentationml/2006/main">
+  <p:cSld>
+    <p:spTree>
+      <p:nvGrpSpPr>
+        <p:cNvPr id="1" name=""/>
+        <p:cNvGrpSpPr/>
+        <p:nvPr/>
+      </p:nvGrpSpPr>
+      <p:grpSpPr>
+        <a:xfrm>
+          <a:off x="0" y="0"/>
+          <a:ext cx="0" cy="0"/>
+          <a:chOff x="0" y="0"/>
+          <a:chExt cx="0" cy="0"/>
+        </a:xfrm>
+      </p:grpSpPr>
+      <p:sp>
+        <p:nvSpPr>
+          <p:cNvPr id="2" name="Title 1"/>
+          <p:cNvSpPr>
+            <a:spLocks noGrp="1"/>
+          </p:cNvSpPr>
+          <p:nvPr>
+            <p:ph type="title"/>
+          </p:nvPr>
+        </p:nvSpPr>
+        <p:spPr/>
+        <p:txBody>
+          <a:bodyPr/>
+          <a:lstStyle/>
+          <a:p>
+            <a:r>
+              <a:rPr lang="en-US" dirty="0" smtClean="0"/>
+              <a:t>Storm </a:t>
+            </a:r>
+            <a:r>
+              <a:rPr lang="en-US" dirty="0" err="1" smtClean="0"/>
+              <a:t>vs</a:t>
+            </a:r>
+            <a:r>
+              <a:rPr lang="en-US" dirty="0" smtClean="0"/>
+              <a:t> Spark Streaming</a:t>
+            </a:r>
+            <a:endParaRPr lang="en-US" dirty="0"/>
+          </a:p>
+        </p:txBody>
+      </p:sp>
+      <p:sp>
+        <p:nvSpPr>
+          <p:cNvPr id="3" name="Content Placeholder 2"/>
+          <p:cNvSpPr>
+            <a:spLocks noGrp="1"/>
+          </p:cNvSpPr>
+          <p:nvPr>
+            <p:ph idx="1"/>
+          </p:nvPr>
+        </p:nvSpPr>
+        <p:spPr/>
+        <p:txBody>
+          <a:bodyPr>
+            <a:normAutofit fontScale="85000" lnSpcReduction="10000"/>
+          </a:bodyPr>
+          <a:lstStyle/>
+          <a:p>
+            <a:r>
+              <a:rPr lang="en-US" dirty="0" smtClean="0"/>
+              <a:t>“Classic” Storm has no counterpart in Spark </a:t>
+            </a:r>
+          </a:p>
+          <a:p>
+            <a:pPr lvl="1"/>
+            <a:r>
+              <a:rPr lang="en-US" dirty="0" smtClean="0"/>
+              <a:t>Spouts and Bolts</a:t>
+            </a:r>
+          </a:p>
+          <a:p>
+            <a:pPr lvl="1"/>
+            <a:r>
+              <a:rPr lang="en-US" dirty="0" smtClean="0"/>
+              <a:t>Event by event processing</a:t>
+            </a:r>
+          </a:p>
+          <a:p>
+            <a:r>
+              <a:rPr lang="en-US" dirty="0" smtClean="0"/>
+              <a:t>Trident and Streaming both offer micro-batch models </a:t>
+            </a:r>
+          </a:p>
+          <a:p>
+            <a:pPr lvl="1"/>
+            <a:r>
+              <a:rPr lang="en-US" dirty="0" smtClean="0"/>
+              <a:t>More </a:t>
+            </a:r>
+            <a:r>
+              <a:rPr lang="en-US" dirty="0" err="1" smtClean="0"/>
+              <a:t>performant</a:t>
+            </a:r>
+            <a:r>
+              <a:rPr lang="en-US" dirty="0" smtClean="0"/>
+              <a:t> but less flexible</a:t>
+            </a:r>
+          </a:p>
+          <a:p>
+            <a:r>
+              <a:rPr lang="en-US" dirty="0" smtClean="0"/>
+              <a:t>Storm is more flexible for pure streaming systems</a:t>
+            </a:r>
+          </a:p>
+          <a:p>
+            <a:r>
+              <a:rPr lang="en-US" dirty="0" smtClean="0"/>
+              <a:t>Spark offers a much more unified programming model for Batch and Streaming</a:t>
+            </a:r>
+          </a:p>
+        </p:txBody>
+      </p:sp>
+    </p:spTree>
+    <p:extLst>
+      <p:ext uri="{BB962C8B-B14F-4D97-AF65-F5344CB8AC3E}">
+        <p14:creationId xmlns:p14="http://schemas.microsoft.com/office/powerpoint/2010/main" val="122685410"/>
+      </p:ext>
+    </p:extLst>
+  </p:cSld>
+  <p:clrMapOvr>
+    <a:masterClrMapping/>
+  </p:clrMapOvr>
+</p:sld>
+</file>
+
+<file path=ppt/slides/slide31.xml><?xml version="1.0" encoding="utf-8"?>
+<p:sld xmlns:a="http://schemas.openxmlformats.org/drawingml/2006/main" xmlns:r="http://schemas.openxmlformats.org/officeDocument/2006/relationships" xmlns:p="http://schemas.openxmlformats.org/presentationml/2006/main">
+  <p:cSld>
+    <p:spTree>
+      <p:nvGrpSpPr>
+        <p:cNvPr id="1" name=""/>
+        <p:cNvGrpSpPr/>
+        <p:nvPr/>
+      </p:nvGrpSpPr>
+      <p:grpSpPr>
+        <a:xfrm>
+          <a:off x="0" y="0"/>
+          <a:ext cx="0" cy="0"/>
+          <a:chOff x="0" y="0"/>
+          <a:chExt cx="0" cy="0"/>
+        </a:xfrm>
+      </p:grpSpPr>
+      <p:sp>
+        <p:nvSpPr>
+          <p:cNvPr id="2" name="Title 1"/>
+          <p:cNvSpPr>
+            <a:spLocks noGrp="1"/>
+          </p:cNvSpPr>
+          <p:nvPr>
+            <p:ph type="title"/>
+          </p:nvPr>
+        </p:nvSpPr>
+        <p:spPr/>
+        <p:txBody>
+          <a:bodyPr/>
+          <a:lstStyle/>
+          <a:p>
+            <a:r>
+              <a:rPr lang="en-US" dirty="0" smtClean="0"/>
+              <a:t>Summary</a:t>
+            </a:r>
+            <a:endParaRPr lang="en-US" dirty="0"/>
+          </a:p>
+        </p:txBody>
+      </p:sp>
+      <p:sp>
+        <p:nvSpPr>
+          <p:cNvPr id="3" name="Content Placeholder 2"/>
+          <p:cNvSpPr>
+            <a:spLocks noGrp="1"/>
+          </p:cNvSpPr>
+          <p:nvPr>
+            <p:ph idx="1"/>
+          </p:nvPr>
+        </p:nvSpPr>
+        <p:spPr/>
+        <p:txBody>
+          <a:bodyPr>
+            <a:normAutofit lnSpcReduction="10000"/>
+          </a:bodyPr>
+          <a:lstStyle/>
+          <a:p>
+            <a:r>
+              <a:rPr lang="en-US" dirty="0" err="1" smtClean="0"/>
+              <a:t>Realtime</a:t>
+            </a:r>
+            <a:r>
+              <a:rPr lang="en-US" dirty="0" smtClean="0"/>
+              <a:t> processing is hard</a:t>
+            </a:r>
+          </a:p>
+          <a:p>
+            <a:pPr lvl="1"/>
+            <a:r>
+              <a:rPr lang="en-US" dirty="0" smtClean="0"/>
+              <a:t>Requires large memory and state</a:t>
+            </a:r>
+          </a:p>
+          <a:p>
+            <a:pPr lvl="1"/>
+            <a:r>
+              <a:rPr lang="en-US" dirty="0" smtClean="0"/>
+              <a:t>The lambda architecture splits the problem into batch and </a:t>
+            </a:r>
+            <a:r>
+              <a:rPr lang="en-US" dirty="0" err="1" smtClean="0"/>
+              <a:t>realtime</a:t>
+            </a:r>
+            <a:r>
+              <a:rPr lang="en-US" dirty="0" smtClean="0"/>
+              <a:t> challenges</a:t>
+            </a:r>
+          </a:p>
+          <a:p>
+            <a:r>
+              <a:rPr lang="en-US" dirty="0" smtClean="0"/>
+              <a:t>Multiple approaches:</a:t>
+            </a:r>
+          </a:p>
+          <a:p>
+            <a:pPr lvl="1"/>
+            <a:r>
+              <a:rPr lang="en-US" dirty="0" smtClean="0"/>
+              <a:t>Pure Streaming</a:t>
+            </a:r>
+          </a:p>
+          <a:p>
+            <a:pPr lvl="1"/>
+            <a:r>
+              <a:rPr lang="en-US" dirty="0" smtClean="0"/>
+              <a:t>Micro-batch</a:t>
+            </a:r>
+          </a:p>
+          <a:p>
+            <a:pPr lvl="1"/>
+            <a:r>
+              <a:rPr lang="en-US" smtClean="0"/>
+              <a:t>CEP</a:t>
+            </a:r>
+          </a:p>
+          <a:p>
+            <a:pPr marL="0" indent="0">
+              <a:buNone/>
+            </a:pPr>
+            <a:endParaRPr lang="en-US" dirty="0"/>
+          </a:p>
+        </p:txBody>
+      </p:sp>
+    </p:spTree>
+    <p:extLst>
+      <p:ext uri="{BB962C8B-B14F-4D97-AF65-F5344CB8AC3E}">
+        <p14:creationId xmlns:p14="http://schemas.microsoft.com/office/powerpoint/2010/main" val="3488167718"/>
+      </p:ext>
+    </p:extLst>
+  </p:cSld>
+  <p:clrMapOvr>
+    <a:masterClrMapping/>
+  </p:clrMapOvr>
+</p:sld>
+</file>
+
+<file path=ppt/slides/slide32.xml><?xml version="1.0" encoding="utf-8"?>
+<p:sld xmlns:a="http://schemas.openxmlformats.org/drawingml/2006/main" xmlns:r="http://schemas.openxmlformats.org/officeDocument/2006/relationships" xmlns:p="http://schemas.openxmlformats.org/presentationml/2006/main">
+  <p:cSld>
+    <p:spTree>
+      <p:nvGrpSpPr>
+        <p:cNvPr id="1" name=""/>
+        <p:cNvGrpSpPr/>
+        <p:nvPr/>
+      </p:nvGrpSpPr>
+      <p:grpSpPr>
+        <a:xfrm>
+          <a:off x="0" y="0"/>
+          <a:ext cx="0" cy="0"/>
+          <a:chOff x="0" y="0"/>
+          <a:chExt cx="0" cy="0"/>
+        </a:xfrm>
+      </p:grpSpPr>
+      <p:sp>
+        <p:nvSpPr>
+          <p:cNvPr id="2" name="Title 1"/>
+          <p:cNvSpPr>
+            <a:spLocks noGrp="1"/>
+          </p:cNvSpPr>
+          <p:nvPr>
+            <p:ph type="title"/>
+          </p:nvPr>
+        </p:nvSpPr>
+        <p:spPr/>
+        <p:txBody>
+          <a:bodyPr/>
+          <a:lstStyle/>
+          <a:p>
+            <a:r>
+              <a:rPr lang="en-US" dirty="0" smtClean="0"/>
+              <a:t>Questions?</a:t>
+            </a:r>
+            <a:endParaRPr lang="en-US" dirty="0"/>
+          </a:p>
+        </p:txBody>
+      </p:sp>
+    </p:spTree>
+    <p:extLst>
+      <p:ext uri="{BB962C8B-B14F-4D97-AF65-F5344CB8AC3E}">
+        <p14:creationId xmlns:p14="http://schemas.microsoft.com/office/powerpoint/2010/main" val="398042910"/>
       </p:ext>
     </p:extLst>
   </p:cSld>

--- a/pres-source/11-realtime-bigdata.pptx
+++ b/pres-source/11-realtime-bigdata.pptx
@@ -4284,7 +4284,7 @@
                 <a:ea typeface="ヒラギノ角ゴ ProN W3" charset="0"/>
                 <a:cs typeface="ヒラギノ角ゴ ProN W3" charset="0"/>
               </a:rPr>
-              <a:t>Sep 2016</a:t>
+              <a:t>July 2017</a:t>
             </a:r>
             <a:endParaRPr lang="en-US" dirty="0">
               <a:ea typeface="ヒラギノ角ゴ ProN W3" charset="0"/>
@@ -6318,7 +6318,6 @@
               <a:rPr lang="en-US" dirty="0"/>
               <a:t>No-downtime rolling deployments</a:t>
             </a:r>
-            <a:endParaRPr lang="en-US" dirty="0"/>
           </a:p>
         </p:txBody>
       </p:sp>
